--- a/Lecture/Lecture4_Operator_String .pptx
+++ b/Lecture/Lecture4_Operator_String .pptx
@@ -5,7 +5,7 @@
     <p:sldMasterId id="2147483843" r:id="rId1"/>
   </p:sldMasterIdLst>
   <p:notesMasterIdLst>
-    <p:notesMasterId r:id="rId27"/>
+    <p:notesMasterId r:id="rId28"/>
   </p:notesMasterIdLst>
   <p:sldIdLst>
     <p:sldId id="256" r:id="rId2"/>
@@ -28,11 +28,12 @@
     <p:sldId id="275" r:id="rId19"/>
     <p:sldId id="287" r:id="rId20"/>
     <p:sldId id="300" r:id="rId21"/>
-    <p:sldId id="301" r:id="rId22"/>
-    <p:sldId id="289" r:id="rId23"/>
-    <p:sldId id="276" r:id="rId24"/>
-    <p:sldId id="278" r:id="rId25"/>
-    <p:sldId id="281" r:id="rId26"/>
+    <p:sldId id="311" r:id="rId22"/>
+    <p:sldId id="301" r:id="rId23"/>
+    <p:sldId id="289" r:id="rId24"/>
+    <p:sldId id="276" r:id="rId25"/>
+    <p:sldId id="278" r:id="rId26"/>
+    <p:sldId id="281" r:id="rId27"/>
   </p:sldIdLst>
   <p:sldSz cx="12192000" cy="6858000"/>
   <p:notesSz cx="6858000" cy="9144000"/>
@@ -221,7 +222,7 @@
           <a:p>
             <a:fld id="{6F8F50F7-979F-417A-9318-F7435AFE106D}" type="datetimeFigureOut">
               <a:rPr lang="en-US" smtClean="0"/>
-              <a:t>26-May-24</a:t>
+              <a:t>29-May-24</a:t>
             </a:fld>
             <a:endParaRPr lang="en-US"/>
           </a:p>
@@ -760,7 +761,7 @@
           <a:p>
             <a:fld id="{47141F06-E794-4EFC-981D-77C364B52985}" type="datetime1">
               <a:rPr lang="en-US" smtClean="0"/>
-              <a:t>26-May-24</a:t>
+              <a:t>29-May-24</a:t>
             </a:fld>
             <a:endParaRPr lang="en-US"/>
           </a:p>
@@ -1098,7 +1099,7 @@
           <a:p>
             <a:fld id="{B33B1352-D31E-478B-BBB3-EC404CB27062}" type="datetime1">
               <a:rPr lang="en-US" smtClean="0"/>
-              <a:t>26-May-24</a:t>
+              <a:t>29-May-24</a:t>
             </a:fld>
             <a:endParaRPr lang="en-US" dirty="0"/>
           </a:p>
@@ -1500,7 +1501,7 @@
           <a:p>
             <a:fld id="{ED5895FA-2F59-4FD8-AF9F-C07D99803CC4}" type="datetime1">
               <a:rPr lang="en-US" smtClean="0"/>
-              <a:t>26-May-24</a:t>
+              <a:t>29-May-24</a:t>
             </a:fld>
             <a:endParaRPr lang="en-US" dirty="0"/>
           </a:p>
@@ -1837,7 +1838,7 @@
           <a:p>
             <a:fld id="{78FE75F4-FB67-4627-9C8C-07FE36C94A78}" type="datetime1">
               <a:rPr lang="en-US" smtClean="0"/>
-              <a:t>26-May-24</a:t>
+              <a:t>29-May-24</a:t>
             </a:fld>
             <a:endParaRPr lang="en-US" dirty="0"/>
           </a:p>
@@ -2158,7 +2159,7 @@
           <a:p>
             <a:fld id="{D66D566D-C8DC-41F0-B4D1-87E599ACA3EA}" type="datetime1">
               <a:rPr lang="en-US" smtClean="0"/>
-              <a:t>26-May-24</a:t>
+              <a:t>29-May-24</a:t>
             </a:fld>
             <a:endParaRPr lang="en-US" dirty="0"/>
           </a:p>
@@ -2555,7 +2556,7 @@
           <a:p>
             <a:fld id="{6853EEDA-58A2-49D8-80CE-676D5887B457}" type="datetime1">
               <a:rPr lang="en-US" smtClean="0"/>
-              <a:t>26-May-24</a:t>
+              <a:t>29-May-24</a:t>
             </a:fld>
             <a:endParaRPr lang="en-US" dirty="0"/>
           </a:p>
@@ -2813,7 +2814,7 @@
           <a:p>
             <a:fld id="{1140E4F1-A413-4120-B1BE-CFCD0522E21F}" type="datetime1">
               <a:rPr lang="en-US" smtClean="0"/>
-              <a:t>26-May-24</a:t>
+              <a:t>29-May-24</a:t>
             </a:fld>
             <a:endParaRPr lang="en-US" dirty="0"/>
           </a:p>
@@ -3076,7 +3077,7 @@
           <a:p>
             <a:fld id="{FC5D1D4D-915C-40C4-B564-6BB76950728A}" type="datetime1">
               <a:rPr lang="en-US" smtClean="0"/>
-              <a:t>26-May-24</a:t>
+              <a:t>29-May-24</a:t>
             </a:fld>
             <a:endParaRPr lang="en-US" dirty="0"/>
           </a:p>
@@ -3339,7 +3340,7 @@
           <a:p>
             <a:fld id="{54C06224-B53B-4FE2-BA7A-AB5C0CD11AE8}" type="datetime1">
               <a:rPr lang="en-US" smtClean="0"/>
-              <a:t>26-May-24</a:t>
+              <a:t>29-May-24</a:t>
             </a:fld>
             <a:endParaRPr lang="en-US" dirty="0"/>
           </a:p>
@@ -3669,7 +3670,7 @@
           <a:p>
             <a:fld id="{BC176B63-8C3E-45E9-839C-4A497BD5833F}" type="datetime1">
               <a:rPr lang="en-US" smtClean="0"/>
-              <a:t>26-May-24</a:t>
+              <a:t>29-May-24</a:t>
             </a:fld>
             <a:endParaRPr lang="en-US" dirty="0"/>
           </a:p>
@@ -3992,7 +3993,7 @@
           <a:p>
             <a:fld id="{82A578A0-1F92-4525-A89A-BE254CA332B1}" type="datetime1">
               <a:rPr lang="en-US" smtClean="0"/>
-              <a:t>26-May-24</a:t>
+              <a:t>29-May-24</a:t>
             </a:fld>
             <a:endParaRPr lang="en-US" dirty="0"/>
           </a:p>
@@ -4450,7 +4451,7 @@
           <a:p>
             <a:fld id="{CB4C81B7-5274-45A6-92AD-02F8843029E3}" type="datetime1">
               <a:rPr lang="en-US" smtClean="0"/>
-              <a:t>26-May-24</a:t>
+              <a:t>29-May-24</a:t>
             </a:fld>
             <a:endParaRPr lang="en-US" dirty="0"/>
           </a:p>
@@ -4656,7 +4657,7 @@
           <a:p>
             <a:fld id="{A424BBCC-91F7-4ACB-A2E9-66DFDD6A36A5}" type="datetime1">
               <a:rPr lang="en-US" smtClean="0"/>
-              <a:t>26-May-24</a:t>
+              <a:t>29-May-24</a:t>
             </a:fld>
             <a:endParaRPr lang="en-US" dirty="0"/>
           </a:p>
@@ -4833,7 +4834,7 @@
           <a:p>
             <a:fld id="{BF9FE816-900F-4075-995B-132733144297}" type="datetime1">
               <a:rPr lang="en-US" smtClean="0"/>
-              <a:t>26-May-24</a:t>
+              <a:t>29-May-24</a:t>
             </a:fld>
             <a:endParaRPr lang="en-US" dirty="0"/>
           </a:p>
@@ -5166,7 +5167,7 @@
           <a:p>
             <a:fld id="{757EC048-7AC1-4542-9E95-384F191C2DC9}" type="datetime1">
               <a:rPr lang="en-US" smtClean="0"/>
-              <a:t>26-May-24</a:t>
+              <a:t>29-May-24</a:t>
             </a:fld>
             <a:endParaRPr lang="en-US" dirty="0"/>
           </a:p>
@@ -5512,7 +5513,7 @@
           <a:p>
             <a:fld id="{FD2470BC-96A7-4EB4-B1D8-3C308F46B902}" type="datetime1">
               <a:rPr lang="en-US" smtClean="0"/>
-              <a:t>26-May-24</a:t>
+              <a:t>29-May-24</a:t>
             </a:fld>
             <a:endParaRPr lang="en-US" dirty="0"/>
           </a:p>
@@ -7629,7 +7630,7 @@
           <a:p>
             <a:fld id="{8027C177-9F26-4481-A976-C3DABC3516E1}" type="datetime1">
               <a:rPr lang="en-US" smtClean="0"/>
-              <a:t>26-May-24</a:t>
+              <a:t>29-May-24</a:t>
             </a:fld>
             <a:endParaRPr lang="en-US" dirty="0"/>
           </a:p>
@@ -13783,8 +13784,21 @@
                   <a:schemeClr val="tx1"/>
                 </a:solidFill>
               </a:rPr>
-              <a:t>Make the sequence : abba</a:t>
-            </a:r>
+              <a:t> </a:t>
+            </a:r>
+            <a:r>
+              <a:rPr lang="en-US" sz="2000" b="1" dirty="0" err="1">
+                <a:solidFill>
+                  <a:schemeClr val="tx1"/>
+                </a:solidFill>
+              </a:rPr>
+              <a:t>non_start</a:t>
+            </a:r>
+            <a:endParaRPr lang="en-US" sz="2000" b="1" dirty="0">
+              <a:solidFill>
+                <a:schemeClr val="tx1"/>
+              </a:solidFill>
+            </a:endParaRPr>
           </a:p>
           <a:p>
             <a:pPr>
@@ -13793,28 +13807,12 @@
               </a:lnSpc>
             </a:pPr>
             <a:r>
-              <a:rPr lang="en-US" dirty="0">
-                <a:solidFill>
-                  <a:schemeClr val="tx1"/>
-                </a:solidFill>
-              </a:rPr>
-              <a:t>Given two strings, a and b, return the result of putting them together in the order abba, e.g. "Hi" and "Bye" returns "</a:t>
-            </a:r>
-            <a:r>
-              <a:rPr lang="en-US" dirty="0" err="1">
-                <a:solidFill>
-                  <a:schemeClr val="tx1"/>
-                </a:solidFill>
-              </a:rPr>
-              <a:t>HiByeByeHi</a:t>
-            </a:r>
-            <a:r>
-              <a:rPr lang="en-US" dirty="0">
-                <a:solidFill>
-                  <a:schemeClr val="tx1"/>
-                </a:solidFill>
-              </a:rPr>
-              <a:t>".</a:t>
+              <a:rPr lang="en-US" sz="2000" dirty="0">
+                <a:solidFill>
+                  <a:schemeClr val="tx1"/>
+                </a:solidFill>
+              </a:rPr>
+              <a:t>Given 2 strings, return their concatenation, except omit the first char of each. The strings will be at least length 1.</a:t>
             </a:r>
           </a:p>
           <a:p>
@@ -13823,7 +13821,7 @@
                 <a:spcPct val="90000"/>
               </a:lnSpc>
             </a:pPr>
-            <a:endParaRPr lang="en-US" dirty="0">
+            <a:endParaRPr lang="en-US" sz="2000" dirty="0">
               <a:solidFill>
                 <a:schemeClr val="tx1"/>
               </a:solidFill>
@@ -13835,38 +13833,11 @@
                 <a:spcPct val="90000"/>
               </a:lnSpc>
             </a:pPr>
-            <a:r>
-              <a:rPr lang="en-US" dirty="0" err="1">
-                <a:solidFill>
-                  <a:schemeClr val="tx1"/>
-                </a:solidFill>
-              </a:rPr>
-              <a:t>make_abba</a:t>
-            </a:r>
-            <a:r>
-              <a:rPr lang="en-US" dirty="0">
-                <a:solidFill>
-                  <a:schemeClr val="tx1"/>
-                </a:solidFill>
-              </a:rPr>
-              <a:t>('Hi', 'Bye') → '</a:t>
-            </a:r>
-            <a:r>
-              <a:rPr lang="en-US" dirty="0" err="1">
-                <a:solidFill>
-                  <a:schemeClr val="tx1"/>
-                </a:solidFill>
-              </a:rPr>
-              <a:t>HiByeByeHi</a:t>
-            </a:r>
-            <a:r>
-              <a:rPr lang="en-US" dirty="0">
-                <a:solidFill>
-                  <a:schemeClr val="tx1"/>
-                </a:solidFill>
-              </a:rPr>
-              <a:t>'</a:t>
-            </a:r>
+            <a:endParaRPr lang="en-US" sz="2000" dirty="0">
+              <a:solidFill>
+                <a:schemeClr val="tx1"/>
+              </a:solidFill>
+            </a:endParaRPr>
           </a:p>
           <a:p>
             <a:pPr>
@@ -13875,47 +13846,31 @@
               </a:lnSpc>
             </a:pPr>
             <a:r>
-              <a:rPr lang="en-US" dirty="0" err="1">
-                <a:solidFill>
-                  <a:schemeClr val="tx1"/>
-                </a:solidFill>
-              </a:rPr>
-              <a:t>make_abba</a:t>
-            </a:r>
-            <a:r>
-              <a:rPr lang="en-US" dirty="0">
-                <a:solidFill>
-                  <a:schemeClr val="tx1"/>
-                </a:solidFill>
-              </a:rPr>
-              <a:t>('</a:t>
-            </a:r>
-            <a:r>
-              <a:rPr lang="en-US" dirty="0" err="1">
-                <a:solidFill>
-                  <a:schemeClr val="tx1"/>
-                </a:solidFill>
-              </a:rPr>
-              <a:t>Yo</a:t>
-            </a:r>
-            <a:r>
-              <a:rPr lang="en-US" dirty="0">
-                <a:solidFill>
-                  <a:schemeClr val="tx1"/>
-                </a:solidFill>
-              </a:rPr>
-              <a:t>', 'Alice') → '</a:t>
-            </a:r>
-            <a:r>
-              <a:rPr lang="en-US" dirty="0" err="1">
-                <a:solidFill>
-                  <a:schemeClr val="tx1"/>
-                </a:solidFill>
-              </a:rPr>
-              <a:t>YoAliceAliceYo</a:t>
-            </a:r>
-            <a:r>
-              <a:rPr lang="en-US" dirty="0">
+              <a:rPr lang="en-US" sz="2000" dirty="0" err="1">
+                <a:solidFill>
+                  <a:schemeClr val="tx1"/>
+                </a:solidFill>
+              </a:rPr>
+              <a:t>non_start</a:t>
+            </a:r>
+            <a:r>
+              <a:rPr lang="en-US" sz="2000" dirty="0">
+                <a:solidFill>
+                  <a:schemeClr val="tx1"/>
+                </a:solidFill>
+              </a:rPr>
+              <a:t>('Hello', 'There') → '</a:t>
+            </a:r>
+            <a:r>
+              <a:rPr lang="en-US" sz="2000" dirty="0" err="1">
+                <a:solidFill>
+                  <a:schemeClr val="tx1"/>
+                </a:solidFill>
+              </a:rPr>
+              <a:t>ellohere</a:t>
+            </a:r>
+            <a:r>
+              <a:rPr lang="en-US" sz="2000" dirty="0">
                 <a:solidFill>
                   <a:schemeClr val="tx1"/>
                 </a:solidFill>
@@ -13930,28 +13885,91 @@
               </a:lnSpc>
             </a:pPr>
             <a:r>
-              <a:rPr lang="en-US" dirty="0" err="1">
-                <a:solidFill>
-                  <a:schemeClr val="tx1"/>
-                </a:solidFill>
-              </a:rPr>
-              <a:t>make_abba</a:t>
-            </a:r>
-            <a:r>
-              <a:rPr lang="en-US" dirty="0">
-                <a:solidFill>
-                  <a:schemeClr val="tx1"/>
-                </a:solidFill>
-              </a:rPr>
-              <a:t>('What', 'Up') → '</a:t>
-            </a:r>
-            <a:r>
-              <a:rPr lang="en-US" dirty="0" err="1">
-                <a:solidFill>
-                  <a:schemeClr val="tx1"/>
-                </a:solidFill>
-              </a:rPr>
-              <a:t>WhatUpUpWhat</a:t>
+              <a:rPr lang="en-US" sz="2000" dirty="0" err="1">
+                <a:solidFill>
+                  <a:schemeClr val="tx1"/>
+                </a:solidFill>
+              </a:rPr>
+              <a:t>non_start</a:t>
+            </a:r>
+            <a:r>
+              <a:rPr lang="en-US" sz="2000" dirty="0">
+                <a:solidFill>
+                  <a:schemeClr val="tx1"/>
+                </a:solidFill>
+              </a:rPr>
+              <a:t>('java', 'code') → '</a:t>
+            </a:r>
+            <a:r>
+              <a:rPr lang="en-US" sz="2000" dirty="0" err="1">
+                <a:solidFill>
+                  <a:schemeClr val="tx1"/>
+                </a:solidFill>
+              </a:rPr>
+              <a:t>avaode</a:t>
+            </a:r>
+            <a:r>
+              <a:rPr lang="en-US" sz="2000" dirty="0">
+                <a:solidFill>
+                  <a:schemeClr val="tx1"/>
+                </a:solidFill>
+              </a:rPr>
+              <a:t>'</a:t>
+            </a:r>
+          </a:p>
+          <a:p>
+            <a:pPr>
+              <a:lnSpc>
+                <a:spcPct val="90000"/>
+              </a:lnSpc>
+            </a:pPr>
+            <a:r>
+              <a:rPr lang="en-US" sz="2000" dirty="0" err="1">
+                <a:solidFill>
+                  <a:schemeClr val="tx1"/>
+                </a:solidFill>
+              </a:rPr>
+              <a:t>non_start</a:t>
+            </a:r>
+            <a:r>
+              <a:rPr lang="en-US" sz="2000" dirty="0">
+                <a:solidFill>
+                  <a:schemeClr val="tx1"/>
+                </a:solidFill>
+              </a:rPr>
+              <a:t>('</a:t>
+            </a:r>
+            <a:r>
+              <a:rPr lang="en-US" sz="2000" dirty="0" err="1">
+                <a:solidFill>
+                  <a:schemeClr val="tx1"/>
+                </a:solidFill>
+              </a:rPr>
+              <a:t>shotl</a:t>
+            </a:r>
+            <a:r>
+              <a:rPr lang="en-US" sz="2000" dirty="0">
+                <a:solidFill>
+                  <a:schemeClr val="tx1"/>
+                </a:solidFill>
+              </a:rPr>
+              <a:t>', 'java') → '</a:t>
+            </a:r>
+            <a:r>
+              <a:rPr lang="en-US" sz="2000" dirty="0" err="1">
+                <a:solidFill>
+                  <a:schemeClr val="tx1"/>
+                </a:solidFill>
+              </a:rPr>
+              <a:t>hotlava</a:t>
+            </a:r>
+            <a:r>
+              <a:rPr lang="en-US" sz="2000" dirty="0">
+                <a:solidFill>
+                  <a:schemeClr val="tx1"/>
+                </a:solidFill>
+              </a:rPr>
+              <a:t>'</a:t>
             </a:r>
             <a:r>
               <a:rPr lang="en-US" dirty="0">
@@ -14032,7 +14050,7 @@
     </p:spTree>
     <p:extLst>
       <p:ext uri="{BB962C8B-B14F-4D97-AF65-F5344CB8AC3E}">
-        <p14:creationId xmlns:p14="http://schemas.microsoft.com/office/powerpoint/2010/main" val="1269699084"/>
+        <p14:creationId xmlns:p14="http://schemas.microsoft.com/office/powerpoint/2010/main" val="2498540964"/>
       </p:ext>
     </p:extLst>
   </p:cSld>
@@ -14077,8 +14095,8 @@
         </p:nvSpPr>
         <p:spPr>
           <a:xfrm>
-            <a:off x="2589213" y="1"/>
-            <a:ext cx="8915399" cy="1631852"/>
+            <a:off x="2589213" y="0"/>
+            <a:ext cx="8915399" cy="2262781"/>
           </a:xfrm>
         </p:spPr>
         <p:txBody>
@@ -14123,241 +14141,31 @@
       </p:sp>
       <p:sp>
         <p:nvSpPr>
-          <p:cNvPr id="5" name="Subtitle 2">
+          <p:cNvPr id="7" name="Subtitle 2">
             <a:extLst>
               <a:ext uri="{FF2B5EF4-FFF2-40B4-BE49-F238E27FC236}">
-                <a16:creationId xmlns:a16="http://schemas.microsoft.com/office/drawing/2014/main" id="{7454EEA1-A671-744A-25C2-C19AA5D1384C}"/>
+                <a16:creationId xmlns:a16="http://schemas.microsoft.com/office/drawing/2014/main" id="{9F647FD7-7B2D-1E3D-7542-548468D4647F}"/>
               </a:ext>
             </a:extLst>
           </p:cNvPr>
-          <p:cNvSpPr txBox="1">
-            <a:spLocks/>
+          <p:cNvSpPr>
+            <a:spLocks noGrp="1"/>
           </p:cNvSpPr>
-          <p:nvPr/>
+          <p:nvPr>
+            <p:ph type="subTitle" idx="1"/>
+          </p:nvPr>
         </p:nvSpPr>
         <p:spPr>
           <a:xfrm>
-            <a:off x="2389922" y="2377980"/>
-            <a:ext cx="2055468" cy="3821395"/>
+            <a:off x="2814296" y="2693773"/>
+            <a:ext cx="8256979" cy="3476411"/>
           </a:xfrm>
-          <a:prstGeom prst="rect">
-            <a:avLst/>
-          </a:prstGeom>
         </p:spPr>
         <p:txBody>
-          <a:bodyPr vert="horz" lIns="91440" tIns="45720" rIns="91440" bIns="45720" rtlCol="0" anchor="t">
-            <a:noAutofit/>
+          <a:bodyPr>
+            <a:normAutofit/>
           </a:bodyPr>
-          <a:lstStyle>
-            <a:lvl1pPr marL="0" indent="0" algn="l" defTabSz="457200" rtl="0" eaLnBrk="1" latinLnBrk="0" hangingPunct="1">
-              <a:spcBef>
-                <a:spcPts val="1000"/>
-              </a:spcBef>
-              <a:spcAft>
-                <a:spcPts val="0"/>
-              </a:spcAft>
-              <a:buClr>
-                <a:schemeClr val="accent1"/>
-              </a:buClr>
-              <a:buFont typeface="Wingdings 3" charset="2"/>
-              <a:buNone/>
-              <a:defRPr sz="1800" kern="1200">
-                <a:solidFill>
-                  <a:schemeClr val="tx1">
-                    <a:lumMod val="65000"/>
-                    <a:lumOff val="35000"/>
-                  </a:schemeClr>
-                </a:solidFill>
-                <a:latin typeface="+mn-lt"/>
-                <a:ea typeface="+mn-ea"/>
-                <a:cs typeface="+mn-cs"/>
-              </a:defRPr>
-            </a:lvl1pPr>
-            <a:lvl2pPr marL="457200" indent="0" algn="ctr" defTabSz="457200" rtl="0" eaLnBrk="1" latinLnBrk="0" hangingPunct="1">
-              <a:spcBef>
-                <a:spcPts val="1000"/>
-              </a:spcBef>
-              <a:spcAft>
-                <a:spcPts val="0"/>
-              </a:spcAft>
-              <a:buClr>
-                <a:schemeClr val="accent1"/>
-              </a:buClr>
-              <a:buFont typeface="Wingdings 3" charset="2"/>
-              <a:buNone/>
-              <a:defRPr sz="1600" kern="1200">
-                <a:solidFill>
-                  <a:schemeClr val="tx1">
-                    <a:tint val="75000"/>
-                  </a:schemeClr>
-                </a:solidFill>
-                <a:latin typeface="+mn-lt"/>
-                <a:ea typeface="+mn-ea"/>
-                <a:cs typeface="+mn-cs"/>
-              </a:defRPr>
-            </a:lvl2pPr>
-            <a:lvl3pPr marL="914400" indent="0" algn="ctr" defTabSz="457200" rtl="0" eaLnBrk="1" latinLnBrk="0" hangingPunct="1">
-              <a:spcBef>
-                <a:spcPts val="1000"/>
-              </a:spcBef>
-              <a:spcAft>
-                <a:spcPts val="0"/>
-              </a:spcAft>
-              <a:buClr>
-                <a:schemeClr val="accent1"/>
-              </a:buClr>
-              <a:buFont typeface="Wingdings 3" charset="2"/>
-              <a:buNone/>
-              <a:defRPr sz="1400" kern="1200">
-                <a:solidFill>
-                  <a:schemeClr val="tx1">
-                    <a:tint val="75000"/>
-                  </a:schemeClr>
-                </a:solidFill>
-                <a:latin typeface="+mn-lt"/>
-                <a:ea typeface="+mn-ea"/>
-                <a:cs typeface="+mn-cs"/>
-              </a:defRPr>
-            </a:lvl3pPr>
-            <a:lvl4pPr marL="1371600" indent="0" algn="ctr" defTabSz="457200" rtl="0" eaLnBrk="1" latinLnBrk="0" hangingPunct="1">
-              <a:spcBef>
-                <a:spcPts val="1000"/>
-              </a:spcBef>
-              <a:spcAft>
-                <a:spcPts val="0"/>
-              </a:spcAft>
-              <a:buClr>
-                <a:schemeClr val="accent1"/>
-              </a:buClr>
-              <a:buFont typeface="Wingdings 3" charset="2"/>
-              <a:buNone/>
-              <a:defRPr sz="1200" kern="1200">
-                <a:solidFill>
-                  <a:schemeClr val="tx1">
-                    <a:tint val="75000"/>
-                  </a:schemeClr>
-                </a:solidFill>
-                <a:latin typeface="+mn-lt"/>
-                <a:ea typeface="+mn-ea"/>
-                <a:cs typeface="+mn-cs"/>
-              </a:defRPr>
-            </a:lvl4pPr>
-            <a:lvl5pPr marL="1828800" indent="0" algn="ctr" defTabSz="457200" rtl="0" eaLnBrk="1" latinLnBrk="0" hangingPunct="1">
-              <a:spcBef>
-                <a:spcPts val="1000"/>
-              </a:spcBef>
-              <a:spcAft>
-                <a:spcPts val="0"/>
-              </a:spcAft>
-              <a:buClr>
-                <a:schemeClr val="accent1"/>
-              </a:buClr>
-              <a:buFont typeface="Wingdings 3" charset="2"/>
-              <a:buNone/>
-              <a:defRPr sz="1200" kern="1200">
-                <a:solidFill>
-                  <a:schemeClr val="tx1">
-                    <a:tint val="75000"/>
-                  </a:schemeClr>
-                </a:solidFill>
-                <a:latin typeface="+mn-lt"/>
-                <a:ea typeface="+mn-ea"/>
-                <a:cs typeface="+mn-cs"/>
-              </a:defRPr>
-            </a:lvl5pPr>
-            <a:lvl6pPr marL="2286000" indent="0" algn="ctr" defTabSz="457200" rtl="0" eaLnBrk="1" latinLnBrk="0" hangingPunct="1">
-              <a:spcBef>
-                <a:spcPts val="1000"/>
-              </a:spcBef>
-              <a:spcAft>
-                <a:spcPts val="0"/>
-              </a:spcAft>
-              <a:buClr>
-                <a:schemeClr val="accent1"/>
-              </a:buClr>
-              <a:buFont typeface="Wingdings 3" charset="2"/>
-              <a:buNone/>
-              <a:defRPr sz="1200" kern="1200">
-                <a:solidFill>
-                  <a:schemeClr val="tx1">
-                    <a:tint val="75000"/>
-                  </a:schemeClr>
-                </a:solidFill>
-                <a:latin typeface="+mn-lt"/>
-                <a:ea typeface="+mn-ea"/>
-                <a:cs typeface="+mn-cs"/>
-              </a:defRPr>
-            </a:lvl6pPr>
-            <a:lvl7pPr marL="2743200" indent="0" algn="ctr" defTabSz="457200" rtl="0" eaLnBrk="1" latinLnBrk="0" hangingPunct="1">
-              <a:spcBef>
-                <a:spcPts val="1000"/>
-              </a:spcBef>
-              <a:spcAft>
-                <a:spcPts val="0"/>
-              </a:spcAft>
-              <a:buClr>
-                <a:schemeClr val="accent1"/>
-              </a:buClr>
-              <a:buFont typeface="Wingdings 3" charset="2"/>
-              <a:buNone/>
-              <a:defRPr sz="1200" kern="1200">
-                <a:solidFill>
-                  <a:schemeClr val="tx1">
-                    <a:tint val="75000"/>
-                  </a:schemeClr>
-                </a:solidFill>
-                <a:latin typeface="+mn-lt"/>
-                <a:ea typeface="+mn-ea"/>
-                <a:cs typeface="+mn-cs"/>
-              </a:defRPr>
-            </a:lvl7pPr>
-            <a:lvl8pPr marL="3200400" indent="0" algn="ctr" defTabSz="457200" rtl="0" eaLnBrk="1" latinLnBrk="0" hangingPunct="1">
-              <a:spcBef>
-                <a:spcPts val="1000"/>
-              </a:spcBef>
-              <a:spcAft>
-                <a:spcPts val="0"/>
-              </a:spcAft>
-              <a:buClr>
-                <a:schemeClr val="accent1"/>
-              </a:buClr>
-              <a:buFont typeface="Wingdings 3" charset="2"/>
-              <a:buNone/>
-              <a:defRPr sz="1200" kern="1200">
-                <a:solidFill>
-                  <a:schemeClr val="tx1">
-                    <a:tint val="75000"/>
-                  </a:schemeClr>
-                </a:solidFill>
-                <a:latin typeface="+mn-lt"/>
-                <a:ea typeface="+mn-ea"/>
-                <a:cs typeface="+mn-cs"/>
-              </a:defRPr>
-            </a:lvl8pPr>
-            <a:lvl9pPr marL="3657600" indent="0" algn="ctr" defTabSz="457200" rtl="0" eaLnBrk="1" latinLnBrk="0" hangingPunct="1">
-              <a:spcBef>
-                <a:spcPts val="1000"/>
-              </a:spcBef>
-              <a:spcAft>
-                <a:spcPts val="0"/>
-              </a:spcAft>
-              <a:buClr>
-                <a:schemeClr val="accent1"/>
-              </a:buClr>
-              <a:buFont typeface="Wingdings 3" charset="2"/>
-              <a:buNone/>
-              <a:defRPr sz="1200" kern="1200">
-                <a:solidFill>
-                  <a:schemeClr val="tx1">
-                    <a:tint val="75000"/>
-                  </a:schemeClr>
-                </a:solidFill>
-                <a:latin typeface="+mn-lt"/>
-                <a:ea typeface="+mn-ea"/>
-                <a:cs typeface="+mn-cs"/>
-              </a:defRPr>
-            </a:lvl9pPr>
-          </a:lstStyle>
+          <a:lstStyle/>
           <a:p>
             <a:pPr>
               <a:lnSpc>
@@ -14365,28 +14173,12 @@
               </a:lnSpc>
             </a:pPr>
             <a:r>
-              <a:rPr lang="en-US" sz="1400" dirty="0">
-                <a:solidFill>
-                  <a:schemeClr val="tx1"/>
-                </a:solidFill>
-              </a:rPr>
-              <a:t>7 </a:t>
-            </a:r>
-            <a:r>
-              <a:rPr lang="en-US" sz="1400" dirty="0" err="1">
-                <a:solidFill>
-                  <a:schemeClr val="tx1"/>
-                </a:solidFill>
-              </a:rPr>
-              <a:t>Sln</a:t>
-            </a:r>
-            <a:r>
-              <a:rPr lang="en-US" sz="1400" dirty="0">
-                <a:solidFill>
-                  <a:schemeClr val="tx1"/>
-                </a:solidFill>
-              </a:rPr>
-              <a:t>: </a:t>
+              <a:rPr lang="en-US" sz="2000" b="1" dirty="0">
+                <a:solidFill>
+                  <a:schemeClr val="tx1"/>
+                </a:solidFill>
+              </a:rPr>
+              <a:t>Make the sequence : abba</a:t>
             </a:r>
           </a:p>
           <a:p>
@@ -14396,12 +14188,28 @@
               </a:lnSpc>
             </a:pPr>
             <a:r>
-              <a:rPr lang="en-US" sz="1400" dirty="0">
-                <a:solidFill>
-                  <a:schemeClr val="tx1"/>
-                </a:solidFill>
-              </a:rPr>
-              <a:t>print("*")</a:t>
+              <a:rPr lang="en-US" dirty="0">
+                <a:solidFill>
+                  <a:schemeClr val="tx1"/>
+                </a:solidFill>
+              </a:rPr>
+              <a:t>Given two strings, a and b, return the result of putting them together in the order abba, e.g. "Hi" and "Bye" returns "</a:t>
+            </a:r>
+            <a:r>
+              <a:rPr lang="en-US" dirty="0" err="1">
+                <a:solidFill>
+                  <a:schemeClr val="tx1"/>
+                </a:solidFill>
+              </a:rPr>
+              <a:t>HiByeByeHi</a:t>
+            </a:r>
+            <a:r>
+              <a:rPr lang="en-US" dirty="0">
+                <a:solidFill>
+                  <a:schemeClr val="tx1"/>
+                </a:solidFill>
+              </a:rPr>
+              <a:t>".</a:t>
             </a:r>
           </a:p>
           <a:p>
@@ -14410,14 +14218,11 @@
                 <a:spcPct val="90000"/>
               </a:lnSpc>
             </a:pPr>
-            <a:r>
-              <a:rPr lang="en-US" sz="1400" dirty="0">
-                <a:solidFill>
-                  <a:schemeClr val="tx1"/>
-                </a:solidFill>
-              </a:rPr>
-              <a:t>print("**")</a:t>
-            </a:r>
+            <a:endParaRPr lang="en-US" dirty="0">
+              <a:solidFill>
+                <a:schemeClr val="tx1"/>
+              </a:solidFill>
+            </a:endParaRPr>
           </a:p>
           <a:p>
             <a:pPr>
@@ -14426,12 +14231,36 @@
               </a:lnSpc>
             </a:pPr>
             <a:r>
-              <a:rPr lang="en-US" sz="1400" dirty="0">
-                <a:solidFill>
-                  <a:schemeClr val="tx1"/>
-                </a:solidFill>
-              </a:rPr>
-              <a:t>print("***")</a:t>
+              <a:rPr lang="en-US" dirty="0" err="1">
+                <a:solidFill>
+                  <a:schemeClr val="tx1"/>
+                </a:solidFill>
+              </a:rPr>
+              <a:t>make_abba</a:t>
+            </a:r>
+            <a:r>
+              <a:rPr lang="en-US" dirty="0">
+                <a:solidFill>
+                  <a:schemeClr val="tx1"/>
+                </a:solidFill>
+              </a:rPr>
+              <a:t>('Hi', 'Bye') → '</a:t>
+            </a:r>
+            <a:r>
+              <a:rPr lang="en-US" dirty="0" err="1">
+                <a:solidFill>
+                  <a:schemeClr val="tx1"/>
+                </a:solidFill>
+              </a:rPr>
+              <a:t>HiByeByeHi</a:t>
+            </a:r>
+            <a:r>
+              <a:rPr lang="en-US" dirty="0">
+                <a:solidFill>
+                  <a:schemeClr val="tx1"/>
+                </a:solidFill>
+              </a:rPr>
+              <a:t>'</a:t>
             </a:r>
           </a:p>
           <a:p>
@@ -14441,12 +14270,52 @@
               </a:lnSpc>
             </a:pPr>
             <a:r>
-              <a:rPr lang="en-US" sz="1400" dirty="0">
-                <a:solidFill>
-                  <a:schemeClr val="tx1"/>
-                </a:solidFill>
-              </a:rPr>
-              <a:t>print("****")</a:t>
+              <a:rPr lang="en-US" dirty="0" err="1">
+                <a:solidFill>
+                  <a:schemeClr val="tx1"/>
+                </a:solidFill>
+              </a:rPr>
+              <a:t>make_abba</a:t>
+            </a:r>
+            <a:r>
+              <a:rPr lang="en-US" dirty="0">
+                <a:solidFill>
+                  <a:schemeClr val="tx1"/>
+                </a:solidFill>
+              </a:rPr>
+              <a:t>('</a:t>
+            </a:r>
+            <a:r>
+              <a:rPr lang="en-US" dirty="0" err="1">
+                <a:solidFill>
+                  <a:schemeClr val="tx1"/>
+                </a:solidFill>
+              </a:rPr>
+              <a:t>Yo</a:t>
+            </a:r>
+            <a:r>
+              <a:rPr lang="en-US" dirty="0">
+                <a:solidFill>
+                  <a:schemeClr val="tx1"/>
+                </a:solidFill>
+              </a:rPr>
+              <a:t>', 'Alice') → '</a:t>
+            </a:r>
+            <a:r>
+              <a:rPr lang="en-US" dirty="0" err="1">
+                <a:solidFill>
+                  <a:schemeClr val="tx1"/>
+                </a:solidFill>
+              </a:rPr>
+              <a:t>YoAliceAliceYo</a:t>
+            </a:r>
+            <a:r>
+              <a:rPr lang="en-US" dirty="0">
+                <a:solidFill>
+                  <a:schemeClr val="tx1"/>
+                </a:solidFill>
+              </a:rPr>
+              <a:t>'</a:t>
             </a:r>
           </a:p>
           <a:p>
@@ -14456,548 +14325,37 @@
               </a:lnSpc>
             </a:pPr>
             <a:r>
-              <a:rPr lang="en-US" sz="1400" dirty="0">
-                <a:solidFill>
-                  <a:schemeClr val="tx1"/>
-                </a:solidFill>
-              </a:rPr>
-              <a:t>print("*****")</a:t>
-            </a:r>
-          </a:p>
-          <a:p>
-            <a:pPr>
-              <a:lnSpc>
-                <a:spcPct val="90000"/>
-              </a:lnSpc>
-            </a:pPr>
-            <a:r>
-              <a:rPr lang="en-US" sz="1400" dirty="0">
-                <a:solidFill>
-                  <a:schemeClr val="tx1"/>
-                </a:solidFill>
-              </a:rPr>
-              <a:t>8 </a:t>
-            </a:r>
-            <a:r>
-              <a:rPr lang="en-US" sz="1400" dirty="0" err="1">
-                <a:solidFill>
-                  <a:schemeClr val="tx1"/>
-                </a:solidFill>
-              </a:rPr>
-              <a:t>Sln</a:t>
-            </a:r>
-            <a:r>
-              <a:rPr lang="en-US" sz="1400" dirty="0">
-                <a:solidFill>
-                  <a:schemeClr val="tx1"/>
-                </a:solidFill>
-              </a:rPr>
-              <a:t>:</a:t>
-            </a:r>
-          </a:p>
-          <a:p>
-            <a:pPr>
-              <a:lnSpc>
-                <a:spcPct val="90000"/>
-              </a:lnSpc>
-            </a:pPr>
-            <a:r>
-              <a:rPr lang="en-US" sz="1400" dirty="0">
-                <a:solidFill>
-                  <a:schemeClr val="tx1"/>
-                </a:solidFill>
-              </a:rPr>
-              <a:t>print("    *    ")</a:t>
-            </a:r>
-          </a:p>
-          <a:p>
-            <a:pPr>
-              <a:lnSpc>
-                <a:spcPct val="90000"/>
-              </a:lnSpc>
-            </a:pPr>
-            <a:r>
-              <a:rPr lang="en-US" sz="1400" dirty="0">
-                <a:solidFill>
-                  <a:schemeClr val="tx1"/>
-                </a:solidFill>
-              </a:rPr>
-              <a:t>print("   ***   ")</a:t>
-            </a:r>
-          </a:p>
-          <a:p>
-            <a:pPr>
-              <a:lnSpc>
-                <a:spcPct val="90000"/>
-              </a:lnSpc>
-            </a:pPr>
-            <a:r>
-              <a:rPr lang="en-US" sz="1400" dirty="0">
-                <a:solidFill>
-                  <a:schemeClr val="tx1"/>
-                </a:solidFill>
-              </a:rPr>
-              <a:t>print("  *****  ")</a:t>
-            </a:r>
-          </a:p>
-          <a:p>
-            <a:pPr>
-              <a:lnSpc>
-                <a:spcPct val="90000"/>
-              </a:lnSpc>
-            </a:pPr>
-            <a:r>
-              <a:rPr lang="en-US" sz="1400" dirty="0">
-                <a:solidFill>
-                  <a:schemeClr val="tx1"/>
-                </a:solidFill>
-              </a:rPr>
-              <a:t>print(" ******* ")</a:t>
-            </a:r>
-          </a:p>
-          <a:p>
-            <a:pPr>
-              <a:lnSpc>
-                <a:spcPct val="90000"/>
-              </a:lnSpc>
-            </a:pPr>
-            <a:r>
-              <a:rPr lang="en-US" sz="1400" dirty="0">
-                <a:solidFill>
-                  <a:schemeClr val="tx1"/>
-                </a:solidFill>
-              </a:rPr>
-              <a:t>print("*********")</a:t>
-            </a:r>
-          </a:p>
-          <a:p>
-            <a:pPr>
-              <a:lnSpc>
-                <a:spcPct val="90000"/>
-              </a:lnSpc>
-            </a:pPr>
-            <a:endParaRPr lang="en-US" sz="1400" dirty="0">
-              <a:solidFill>
-                <a:schemeClr val="tx1"/>
-              </a:solidFill>
-            </a:endParaRPr>
-          </a:p>
-        </p:txBody>
-      </p:sp>
-      <p:sp>
-        <p:nvSpPr>
-          <p:cNvPr id="8" name="Subtitle 2">
-            <a:extLst>
-              <a:ext uri="{FF2B5EF4-FFF2-40B4-BE49-F238E27FC236}">
-                <a16:creationId xmlns:a16="http://schemas.microsoft.com/office/drawing/2014/main" id="{F5ECE262-1084-80A4-B49D-3C527225F090}"/>
-              </a:ext>
-            </a:extLst>
-          </p:cNvPr>
-          <p:cNvSpPr txBox="1">
-            <a:spLocks/>
-          </p:cNvSpPr>
-          <p:nvPr/>
-        </p:nvSpPr>
-        <p:spPr>
-          <a:xfrm>
-            <a:off x="4185897" y="2377978"/>
-            <a:ext cx="1931204" cy="3568178"/>
-          </a:xfrm>
-          <a:prstGeom prst="rect">
-            <a:avLst/>
-          </a:prstGeom>
-        </p:spPr>
-        <p:txBody>
-          <a:bodyPr vert="horz" lIns="91440" tIns="45720" rIns="91440" bIns="45720" rtlCol="0" anchor="t">
-            <a:normAutofit/>
-          </a:bodyPr>
-          <a:lstStyle>
-            <a:lvl1pPr marL="0" indent="0" algn="l" defTabSz="457200" rtl="0" eaLnBrk="1" latinLnBrk="0" hangingPunct="1">
-              <a:spcBef>
-                <a:spcPts val="1000"/>
-              </a:spcBef>
-              <a:spcAft>
-                <a:spcPts val="0"/>
-              </a:spcAft>
-              <a:buClr>
-                <a:schemeClr val="accent1"/>
-              </a:buClr>
-              <a:buFont typeface="Wingdings 3" charset="2"/>
-              <a:buNone/>
-              <a:defRPr sz="1800" kern="1200">
-                <a:solidFill>
-                  <a:schemeClr val="tx1">
-                    <a:lumMod val="65000"/>
-                    <a:lumOff val="35000"/>
-                  </a:schemeClr>
-                </a:solidFill>
-                <a:latin typeface="+mn-lt"/>
-                <a:ea typeface="+mn-ea"/>
-                <a:cs typeface="+mn-cs"/>
-              </a:defRPr>
-            </a:lvl1pPr>
-            <a:lvl2pPr marL="457200" indent="0" algn="ctr" defTabSz="457200" rtl="0" eaLnBrk="1" latinLnBrk="0" hangingPunct="1">
-              <a:spcBef>
-                <a:spcPts val="1000"/>
-              </a:spcBef>
-              <a:spcAft>
-                <a:spcPts val="0"/>
-              </a:spcAft>
-              <a:buClr>
-                <a:schemeClr val="accent1"/>
-              </a:buClr>
-              <a:buFont typeface="Wingdings 3" charset="2"/>
-              <a:buNone/>
-              <a:defRPr sz="1600" kern="1200">
-                <a:solidFill>
-                  <a:schemeClr val="tx1">
-                    <a:tint val="75000"/>
-                  </a:schemeClr>
-                </a:solidFill>
-                <a:latin typeface="+mn-lt"/>
-                <a:ea typeface="+mn-ea"/>
-                <a:cs typeface="+mn-cs"/>
-              </a:defRPr>
-            </a:lvl2pPr>
-            <a:lvl3pPr marL="914400" indent="0" algn="ctr" defTabSz="457200" rtl="0" eaLnBrk="1" latinLnBrk="0" hangingPunct="1">
-              <a:spcBef>
-                <a:spcPts val="1000"/>
-              </a:spcBef>
-              <a:spcAft>
-                <a:spcPts val="0"/>
-              </a:spcAft>
-              <a:buClr>
-                <a:schemeClr val="accent1"/>
-              </a:buClr>
-              <a:buFont typeface="Wingdings 3" charset="2"/>
-              <a:buNone/>
-              <a:defRPr sz="1400" kern="1200">
-                <a:solidFill>
-                  <a:schemeClr val="tx1">
-                    <a:tint val="75000"/>
-                  </a:schemeClr>
-                </a:solidFill>
-                <a:latin typeface="+mn-lt"/>
-                <a:ea typeface="+mn-ea"/>
-                <a:cs typeface="+mn-cs"/>
-              </a:defRPr>
-            </a:lvl3pPr>
-            <a:lvl4pPr marL="1371600" indent="0" algn="ctr" defTabSz="457200" rtl="0" eaLnBrk="1" latinLnBrk="0" hangingPunct="1">
-              <a:spcBef>
-                <a:spcPts val="1000"/>
-              </a:spcBef>
-              <a:spcAft>
-                <a:spcPts val="0"/>
-              </a:spcAft>
-              <a:buClr>
-                <a:schemeClr val="accent1"/>
-              </a:buClr>
-              <a:buFont typeface="Wingdings 3" charset="2"/>
-              <a:buNone/>
-              <a:defRPr sz="1200" kern="1200">
-                <a:solidFill>
-                  <a:schemeClr val="tx1">
-                    <a:tint val="75000"/>
-                  </a:schemeClr>
-                </a:solidFill>
-                <a:latin typeface="+mn-lt"/>
-                <a:ea typeface="+mn-ea"/>
-                <a:cs typeface="+mn-cs"/>
-              </a:defRPr>
-            </a:lvl4pPr>
-            <a:lvl5pPr marL="1828800" indent="0" algn="ctr" defTabSz="457200" rtl="0" eaLnBrk="1" latinLnBrk="0" hangingPunct="1">
-              <a:spcBef>
-                <a:spcPts val="1000"/>
-              </a:spcBef>
-              <a:spcAft>
-                <a:spcPts val="0"/>
-              </a:spcAft>
-              <a:buClr>
-                <a:schemeClr val="accent1"/>
-              </a:buClr>
-              <a:buFont typeface="Wingdings 3" charset="2"/>
-              <a:buNone/>
-              <a:defRPr sz="1200" kern="1200">
-                <a:solidFill>
-                  <a:schemeClr val="tx1">
-                    <a:tint val="75000"/>
-                  </a:schemeClr>
-                </a:solidFill>
-                <a:latin typeface="+mn-lt"/>
-                <a:ea typeface="+mn-ea"/>
-                <a:cs typeface="+mn-cs"/>
-              </a:defRPr>
-            </a:lvl5pPr>
-            <a:lvl6pPr marL="2286000" indent="0" algn="ctr" defTabSz="457200" rtl="0" eaLnBrk="1" latinLnBrk="0" hangingPunct="1">
-              <a:spcBef>
-                <a:spcPts val="1000"/>
-              </a:spcBef>
-              <a:spcAft>
-                <a:spcPts val="0"/>
-              </a:spcAft>
-              <a:buClr>
-                <a:schemeClr val="accent1"/>
-              </a:buClr>
-              <a:buFont typeface="Wingdings 3" charset="2"/>
-              <a:buNone/>
-              <a:defRPr sz="1200" kern="1200">
-                <a:solidFill>
-                  <a:schemeClr val="tx1">
-                    <a:tint val="75000"/>
-                  </a:schemeClr>
-                </a:solidFill>
-                <a:latin typeface="+mn-lt"/>
-                <a:ea typeface="+mn-ea"/>
-                <a:cs typeface="+mn-cs"/>
-              </a:defRPr>
-            </a:lvl6pPr>
-            <a:lvl7pPr marL="2743200" indent="0" algn="ctr" defTabSz="457200" rtl="0" eaLnBrk="1" latinLnBrk="0" hangingPunct="1">
-              <a:spcBef>
-                <a:spcPts val="1000"/>
-              </a:spcBef>
-              <a:spcAft>
-                <a:spcPts val="0"/>
-              </a:spcAft>
-              <a:buClr>
-                <a:schemeClr val="accent1"/>
-              </a:buClr>
-              <a:buFont typeface="Wingdings 3" charset="2"/>
-              <a:buNone/>
-              <a:defRPr sz="1200" kern="1200">
-                <a:solidFill>
-                  <a:schemeClr val="tx1">
-                    <a:tint val="75000"/>
-                  </a:schemeClr>
-                </a:solidFill>
-                <a:latin typeface="+mn-lt"/>
-                <a:ea typeface="+mn-ea"/>
-                <a:cs typeface="+mn-cs"/>
-              </a:defRPr>
-            </a:lvl7pPr>
-            <a:lvl8pPr marL="3200400" indent="0" algn="ctr" defTabSz="457200" rtl="0" eaLnBrk="1" latinLnBrk="0" hangingPunct="1">
-              <a:spcBef>
-                <a:spcPts val="1000"/>
-              </a:spcBef>
-              <a:spcAft>
-                <a:spcPts val="0"/>
-              </a:spcAft>
-              <a:buClr>
-                <a:schemeClr val="accent1"/>
-              </a:buClr>
-              <a:buFont typeface="Wingdings 3" charset="2"/>
-              <a:buNone/>
-              <a:defRPr sz="1200" kern="1200">
-                <a:solidFill>
-                  <a:schemeClr val="tx1">
-                    <a:tint val="75000"/>
-                  </a:schemeClr>
-                </a:solidFill>
-                <a:latin typeface="+mn-lt"/>
-                <a:ea typeface="+mn-ea"/>
-                <a:cs typeface="+mn-cs"/>
-              </a:defRPr>
-            </a:lvl8pPr>
-            <a:lvl9pPr marL="3657600" indent="0" algn="ctr" defTabSz="457200" rtl="0" eaLnBrk="1" latinLnBrk="0" hangingPunct="1">
-              <a:spcBef>
-                <a:spcPts val="1000"/>
-              </a:spcBef>
-              <a:spcAft>
-                <a:spcPts val="0"/>
-              </a:spcAft>
-              <a:buClr>
-                <a:schemeClr val="accent1"/>
-              </a:buClr>
-              <a:buFont typeface="Wingdings 3" charset="2"/>
-              <a:buNone/>
-              <a:defRPr sz="1200" kern="1200">
-                <a:solidFill>
-                  <a:schemeClr val="tx1">
-                    <a:tint val="75000"/>
-                  </a:schemeClr>
-                </a:solidFill>
-                <a:latin typeface="+mn-lt"/>
-                <a:ea typeface="+mn-ea"/>
-                <a:cs typeface="+mn-cs"/>
-              </a:defRPr>
-            </a:lvl9pPr>
-          </a:lstStyle>
-          <a:p>
-            <a:pPr>
-              <a:lnSpc>
-                <a:spcPct val="90000"/>
-              </a:lnSpc>
-            </a:pPr>
-            <a:r>
-              <a:rPr lang="en-US" sz="1500" dirty="0">
-                <a:solidFill>
-                  <a:schemeClr val="tx1"/>
-                </a:solidFill>
-              </a:rPr>
-              <a:t>9 </a:t>
-            </a:r>
-            <a:r>
-              <a:rPr lang="en-US" sz="1500" dirty="0" err="1">
-                <a:solidFill>
-                  <a:schemeClr val="tx1"/>
-                </a:solidFill>
-              </a:rPr>
-              <a:t>Sln</a:t>
-            </a:r>
-            <a:r>
-              <a:rPr lang="en-US" sz="1500" dirty="0">
-                <a:solidFill>
-                  <a:schemeClr val="tx1"/>
-                </a:solidFill>
-              </a:rPr>
-              <a:t>:</a:t>
-            </a:r>
-          </a:p>
-          <a:p>
-            <a:pPr>
-              <a:lnSpc>
-                <a:spcPct val="90000"/>
-              </a:lnSpc>
-            </a:pPr>
-            <a:r>
-              <a:rPr lang="en-US" sz="1500" dirty="0">
-                <a:solidFill>
-                  <a:schemeClr val="tx1"/>
-                </a:solidFill>
-              </a:rPr>
-              <a:t>print("    *    ")</a:t>
-            </a:r>
-          </a:p>
-          <a:p>
-            <a:pPr>
-              <a:lnSpc>
-                <a:spcPct val="90000"/>
-              </a:lnSpc>
-            </a:pPr>
-            <a:r>
-              <a:rPr lang="en-US" sz="1500" dirty="0">
-                <a:solidFill>
-                  <a:schemeClr val="tx1"/>
-                </a:solidFill>
-              </a:rPr>
-              <a:t>print("   ***   ")</a:t>
-            </a:r>
-          </a:p>
-          <a:p>
-            <a:pPr>
-              <a:lnSpc>
-                <a:spcPct val="90000"/>
-              </a:lnSpc>
-            </a:pPr>
-            <a:r>
-              <a:rPr lang="en-US" sz="1500" dirty="0">
-                <a:solidFill>
-                  <a:schemeClr val="tx1"/>
-                </a:solidFill>
-              </a:rPr>
-              <a:t>print("  *****  ")</a:t>
-            </a:r>
-          </a:p>
-          <a:p>
-            <a:pPr>
-              <a:lnSpc>
-                <a:spcPct val="90000"/>
-              </a:lnSpc>
-            </a:pPr>
-            <a:r>
-              <a:rPr lang="en-US" sz="1500" dirty="0">
-                <a:solidFill>
-                  <a:schemeClr val="tx1"/>
-                </a:solidFill>
-              </a:rPr>
-              <a:t>print(" ******* ")</a:t>
-            </a:r>
-          </a:p>
-          <a:p>
-            <a:pPr>
-              <a:lnSpc>
-                <a:spcPct val="90000"/>
-              </a:lnSpc>
-            </a:pPr>
-            <a:r>
-              <a:rPr lang="en-US" sz="1500" dirty="0">
-                <a:solidFill>
-                  <a:schemeClr val="tx1"/>
-                </a:solidFill>
-              </a:rPr>
-              <a:t>print("*********")</a:t>
-            </a:r>
-          </a:p>
-          <a:p>
-            <a:pPr>
-              <a:lnSpc>
-                <a:spcPct val="90000"/>
-              </a:lnSpc>
-            </a:pPr>
-            <a:r>
-              <a:rPr lang="en-US" sz="1500" dirty="0">
-                <a:solidFill>
-                  <a:schemeClr val="tx1"/>
-                </a:solidFill>
-              </a:rPr>
-              <a:t>print(" ******* ")</a:t>
-            </a:r>
-          </a:p>
-          <a:p>
-            <a:pPr>
-              <a:lnSpc>
-                <a:spcPct val="90000"/>
-              </a:lnSpc>
-            </a:pPr>
-            <a:r>
-              <a:rPr lang="en-US" sz="1500" dirty="0">
-                <a:solidFill>
-                  <a:schemeClr val="tx1"/>
-                </a:solidFill>
-              </a:rPr>
-              <a:t>print("  *****  ")</a:t>
-            </a:r>
-          </a:p>
-          <a:p>
-            <a:pPr>
-              <a:lnSpc>
-                <a:spcPct val="90000"/>
-              </a:lnSpc>
-            </a:pPr>
-            <a:r>
-              <a:rPr lang="en-US" sz="1500" dirty="0">
-                <a:solidFill>
-                  <a:schemeClr val="tx1"/>
-                </a:solidFill>
-              </a:rPr>
-              <a:t>print("   ***   ")</a:t>
-            </a:r>
-          </a:p>
-          <a:p>
-            <a:pPr>
-              <a:lnSpc>
-                <a:spcPct val="90000"/>
-              </a:lnSpc>
-            </a:pPr>
-            <a:r>
-              <a:rPr lang="en-US" sz="1500" dirty="0">
-                <a:solidFill>
-                  <a:schemeClr val="tx1"/>
-                </a:solidFill>
-              </a:rPr>
-              <a:t>print("    *    ")</a:t>
-            </a:r>
-          </a:p>
-          <a:p>
-            <a:pPr>
-              <a:lnSpc>
-                <a:spcPct val="90000"/>
-              </a:lnSpc>
-            </a:pPr>
-            <a:endParaRPr lang="en-US" sz="1500" dirty="0">
-              <a:solidFill>
-                <a:schemeClr val="tx1"/>
-              </a:solidFill>
-            </a:endParaRPr>
+              <a:rPr lang="en-US" dirty="0" err="1">
+                <a:solidFill>
+                  <a:schemeClr val="tx1"/>
+                </a:solidFill>
+              </a:rPr>
+              <a:t>make_abba</a:t>
+            </a:r>
+            <a:r>
+              <a:rPr lang="en-US" dirty="0">
+                <a:solidFill>
+                  <a:schemeClr val="tx1"/>
+                </a:solidFill>
+              </a:rPr>
+              <a:t>('What', 'Up') → '</a:t>
+            </a:r>
+            <a:r>
+              <a:rPr lang="en-US" dirty="0" err="1">
+                <a:solidFill>
+                  <a:schemeClr val="tx1"/>
+                </a:solidFill>
+              </a:rPr>
+              <a:t>WhatUpUpWhat</a:t>
+            </a:r>
+            <a:r>
+              <a:rPr lang="en-US" dirty="0">
+                <a:solidFill>
+                  <a:schemeClr val="tx1"/>
+                </a:solidFill>
+              </a:rPr>
+              <a:t>'</a:t>
+            </a:r>
           </a:p>
         </p:txBody>
       </p:sp>
@@ -15006,7 +14364,7 @@
           <p:cNvPr id="3" name="Rectangle 2">
             <a:extLst>
               <a:ext uri="{FF2B5EF4-FFF2-40B4-BE49-F238E27FC236}">
-                <a16:creationId xmlns:a16="http://schemas.microsoft.com/office/drawing/2014/main" id="{57C05FB1-2DD2-42FC-0B68-3327BCF08771}"/>
+                <a16:creationId xmlns:a16="http://schemas.microsoft.com/office/drawing/2014/main" id="{BEC55DA6-1461-27D5-E63C-A4CD652FEF23}"/>
               </a:ext>
             </a:extLst>
           </p:cNvPr>
@@ -15066,1232 +14424,10 @@
           </a:p>
         </p:txBody>
       </p:sp>
-      <p:sp>
-        <p:nvSpPr>
-          <p:cNvPr id="11" name="Subtitle 2">
-            <a:extLst>
-              <a:ext uri="{FF2B5EF4-FFF2-40B4-BE49-F238E27FC236}">
-                <a16:creationId xmlns:a16="http://schemas.microsoft.com/office/drawing/2014/main" id="{E6739936-6FC7-CC36-62F8-4F3F581689DE}"/>
-              </a:ext>
-            </a:extLst>
-          </p:cNvPr>
-          <p:cNvSpPr txBox="1">
-            <a:spLocks/>
-          </p:cNvSpPr>
-          <p:nvPr/>
-        </p:nvSpPr>
-        <p:spPr>
-          <a:xfrm>
-            <a:off x="5960771" y="2377979"/>
-            <a:ext cx="2055468" cy="3821395"/>
-          </a:xfrm>
-          <a:prstGeom prst="rect">
-            <a:avLst/>
-          </a:prstGeom>
-        </p:spPr>
-        <p:txBody>
-          <a:bodyPr vert="horz" lIns="91440" tIns="45720" rIns="91440" bIns="45720" rtlCol="0" anchor="t">
-            <a:noAutofit/>
-          </a:bodyPr>
-          <a:lstStyle>
-            <a:lvl1pPr marL="0" indent="0" algn="l" defTabSz="457200" rtl="0" eaLnBrk="1" latinLnBrk="0" hangingPunct="1">
-              <a:spcBef>
-                <a:spcPts val="1000"/>
-              </a:spcBef>
-              <a:spcAft>
-                <a:spcPts val="0"/>
-              </a:spcAft>
-              <a:buClr>
-                <a:schemeClr val="accent1"/>
-              </a:buClr>
-              <a:buFont typeface="Wingdings 3" charset="2"/>
-              <a:buNone/>
-              <a:defRPr sz="1800" kern="1200">
-                <a:solidFill>
-                  <a:schemeClr val="tx1">
-                    <a:lumMod val="65000"/>
-                    <a:lumOff val="35000"/>
-                  </a:schemeClr>
-                </a:solidFill>
-                <a:latin typeface="+mn-lt"/>
-                <a:ea typeface="+mn-ea"/>
-                <a:cs typeface="+mn-cs"/>
-              </a:defRPr>
-            </a:lvl1pPr>
-            <a:lvl2pPr marL="457200" indent="0" algn="ctr" defTabSz="457200" rtl="0" eaLnBrk="1" latinLnBrk="0" hangingPunct="1">
-              <a:spcBef>
-                <a:spcPts val="1000"/>
-              </a:spcBef>
-              <a:spcAft>
-                <a:spcPts val="0"/>
-              </a:spcAft>
-              <a:buClr>
-                <a:schemeClr val="accent1"/>
-              </a:buClr>
-              <a:buFont typeface="Wingdings 3" charset="2"/>
-              <a:buNone/>
-              <a:defRPr sz="1600" kern="1200">
-                <a:solidFill>
-                  <a:schemeClr val="tx1">
-                    <a:tint val="75000"/>
-                  </a:schemeClr>
-                </a:solidFill>
-                <a:latin typeface="+mn-lt"/>
-                <a:ea typeface="+mn-ea"/>
-                <a:cs typeface="+mn-cs"/>
-              </a:defRPr>
-            </a:lvl2pPr>
-            <a:lvl3pPr marL="914400" indent="0" algn="ctr" defTabSz="457200" rtl="0" eaLnBrk="1" latinLnBrk="0" hangingPunct="1">
-              <a:spcBef>
-                <a:spcPts val="1000"/>
-              </a:spcBef>
-              <a:spcAft>
-                <a:spcPts val="0"/>
-              </a:spcAft>
-              <a:buClr>
-                <a:schemeClr val="accent1"/>
-              </a:buClr>
-              <a:buFont typeface="Wingdings 3" charset="2"/>
-              <a:buNone/>
-              <a:defRPr sz="1400" kern="1200">
-                <a:solidFill>
-                  <a:schemeClr val="tx1">
-                    <a:tint val="75000"/>
-                  </a:schemeClr>
-                </a:solidFill>
-                <a:latin typeface="+mn-lt"/>
-                <a:ea typeface="+mn-ea"/>
-                <a:cs typeface="+mn-cs"/>
-              </a:defRPr>
-            </a:lvl3pPr>
-            <a:lvl4pPr marL="1371600" indent="0" algn="ctr" defTabSz="457200" rtl="0" eaLnBrk="1" latinLnBrk="0" hangingPunct="1">
-              <a:spcBef>
-                <a:spcPts val="1000"/>
-              </a:spcBef>
-              <a:spcAft>
-                <a:spcPts val="0"/>
-              </a:spcAft>
-              <a:buClr>
-                <a:schemeClr val="accent1"/>
-              </a:buClr>
-              <a:buFont typeface="Wingdings 3" charset="2"/>
-              <a:buNone/>
-              <a:defRPr sz="1200" kern="1200">
-                <a:solidFill>
-                  <a:schemeClr val="tx1">
-                    <a:tint val="75000"/>
-                  </a:schemeClr>
-                </a:solidFill>
-                <a:latin typeface="+mn-lt"/>
-                <a:ea typeface="+mn-ea"/>
-                <a:cs typeface="+mn-cs"/>
-              </a:defRPr>
-            </a:lvl4pPr>
-            <a:lvl5pPr marL="1828800" indent="0" algn="ctr" defTabSz="457200" rtl="0" eaLnBrk="1" latinLnBrk="0" hangingPunct="1">
-              <a:spcBef>
-                <a:spcPts val="1000"/>
-              </a:spcBef>
-              <a:spcAft>
-                <a:spcPts val="0"/>
-              </a:spcAft>
-              <a:buClr>
-                <a:schemeClr val="accent1"/>
-              </a:buClr>
-              <a:buFont typeface="Wingdings 3" charset="2"/>
-              <a:buNone/>
-              <a:defRPr sz="1200" kern="1200">
-                <a:solidFill>
-                  <a:schemeClr val="tx1">
-                    <a:tint val="75000"/>
-                  </a:schemeClr>
-                </a:solidFill>
-                <a:latin typeface="+mn-lt"/>
-                <a:ea typeface="+mn-ea"/>
-                <a:cs typeface="+mn-cs"/>
-              </a:defRPr>
-            </a:lvl5pPr>
-            <a:lvl6pPr marL="2286000" indent="0" algn="ctr" defTabSz="457200" rtl="0" eaLnBrk="1" latinLnBrk="0" hangingPunct="1">
-              <a:spcBef>
-                <a:spcPts val="1000"/>
-              </a:spcBef>
-              <a:spcAft>
-                <a:spcPts val="0"/>
-              </a:spcAft>
-              <a:buClr>
-                <a:schemeClr val="accent1"/>
-              </a:buClr>
-              <a:buFont typeface="Wingdings 3" charset="2"/>
-              <a:buNone/>
-              <a:defRPr sz="1200" kern="1200">
-                <a:solidFill>
-                  <a:schemeClr val="tx1">
-                    <a:tint val="75000"/>
-                  </a:schemeClr>
-                </a:solidFill>
-                <a:latin typeface="+mn-lt"/>
-                <a:ea typeface="+mn-ea"/>
-                <a:cs typeface="+mn-cs"/>
-              </a:defRPr>
-            </a:lvl6pPr>
-            <a:lvl7pPr marL="2743200" indent="0" algn="ctr" defTabSz="457200" rtl="0" eaLnBrk="1" latinLnBrk="0" hangingPunct="1">
-              <a:spcBef>
-                <a:spcPts val="1000"/>
-              </a:spcBef>
-              <a:spcAft>
-                <a:spcPts val="0"/>
-              </a:spcAft>
-              <a:buClr>
-                <a:schemeClr val="accent1"/>
-              </a:buClr>
-              <a:buFont typeface="Wingdings 3" charset="2"/>
-              <a:buNone/>
-              <a:defRPr sz="1200" kern="1200">
-                <a:solidFill>
-                  <a:schemeClr val="tx1">
-                    <a:tint val="75000"/>
-                  </a:schemeClr>
-                </a:solidFill>
-                <a:latin typeface="+mn-lt"/>
-                <a:ea typeface="+mn-ea"/>
-                <a:cs typeface="+mn-cs"/>
-              </a:defRPr>
-            </a:lvl7pPr>
-            <a:lvl8pPr marL="3200400" indent="0" algn="ctr" defTabSz="457200" rtl="0" eaLnBrk="1" latinLnBrk="0" hangingPunct="1">
-              <a:spcBef>
-                <a:spcPts val="1000"/>
-              </a:spcBef>
-              <a:spcAft>
-                <a:spcPts val="0"/>
-              </a:spcAft>
-              <a:buClr>
-                <a:schemeClr val="accent1"/>
-              </a:buClr>
-              <a:buFont typeface="Wingdings 3" charset="2"/>
-              <a:buNone/>
-              <a:defRPr sz="1200" kern="1200">
-                <a:solidFill>
-                  <a:schemeClr val="tx1">
-                    <a:tint val="75000"/>
-                  </a:schemeClr>
-                </a:solidFill>
-                <a:latin typeface="+mn-lt"/>
-                <a:ea typeface="+mn-ea"/>
-                <a:cs typeface="+mn-cs"/>
-              </a:defRPr>
-            </a:lvl8pPr>
-            <a:lvl9pPr marL="3657600" indent="0" algn="ctr" defTabSz="457200" rtl="0" eaLnBrk="1" latinLnBrk="0" hangingPunct="1">
-              <a:spcBef>
-                <a:spcPts val="1000"/>
-              </a:spcBef>
-              <a:spcAft>
-                <a:spcPts val="0"/>
-              </a:spcAft>
-              <a:buClr>
-                <a:schemeClr val="accent1"/>
-              </a:buClr>
-              <a:buFont typeface="Wingdings 3" charset="2"/>
-              <a:buNone/>
-              <a:defRPr sz="1200" kern="1200">
-                <a:solidFill>
-                  <a:schemeClr val="tx1">
-                    <a:tint val="75000"/>
-                  </a:schemeClr>
-                </a:solidFill>
-                <a:latin typeface="+mn-lt"/>
-                <a:ea typeface="+mn-ea"/>
-                <a:cs typeface="+mn-cs"/>
-              </a:defRPr>
-            </a:lvl9pPr>
-          </a:lstStyle>
-          <a:p>
-            <a:pPr>
-              <a:lnSpc>
-                <a:spcPct val="90000"/>
-              </a:lnSpc>
-            </a:pPr>
-            <a:r>
-              <a:rPr lang="en-US" sz="1400" dirty="0">
-                <a:solidFill>
-                  <a:schemeClr val="tx1"/>
-                </a:solidFill>
-              </a:rPr>
-              <a:t>10 </a:t>
-            </a:r>
-            <a:r>
-              <a:rPr lang="en-US" sz="1400" dirty="0" err="1">
-                <a:solidFill>
-                  <a:schemeClr val="tx1"/>
-                </a:solidFill>
-              </a:rPr>
-              <a:t>Sln</a:t>
-            </a:r>
-            <a:r>
-              <a:rPr lang="en-US" sz="1400" dirty="0">
-                <a:solidFill>
-                  <a:schemeClr val="tx1"/>
-                </a:solidFill>
-              </a:rPr>
-              <a:t>: </a:t>
-            </a:r>
-          </a:p>
-          <a:p>
-            <a:pPr>
-              <a:lnSpc>
-                <a:spcPct val="90000"/>
-              </a:lnSpc>
-            </a:pPr>
-            <a:r>
-              <a:rPr lang="en-US" sz="1400" dirty="0">
-                <a:solidFill>
-                  <a:schemeClr val="tx1"/>
-                </a:solidFill>
-              </a:rPr>
-              <a:t>print("*****")</a:t>
-            </a:r>
-          </a:p>
-          <a:p>
-            <a:pPr>
-              <a:lnSpc>
-                <a:spcPct val="90000"/>
-              </a:lnSpc>
-            </a:pPr>
-            <a:r>
-              <a:rPr lang="en-US" sz="1400" dirty="0">
-                <a:solidFill>
-                  <a:schemeClr val="tx1"/>
-                </a:solidFill>
-              </a:rPr>
-              <a:t>print("*    *")</a:t>
-            </a:r>
-          </a:p>
-          <a:p>
-            <a:pPr>
-              <a:lnSpc>
-                <a:spcPct val="90000"/>
-              </a:lnSpc>
-            </a:pPr>
-            <a:r>
-              <a:rPr lang="en-US" sz="1400" dirty="0">
-                <a:solidFill>
-                  <a:schemeClr val="tx1"/>
-                </a:solidFill>
-              </a:rPr>
-              <a:t>print("*    *")</a:t>
-            </a:r>
-          </a:p>
-          <a:p>
-            <a:pPr>
-              <a:lnSpc>
-                <a:spcPct val="90000"/>
-              </a:lnSpc>
-            </a:pPr>
-            <a:r>
-              <a:rPr lang="en-US" sz="1400" dirty="0">
-                <a:solidFill>
-                  <a:schemeClr val="tx1"/>
-                </a:solidFill>
-              </a:rPr>
-              <a:t>print("*    *")</a:t>
-            </a:r>
-          </a:p>
-          <a:p>
-            <a:pPr>
-              <a:lnSpc>
-                <a:spcPct val="90000"/>
-              </a:lnSpc>
-            </a:pPr>
-            <a:r>
-              <a:rPr lang="en-US" sz="1400" dirty="0">
-                <a:solidFill>
-                  <a:schemeClr val="tx1"/>
-                </a:solidFill>
-              </a:rPr>
-              <a:t>print("*****")</a:t>
-            </a:r>
-          </a:p>
-          <a:p>
-            <a:pPr>
-              <a:lnSpc>
-                <a:spcPct val="90000"/>
-              </a:lnSpc>
-            </a:pPr>
-            <a:r>
-              <a:rPr lang="en-US" sz="1400" dirty="0">
-                <a:solidFill>
-                  <a:schemeClr val="tx1"/>
-                </a:solidFill>
-              </a:rPr>
-              <a:t>11. </a:t>
-            </a:r>
-            <a:r>
-              <a:rPr lang="en-US" sz="1400" dirty="0" err="1">
-                <a:solidFill>
-                  <a:schemeClr val="tx1"/>
-                </a:solidFill>
-              </a:rPr>
-              <a:t>Sln</a:t>
-            </a:r>
-            <a:r>
-              <a:rPr lang="en-US" sz="1400" dirty="0">
-                <a:solidFill>
-                  <a:schemeClr val="tx1"/>
-                </a:solidFill>
-              </a:rPr>
-              <a:t>:</a:t>
-            </a:r>
-          </a:p>
-          <a:p>
-            <a:pPr>
-              <a:lnSpc>
-                <a:spcPct val="90000"/>
-              </a:lnSpc>
-            </a:pPr>
-            <a:r>
-              <a:rPr lang="en-US" sz="1400" dirty="0">
-                <a:solidFill>
-                  <a:schemeClr val="tx1"/>
-                </a:solidFill>
-              </a:rPr>
-              <a:t>print("*   *")</a:t>
-            </a:r>
-          </a:p>
-          <a:p>
-            <a:pPr>
-              <a:lnSpc>
-                <a:spcPct val="90000"/>
-              </a:lnSpc>
-            </a:pPr>
-            <a:r>
-              <a:rPr lang="en-US" sz="1400" dirty="0">
-                <a:solidFill>
-                  <a:schemeClr val="tx1"/>
-                </a:solidFill>
-              </a:rPr>
-              <a:t>print(" * * ")</a:t>
-            </a:r>
-          </a:p>
-          <a:p>
-            <a:pPr>
-              <a:lnSpc>
-                <a:spcPct val="90000"/>
-              </a:lnSpc>
-            </a:pPr>
-            <a:r>
-              <a:rPr lang="en-US" sz="1400" dirty="0">
-                <a:solidFill>
-                  <a:schemeClr val="tx1"/>
-                </a:solidFill>
-              </a:rPr>
-              <a:t>print("  *  ")</a:t>
-            </a:r>
-          </a:p>
-          <a:p>
-            <a:pPr>
-              <a:lnSpc>
-                <a:spcPct val="90000"/>
-              </a:lnSpc>
-            </a:pPr>
-            <a:r>
-              <a:rPr lang="en-US" sz="1400" dirty="0">
-                <a:solidFill>
-                  <a:schemeClr val="tx1"/>
-                </a:solidFill>
-              </a:rPr>
-              <a:t>print(" * * ")</a:t>
-            </a:r>
-          </a:p>
-          <a:p>
-            <a:pPr>
-              <a:lnSpc>
-                <a:spcPct val="90000"/>
-              </a:lnSpc>
-            </a:pPr>
-            <a:r>
-              <a:rPr lang="en-US" sz="1400" dirty="0">
-                <a:solidFill>
-                  <a:schemeClr val="tx1"/>
-                </a:solidFill>
-              </a:rPr>
-              <a:t>print("*   *")</a:t>
-            </a:r>
-          </a:p>
-          <a:p>
-            <a:pPr>
-              <a:lnSpc>
-                <a:spcPct val="90000"/>
-              </a:lnSpc>
-            </a:pPr>
-            <a:endParaRPr lang="en-US" sz="1400" dirty="0">
-              <a:solidFill>
-                <a:schemeClr val="tx1"/>
-              </a:solidFill>
-            </a:endParaRPr>
-          </a:p>
-        </p:txBody>
-      </p:sp>
-      <p:sp>
-        <p:nvSpPr>
-          <p:cNvPr id="12" name="Subtitle 2">
-            <a:extLst>
-              <a:ext uri="{FF2B5EF4-FFF2-40B4-BE49-F238E27FC236}">
-                <a16:creationId xmlns:a16="http://schemas.microsoft.com/office/drawing/2014/main" id="{DC2B8607-119B-F4D9-C758-6DE5DCB56D06}"/>
-              </a:ext>
-            </a:extLst>
-          </p:cNvPr>
-          <p:cNvSpPr txBox="1">
-            <a:spLocks/>
-          </p:cNvSpPr>
-          <p:nvPr/>
-        </p:nvSpPr>
-        <p:spPr>
-          <a:xfrm>
-            <a:off x="7334717" y="2377978"/>
-            <a:ext cx="1931204" cy="3568178"/>
-          </a:xfrm>
-          <a:prstGeom prst="rect">
-            <a:avLst/>
-          </a:prstGeom>
-        </p:spPr>
-        <p:txBody>
-          <a:bodyPr vert="horz" lIns="91440" tIns="45720" rIns="91440" bIns="45720" rtlCol="0" anchor="t">
-            <a:normAutofit/>
-          </a:bodyPr>
-          <a:lstStyle>
-            <a:lvl1pPr marL="0" indent="0" algn="l" defTabSz="457200" rtl="0" eaLnBrk="1" latinLnBrk="0" hangingPunct="1">
-              <a:spcBef>
-                <a:spcPts val="1000"/>
-              </a:spcBef>
-              <a:spcAft>
-                <a:spcPts val="0"/>
-              </a:spcAft>
-              <a:buClr>
-                <a:schemeClr val="accent1"/>
-              </a:buClr>
-              <a:buFont typeface="Wingdings 3" charset="2"/>
-              <a:buNone/>
-              <a:defRPr sz="1800" kern="1200">
-                <a:solidFill>
-                  <a:schemeClr val="tx1">
-                    <a:lumMod val="65000"/>
-                    <a:lumOff val="35000"/>
-                  </a:schemeClr>
-                </a:solidFill>
-                <a:latin typeface="+mn-lt"/>
-                <a:ea typeface="+mn-ea"/>
-                <a:cs typeface="+mn-cs"/>
-              </a:defRPr>
-            </a:lvl1pPr>
-            <a:lvl2pPr marL="457200" indent="0" algn="ctr" defTabSz="457200" rtl="0" eaLnBrk="1" latinLnBrk="0" hangingPunct="1">
-              <a:spcBef>
-                <a:spcPts val="1000"/>
-              </a:spcBef>
-              <a:spcAft>
-                <a:spcPts val="0"/>
-              </a:spcAft>
-              <a:buClr>
-                <a:schemeClr val="accent1"/>
-              </a:buClr>
-              <a:buFont typeface="Wingdings 3" charset="2"/>
-              <a:buNone/>
-              <a:defRPr sz="1600" kern="1200">
-                <a:solidFill>
-                  <a:schemeClr val="tx1">
-                    <a:tint val="75000"/>
-                  </a:schemeClr>
-                </a:solidFill>
-                <a:latin typeface="+mn-lt"/>
-                <a:ea typeface="+mn-ea"/>
-                <a:cs typeface="+mn-cs"/>
-              </a:defRPr>
-            </a:lvl2pPr>
-            <a:lvl3pPr marL="914400" indent="0" algn="ctr" defTabSz="457200" rtl="0" eaLnBrk="1" latinLnBrk="0" hangingPunct="1">
-              <a:spcBef>
-                <a:spcPts val="1000"/>
-              </a:spcBef>
-              <a:spcAft>
-                <a:spcPts val="0"/>
-              </a:spcAft>
-              <a:buClr>
-                <a:schemeClr val="accent1"/>
-              </a:buClr>
-              <a:buFont typeface="Wingdings 3" charset="2"/>
-              <a:buNone/>
-              <a:defRPr sz="1400" kern="1200">
-                <a:solidFill>
-                  <a:schemeClr val="tx1">
-                    <a:tint val="75000"/>
-                  </a:schemeClr>
-                </a:solidFill>
-                <a:latin typeface="+mn-lt"/>
-                <a:ea typeface="+mn-ea"/>
-                <a:cs typeface="+mn-cs"/>
-              </a:defRPr>
-            </a:lvl3pPr>
-            <a:lvl4pPr marL="1371600" indent="0" algn="ctr" defTabSz="457200" rtl="0" eaLnBrk="1" latinLnBrk="0" hangingPunct="1">
-              <a:spcBef>
-                <a:spcPts val="1000"/>
-              </a:spcBef>
-              <a:spcAft>
-                <a:spcPts val="0"/>
-              </a:spcAft>
-              <a:buClr>
-                <a:schemeClr val="accent1"/>
-              </a:buClr>
-              <a:buFont typeface="Wingdings 3" charset="2"/>
-              <a:buNone/>
-              <a:defRPr sz="1200" kern="1200">
-                <a:solidFill>
-                  <a:schemeClr val="tx1">
-                    <a:tint val="75000"/>
-                  </a:schemeClr>
-                </a:solidFill>
-                <a:latin typeface="+mn-lt"/>
-                <a:ea typeface="+mn-ea"/>
-                <a:cs typeface="+mn-cs"/>
-              </a:defRPr>
-            </a:lvl4pPr>
-            <a:lvl5pPr marL="1828800" indent="0" algn="ctr" defTabSz="457200" rtl="0" eaLnBrk="1" latinLnBrk="0" hangingPunct="1">
-              <a:spcBef>
-                <a:spcPts val="1000"/>
-              </a:spcBef>
-              <a:spcAft>
-                <a:spcPts val="0"/>
-              </a:spcAft>
-              <a:buClr>
-                <a:schemeClr val="accent1"/>
-              </a:buClr>
-              <a:buFont typeface="Wingdings 3" charset="2"/>
-              <a:buNone/>
-              <a:defRPr sz="1200" kern="1200">
-                <a:solidFill>
-                  <a:schemeClr val="tx1">
-                    <a:tint val="75000"/>
-                  </a:schemeClr>
-                </a:solidFill>
-                <a:latin typeface="+mn-lt"/>
-                <a:ea typeface="+mn-ea"/>
-                <a:cs typeface="+mn-cs"/>
-              </a:defRPr>
-            </a:lvl5pPr>
-            <a:lvl6pPr marL="2286000" indent="0" algn="ctr" defTabSz="457200" rtl="0" eaLnBrk="1" latinLnBrk="0" hangingPunct="1">
-              <a:spcBef>
-                <a:spcPts val="1000"/>
-              </a:spcBef>
-              <a:spcAft>
-                <a:spcPts val="0"/>
-              </a:spcAft>
-              <a:buClr>
-                <a:schemeClr val="accent1"/>
-              </a:buClr>
-              <a:buFont typeface="Wingdings 3" charset="2"/>
-              <a:buNone/>
-              <a:defRPr sz="1200" kern="1200">
-                <a:solidFill>
-                  <a:schemeClr val="tx1">
-                    <a:tint val="75000"/>
-                  </a:schemeClr>
-                </a:solidFill>
-                <a:latin typeface="+mn-lt"/>
-                <a:ea typeface="+mn-ea"/>
-                <a:cs typeface="+mn-cs"/>
-              </a:defRPr>
-            </a:lvl6pPr>
-            <a:lvl7pPr marL="2743200" indent="0" algn="ctr" defTabSz="457200" rtl="0" eaLnBrk="1" latinLnBrk="0" hangingPunct="1">
-              <a:spcBef>
-                <a:spcPts val="1000"/>
-              </a:spcBef>
-              <a:spcAft>
-                <a:spcPts val="0"/>
-              </a:spcAft>
-              <a:buClr>
-                <a:schemeClr val="accent1"/>
-              </a:buClr>
-              <a:buFont typeface="Wingdings 3" charset="2"/>
-              <a:buNone/>
-              <a:defRPr sz="1200" kern="1200">
-                <a:solidFill>
-                  <a:schemeClr val="tx1">
-                    <a:tint val="75000"/>
-                  </a:schemeClr>
-                </a:solidFill>
-                <a:latin typeface="+mn-lt"/>
-                <a:ea typeface="+mn-ea"/>
-                <a:cs typeface="+mn-cs"/>
-              </a:defRPr>
-            </a:lvl7pPr>
-            <a:lvl8pPr marL="3200400" indent="0" algn="ctr" defTabSz="457200" rtl="0" eaLnBrk="1" latinLnBrk="0" hangingPunct="1">
-              <a:spcBef>
-                <a:spcPts val="1000"/>
-              </a:spcBef>
-              <a:spcAft>
-                <a:spcPts val="0"/>
-              </a:spcAft>
-              <a:buClr>
-                <a:schemeClr val="accent1"/>
-              </a:buClr>
-              <a:buFont typeface="Wingdings 3" charset="2"/>
-              <a:buNone/>
-              <a:defRPr sz="1200" kern="1200">
-                <a:solidFill>
-                  <a:schemeClr val="tx1">
-                    <a:tint val="75000"/>
-                  </a:schemeClr>
-                </a:solidFill>
-                <a:latin typeface="+mn-lt"/>
-                <a:ea typeface="+mn-ea"/>
-                <a:cs typeface="+mn-cs"/>
-              </a:defRPr>
-            </a:lvl8pPr>
-            <a:lvl9pPr marL="3657600" indent="0" algn="ctr" defTabSz="457200" rtl="0" eaLnBrk="1" latinLnBrk="0" hangingPunct="1">
-              <a:spcBef>
-                <a:spcPts val="1000"/>
-              </a:spcBef>
-              <a:spcAft>
-                <a:spcPts val="0"/>
-              </a:spcAft>
-              <a:buClr>
-                <a:schemeClr val="accent1"/>
-              </a:buClr>
-              <a:buFont typeface="Wingdings 3" charset="2"/>
-              <a:buNone/>
-              <a:defRPr sz="1200" kern="1200">
-                <a:solidFill>
-                  <a:schemeClr val="tx1">
-                    <a:tint val="75000"/>
-                  </a:schemeClr>
-                </a:solidFill>
-                <a:latin typeface="+mn-lt"/>
-                <a:ea typeface="+mn-ea"/>
-                <a:cs typeface="+mn-cs"/>
-              </a:defRPr>
-            </a:lvl9pPr>
-          </a:lstStyle>
-          <a:p>
-            <a:pPr>
-              <a:lnSpc>
-                <a:spcPct val="90000"/>
-              </a:lnSpc>
-            </a:pPr>
-            <a:r>
-              <a:rPr lang="en-US" sz="1500" dirty="0">
-                <a:solidFill>
-                  <a:schemeClr val="tx1"/>
-                </a:solidFill>
-              </a:rPr>
-              <a:t>12 </a:t>
-            </a:r>
-            <a:r>
-              <a:rPr lang="en-US" sz="1500" dirty="0" err="1">
-                <a:solidFill>
-                  <a:schemeClr val="tx1"/>
-                </a:solidFill>
-              </a:rPr>
-              <a:t>Sln</a:t>
-            </a:r>
-            <a:r>
-              <a:rPr lang="en-US" sz="1500" dirty="0">
-                <a:solidFill>
-                  <a:schemeClr val="tx1"/>
-                </a:solidFill>
-              </a:rPr>
-              <a:t>:</a:t>
-            </a:r>
-          </a:p>
-          <a:p>
-            <a:pPr>
-              <a:lnSpc>
-                <a:spcPct val="90000"/>
-              </a:lnSpc>
-            </a:pPr>
-            <a:r>
-              <a:rPr lang="en-US" sz="1500" dirty="0">
-                <a:solidFill>
-                  <a:schemeClr val="tx1"/>
-                </a:solidFill>
-              </a:rPr>
-              <a:t>print("    *    ")</a:t>
-            </a:r>
-          </a:p>
-          <a:p>
-            <a:pPr>
-              <a:lnSpc>
-                <a:spcPct val="90000"/>
-              </a:lnSpc>
-            </a:pPr>
-            <a:r>
-              <a:rPr lang="en-US" sz="1500" dirty="0">
-                <a:solidFill>
-                  <a:schemeClr val="tx1"/>
-                </a:solidFill>
-              </a:rPr>
-              <a:t>print("   * *   ")</a:t>
-            </a:r>
-          </a:p>
-          <a:p>
-            <a:pPr>
-              <a:lnSpc>
-                <a:spcPct val="90000"/>
-              </a:lnSpc>
-            </a:pPr>
-            <a:r>
-              <a:rPr lang="en-US" sz="1500" dirty="0">
-                <a:solidFill>
-                  <a:schemeClr val="tx1"/>
-                </a:solidFill>
-              </a:rPr>
-              <a:t>print("  *   *  ")</a:t>
-            </a:r>
-          </a:p>
-          <a:p>
-            <a:pPr>
-              <a:lnSpc>
-                <a:spcPct val="90000"/>
-              </a:lnSpc>
-            </a:pPr>
-            <a:r>
-              <a:rPr lang="en-US" sz="1500" dirty="0">
-                <a:solidFill>
-                  <a:schemeClr val="tx1"/>
-                </a:solidFill>
-              </a:rPr>
-              <a:t>print(" *     * ")</a:t>
-            </a:r>
-          </a:p>
-          <a:p>
-            <a:pPr>
-              <a:lnSpc>
-                <a:spcPct val="90000"/>
-              </a:lnSpc>
-            </a:pPr>
-            <a:r>
-              <a:rPr lang="en-US" sz="1500" dirty="0">
-                <a:solidFill>
-                  <a:schemeClr val="tx1"/>
-                </a:solidFill>
-              </a:rPr>
-              <a:t>print("*       *")</a:t>
-            </a:r>
-          </a:p>
-          <a:p>
-            <a:pPr>
-              <a:lnSpc>
-                <a:spcPct val="90000"/>
-              </a:lnSpc>
-            </a:pPr>
-            <a:r>
-              <a:rPr lang="en-US" sz="1500" dirty="0">
-                <a:solidFill>
-                  <a:schemeClr val="tx1"/>
-                </a:solidFill>
-              </a:rPr>
-              <a:t>print(" *     * ")</a:t>
-            </a:r>
-          </a:p>
-          <a:p>
-            <a:pPr>
-              <a:lnSpc>
-                <a:spcPct val="90000"/>
-              </a:lnSpc>
-            </a:pPr>
-            <a:r>
-              <a:rPr lang="en-US" sz="1500" dirty="0">
-                <a:solidFill>
-                  <a:schemeClr val="tx1"/>
-                </a:solidFill>
-              </a:rPr>
-              <a:t>print("  *   *  ")</a:t>
-            </a:r>
-          </a:p>
-          <a:p>
-            <a:pPr>
-              <a:lnSpc>
-                <a:spcPct val="90000"/>
-              </a:lnSpc>
-            </a:pPr>
-            <a:r>
-              <a:rPr lang="en-US" sz="1500" dirty="0">
-                <a:solidFill>
-                  <a:schemeClr val="tx1"/>
-                </a:solidFill>
-              </a:rPr>
-              <a:t>print("   * *   ")</a:t>
-            </a:r>
-          </a:p>
-          <a:p>
-            <a:pPr>
-              <a:lnSpc>
-                <a:spcPct val="90000"/>
-              </a:lnSpc>
-            </a:pPr>
-            <a:r>
-              <a:rPr lang="en-US" sz="1500" dirty="0">
-                <a:solidFill>
-                  <a:schemeClr val="tx1"/>
-                </a:solidFill>
-              </a:rPr>
-              <a:t>print("    *    ")</a:t>
-            </a:r>
-          </a:p>
-          <a:p>
-            <a:pPr>
-              <a:lnSpc>
-                <a:spcPct val="90000"/>
-              </a:lnSpc>
-            </a:pPr>
-            <a:endParaRPr lang="en-US" sz="1500" dirty="0">
-              <a:solidFill>
-                <a:schemeClr val="tx1"/>
-              </a:solidFill>
-            </a:endParaRPr>
-          </a:p>
-        </p:txBody>
-      </p:sp>
-      <p:sp>
-        <p:nvSpPr>
-          <p:cNvPr id="13" name="Subtitle 2">
-            <a:extLst>
-              <a:ext uri="{FF2B5EF4-FFF2-40B4-BE49-F238E27FC236}">
-                <a16:creationId xmlns:a16="http://schemas.microsoft.com/office/drawing/2014/main" id="{08FF4B3A-9BDE-5BEB-EAA3-A439D0EC16DC}"/>
-              </a:ext>
-            </a:extLst>
-          </p:cNvPr>
-          <p:cNvSpPr txBox="1">
-            <a:spLocks/>
-          </p:cNvSpPr>
-          <p:nvPr/>
-        </p:nvSpPr>
-        <p:spPr>
-          <a:xfrm>
-            <a:off x="9093178" y="2377978"/>
-            <a:ext cx="2270757" cy="3568178"/>
-          </a:xfrm>
-          <a:prstGeom prst="rect">
-            <a:avLst/>
-          </a:prstGeom>
-        </p:spPr>
-        <p:txBody>
-          <a:bodyPr vert="horz" lIns="91440" tIns="45720" rIns="91440" bIns="45720" rtlCol="0" anchor="t">
-            <a:normAutofit/>
-          </a:bodyPr>
-          <a:lstStyle>
-            <a:lvl1pPr marL="0" indent="0" algn="l" defTabSz="457200" rtl="0" eaLnBrk="1" latinLnBrk="0" hangingPunct="1">
-              <a:spcBef>
-                <a:spcPts val="1000"/>
-              </a:spcBef>
-              <a:spcAft>
-                <a:spcPts val="0"/>
-              </a:spcAft>
-              <a:buClr>
-                <a:schemeClr val="accent1"/>
-              </a:buClr>
-              <a:buFont typeface="Wingdings 3" charset="2"/>
-              <a:buNone/>
-              <a:defRPr sz="1800" kern="1200">
-                <a:solidFill>
-                  <a:schemeClr val="tx1">
-                    <a:lumMod val="65000"/>
-                    <a:lumOff val="35000"/>
-                  </a:schemeClr>
-                </a:solidFill>
-                <a:latin typeface="+mn-lt"/>
-                <a:ea typeface="+mn-ea"/>
-                <a:cs typeface="+mn-cs"/>
-              </a:defRPr>
-            </a:lvl1pPr>
-            <a:lvl2pPr marL="457200" indent="0" algn="ctr" defTabSz="457200" rtl="0" eaLnBrk="1" latinLnBrk="0" hangingPunct="1">
-              <a:spcBef>
-                <a:spcPts val="1000"/>
-              </a:spcBef>
-              <a:spcAft>
-                <a:spcPts val="0"/>
-              </a:spcAft>
-              <a:buClr>
-                <a:schemeClr val="accent1"/>
-              </a:buClr>
-              <a:buFont typeface="Wingdings 3" charset="2"/>
-              <a:buNone/>
-              <a:defRPr sz="1600" kern="1200">
-                <a:solidFill>
-                  <a:schemeClr val="tx1">
-                    <a:tint val="75000"/>
-                  </a:schemeClr>
-                </a:solidFill>
-                <a:latin typeface="+mn-lt"/>
-                <a:ea typeface="+mn-ea"/>
-                <a:cs typeface="+mn-cs"/>
-              </a:defRPr>
-            </a:lvl2pPr>
-            <a:lvl3pPr marL="914400" indent="0" algn="ctr" defTabSz="457200" rtl="0" eaLnBrk="1" latinLnBrk="0" hangingPunct="1">
-              <a:spcBef>
-                <a:spcPts val="1000"/>
-              </a:spcBef>
-              <a:spcAft>
-                <a:spcPts val="0"/>
-              </a:spcAft>
-              <a:buClr>
-                <a:schemeClr val="accent1"/>
-              </a:buClr>
-              <a:buFont typeface="Wingdings 3" charset="2"/>
-              <a:buNone/>
-              <a:defRPr sz="1400" kern="1200">
-                <a:solidFill>
-                  <a:schemeClr val="tx1">
-                    <a:tint val="75000"/>
-                  </a:schemeClr>
-                </a:solidFill>
-                <a:latin typeface="+mn-lt"/>
-                <a:ea typeface="+mn-ea"/>
-                <a:cs typeface="+mn-cs"/>
-              </a:defRPr>
-            </a:lvl3pPr>
-            <a:lvl4pPr marL="1371600" indent="0" algn="ctr" defTabSz="457200" rtl="0" eaLnBrk="1" latinLnBrk="0" hangingPunct="1">
-              <a:spcBef>
-                <a:spcPts val="1000"/>
-              </a:spcBef>
-              <a:spcAft>
-                <a:spcPts val="0"/>
-              </a:spcAft>
-              <a:buClr>
-                <a:schemeClr val="accent1"/>
-              </a:buClr>
-              <a:buFont typeface="Wingdings 3" charset="2"/>
-              <a:buNone/>
-              <a:defRPr sz="1200" kern="1200">
-                <a:solidFill>
-                  <a:schemeClr val="tx1">
-                    <a:tint val="75000"/>
-                  </a:schemeClr>
-                </a:solidFill>
-                <a:latin typeface="+mn-lt"/>
-                <a:ea typeface="+mn-ea"/>
-                <a:cs typeface="+mn-cs"/>
-              </a:defRPr>
-            </a:lvl4pPr>
-            <a:lvl5pPr marL="1828800" indent="0" algn="ctr" defTabSz="457200" rtl="0" eaLnBrk="1" latinLnBrk="0" hangingPunct="1">
-              <a:spcBef>
-                <a:spcPts val="1000"/>
-              </a:spcBef>
-              <a:spcAft>
-                <a:spcPts val="0"/>
-              </a:spcAft>
-              <a:buClr>
-                <a:schemeClr val="accent1"/>
-              </a:buClr>
-              <a:buFont typeface="Wingdings 3" charset="2"/>
-              <a:buNone/>
-              <a:defRPr sz="1200" kern="1200">
-                <a:solidFill>
-                  <a:schemeClr val="tx1">
-                    <a:tint val="75000"/>
-                  </a:schemeClr>
-                </a:solidFill>
-                <a:latin typeface="+mn-lt"/>
-                <a:ea typeface="+mn-ea"/>
-                <a:cs typeface="+mn-cs"/>
-              </a:defRPr>
-            </a:lvl5pPr>
-            <a:lvl6pPr marL="2286000" indent="0" algn="ctr" defTabSz="457200" rtl="0" eaLnBrk="1" latinLnBrk="0" hangingPunct="1">
-              <a:spcBef>
-                <a:spcPts val="1000"/>
-              </a:spcBef>
-              <a:spcAft>
-                <a:spcPts val="0"/>
-              </a:spcAft>
-              <a:buClr>
-                <a:schemeClr val="accent1"/>
-              </a:buClr>
-              <a:buFont typeface="Wingdings 3" charset="2"/>
-              <a:buNone/>
-              <a:defRPr sz="1200" kern="1200">
-                <a:solidFill>
-                  <a:schemeClr val="tx1">
-                    <a:tint val="75000"/>
-                  </a:schemeClr>
-                </a:solidFill>
-                <a:latin typeface="+mn-lt"/>
-                <a:ea typeface="+mn-ea"/>
-                <a:cs typeface="+mn-cs"/>
-              </a:defRPr>
-            </a:lvl6pPr>
-            <a:lvl7pPr marL="2743200" indent="0" algn="ctr" defTabSz="457200" rtl="0" eaLnBrk="1" latinLnBrk="0" hangingPunct="1">
-              <a:spcBef>
-                <a:spcPts val="1000"/>
-              </a:spcBef>
-              <a:spcAft>
-                <a:spcPts val="0"/>
-              </a:spcAft>
-              <a:buClr>
-                <a:schemeClr val="accent1"/>
-              </a:buClr>
-              <a:buFont typeface="Wingdings 3" charset="2"/>
-              <a:buNone/>
-              <a:defRPr sz="1200" kern="1200">
-                <a:solidFill>
-                  <a:schemeClr val="tx1">
-                    <a:tint val="75000"/>
-                  </a:schemeClr>
-                </a:solidFill>
-                <a:latin typeface="+mn-lt"/>
-                <a:ea typeface="+mn-ea"/>
-                <a:cs typeface="+mn-cs"/>
-              </a:defRPr>
-            </a:lvl7pPr>
-            <a:lvl8pPr marL="3200400" indent="0" algn="ctr" defTabSz="457200" rtl="0" eaLnBrk="1" latinLnBrk="0" hangingPunct="1">
-              <a:spcBef>
-                <a:spcPts val="1000"/>
-              </a:spcBef>
-              <a:spcAft>
-                <a:spcPts val="0"/>
-              </a:spcAft>
-              <a:buClr>
-                <a:schemeClr val="accent1"/>
-              </a:buClr>
-              <a:buFont typeface="Wingdings 3" charset="2"/>
-              <a:buNone/>
-              <a:defRPr sz="1200" kern="1200">
-                <a:solidFill>
-                  <a:schemeClr val="tx1">
-                    <a:tint val="75000"/>
-                  </a:schemeClr>
-                </a:solidFill>
-                <a:latin typeface="+mn-lt"/>
-                <a:ea typeface="+mn-ea"/>
-                <a:cs typeface="+mn-cs"/>
-              </a:defRPr>
-            </a:lvl8pPr>
-            <a:lvl9pPr marL="3657600" indent="0" algn="ctr" defTabSz="457200" rtl="0" eaLnBrk="1" latinLnBrk="0" hangingPunct="1">
-              <a:spcBef>
-                <a:spcPts val="1000"/>
-              </a:spcBef>
-              <a:spcAft>
-                <a:spcPts val="0"/>
-              </a:spcAft>
-              <a:buClr>
-                <a:schemeClr val="accent1"/>
-              </a:buClr>
-              <a:buFont typeface="Wingdings 3" charset="2"/>
-              <a:buNone/>
-              <a:defRPr sz="1200" kern="1200">
-                <a:solidFill>
-                  <a:schemeClr val="tx1">
-                    <a:tint val="75000"/>
-                  </a:schemeClr>
-                </a:solidFill>
-                <a:latin typeface="+mn-lt"/>
-                <a:ea typeface="+mn-ea"/>
-                <a:cs typeface="+mn-cs"/>
-              </a:defRPr>
-            </a:lvl9pPr>
-          </a:lstStyle>
-          <a:p>
-            <a:pPr>
-              <a:lnSpc>
-                <a:spcPct val="90000"/>
-              </a:lnSpc>
-            </a:pPr>
-            <a:r>
-              <a:rPr lang="en-US" sz="1500" dirty="0">
-                <a:solidFill>
-                  <a:schemeClr val="tx1"/>
-                </a:solidFill>
-              </a:rPr>
-              <a:t>13. </a:t>
-            </a:r>
-            <a:r>
-              <a:rPr lang="en-US" sz="1500" dirty="0" err="1">
-                <a:solidFill>
-                  <a:schemeClr val="tx1"/>
-                </a:solidFill>
-              </a:rPr>
-              <a:t>Sln</a:t>
-            </a:r>
-            <a:r>
-              <a:rPr lang="en-US" sz="1500" dirty="0">
-                <a:solidFill>
-                  <a:schemeClr val="tx1"/>
-                </a:solidFill>
-              </a:rPr>
-              <a:t>:</a:t>
-            </a:r>
-          </a:p>
-          <a:p>
-            <a:pPr>
-              <a:lnSpc>
-                <a:spcPct val="90000"/>
-              </a:lnSpc>
-            </a:pPr>
-            <a:r>
-              <a:rPr lang="en-US" sz="1500" dirty="0">
-                <a:solidFill>
-                  <a:schemeClr val="tx1"/>
-                </a:solidFill>
-              </a:rPr>
-              <a:t>print("*     *     *     *")</a:t>
-            </a:r>
-          </a:p>
-          <a:p>
-            <a:pPr>
-              <a:lnSpc>
-                <a:spcPct val="90000"/>
-              </a:lnSpc>
-            </a:pPr>
-            <a:r>
-              <a:rPr lang="en-US" sz="1500" dirty="0">
-                <a:solidFill>
-                  <a:schemeClr val="tx1"/>
-                </a:solidFill>
-              </a:rPr>
-              <a:t>print(" *   * *   * *   * ")</a:t>
-            </a:r>
-          </a:p>
-          <a:p>
-            <a:pPr>
-              <a:lnSpc>
-                <a:spcPct val="90000"/>
-              </a:lnSpc>
-            </a:pPr>
-            <a:r>
-              <a:rPr lang="en-US" sz="1500" dirty="0">
-                <a:solidFill>
-                  <a:schemeClr val="tx1"/>
-                </a:solidFill>
-              </a:rPr>
-              <a:t>print("  * *   * *   * *  ")</a:t>
-            </a:r>
-          </a:p>
-          <a:p>
-            <a:pPr>
-              <a:lnSpc>
-                <a:spcPct val="90000"/>
-              </a:lnSpc>
-            </a:pPr>
-            <a:r>
-              <a:rPr lang="en-US" sz="1500" dirty="0">
-                <a:solidFill>
-                  <a:schemeClr val="tx1"/>
-                </a:solidFill>
-              </a:rPr>
-              <a:t>print("   *     *     *   ")</a:t>
-            </a:r>
-          </a:p>
-          <a:p>
-            <a:pPr>
-              <a:lnSpc>
-                <a:spcPct val="90000"/>
-              </a:lnSpc>
-            </a:pPr>
-            <a:endParaRPr lang="en-US" sz="1500" dirty="0">
-              <a:solidFill>
-                <a:schemeClr val="tx1"/>
-              </a:solidFill>
-            </a:endParaRPr>
-          </a:p>
-        </p:txBody>
-      </p:sp>
     </p:spTree>
     <p:extLst>
       <p:ext uri="{BB962C8B-B14F-4D97-AF65-F5344CB8AC3E}">
-        <p14:creationId xmlns:p14="http://schemas.microsoft.com/office/powerpoint/2010/main" val="1974531962"/>
+        <p14:creationId xmlns:p14="http://schemas.microsoft.com/office/powerpoint/2010/main" val="1269699084"/>
       </p:ext>
     </p:extLst>
   </p:cSld>
@@ -16323,7 +14459,7 @@
           <p:cNvPr id="2" name="Title 1">
             <a:extLst>
               <a:ext uri="{FF2B5EF4-FFF2-40B4-BE49-F238E27FC236}">
-                <a16:creationId xmlns:a16="http://schemas.microsoft.com/office/drawing/2014/main" id="{2C61FB2E-914D-F29F-2D15-E4281DA6E655}"/>
+                <a16:creationId xmlns:a16="http://schemas.microsoft.com/office/drawing/2014/main" id="{4B055FF9-E673-5EA6-DAE6-465134A58084}"/>
               </a:ext>
             </a:extLst>
           </p:cNvPr>
@@ -16336,8 +14472,8 @@
         </p:nvSpPr>
         <p:spPr>
           <a:xfrm>
-            <a:off x="2589213" y="0"/>
-            <a:ext cx="8915399" cy="2262781"/>
+            <a:off x="2589213" y="1"/>
+            <a:ext cx="8915399" cy="1631852"/>
           </a:xfrm>
         </p:spPr>
         <p:txBody>
@@ -16346,54 +14482,7 @@
           <a:p>
             <a:r>
               <a:rPr lang="en-US" dirty="0"/>
-              <a:t>Debugging Tips</a:t>
-            </a:r>
-          </a:p>
-        </p:txBody>
-      </p:sp>
-      <p:sp>
-        <p:nvSpPr>
-          <p:cNvPr id="3" name="Subtitle 2">
-            <a:extLst>
-              <a:ext uri="{FF2B5EF4-FFF2-40B4-BE49-F238E27FC236}">
-                <a16:creationId xmlns:a16="http://schemas.microsoft.com/office/drawing/2014/main" id="{6B2DD77A-9611-7392-DC2D-8CFD508E93C5}"/>
-              </a:ext>
-            </a:extLst>
-          </p:cNvPr>
-          <p:cNvSpPr>
-            <a:spLocks noGrp="1"/>
-          </p:cNvSpPr>
-          <p:nvPr>
-            <p:ph type="subTitle" idx="1"/>
-          </p:nvPr>
-        </p:nvSpPr>
-        <p:spPr>
-          <a:xfrm>
-            <a:off x="2589213" y="3010487"/>
-            <a:ext cx="8915399" cy="2893176"/>
-          </a:xfrm>
-        </p:spPr>
-        <p:txBody>
-          <a:bodyPr/>
-          <a:lstStyle/>
-          <a:p>
-            <a:r>
-              <a:rPr lang="en-US" dirty="0">
-                <a:solidFill>
-                  <a:schemeClr val="tx1"/>
-                </a:solidFill>
-              </a:rPr>
-              <a:t>Use print statements to debug.</a:t>
-            </a:r>
-          </a:p>
-          <a:p>
-            <a:r>
-              <a:rPr lang="en-US" dirty="0">
-                <a:solidFill>
-                  <a:schemeClr val="tx1"/>
-                </a:solidFill>
-              </a:rPr>
-              <a:t>Check variable values and types.</a:t>
+              <a:t>Practical Exercises</a:t>
             </a:r>
           </a:p>
         </p:txBody>
@@ -16403,7 +14492,7 @@
           <p:cNvPr id="4" name="Slide Number Placeholder 3">
             <a:extLst>
               <a:ext uri="{FF2B5EF4-FFF2-40B4-BE49-F238E27FC236}">
-                <a16:creationId xmlns:a16="http://schemas.microsoft.com/office/drawing/2014/main" id="{FD76A327-0EE0-8D41-2D5A-92AC094E47B2}"/>
+                <a16:creationId xmlns:a16="http://schemas.microsoft.com/office/drawing/2014/main" id="{2E396DB7-A9FD-CC6E-4A48-D241DE24051F}"/>
               </a:ext>
             </a:extLst>
           </p:cNvPr>
@@ -16429,10 +14518,890 @@
       </p:sp>
       <p:sp>
         <p:nvSpPr>
-          <p:cNvPr id="5" name="Rectangle 4">
+          <p:cNvPr id="5" name="Subtitle 2">
             <a:extLst>
               <a:ext uri="{FF2B5EF4-FFF2-40B4-BE49-F238E27FC236}">
-                <a16:creationId xmlns:a16="http://schemas.microsoft.com/office/drawing/2014/main" id="{A82C8DC1-4C80-B489-CC61-1EA0561812F1}"/>
+                <a16:creationId xmlns:a16="http://schemas.microsoft.com/office/drawing/2014/main" id="{7454EEA1-A671-744A-25C2-C19AA5D1384C}"/>
+              </a:ext>
+            </a:extLst>
+          </p:cNvPr>
+          <p:cNvSpPr txBox="1">
+            <a:spLocks/>
+          </p:cNvSpPr>
+          <p:nvPr/>
+        </p:nvSpPr>
+        <p:spPr>
+          <a:xfrm>
+            <a:off x="2389922" y="2377980"/>
+            <a:ext cx="2055468" cy="3821395"/>
+          </a:xfrm>
+          <a:prstGeom prst="rect">
+            <a:avLst/>
+          </a:prstGeom>
+        </p:spPr>
+        <p:txBody>
+          <a:bodyPr vert="horz" lIns="91440" tIns="45720" rIns="91440" bIns="45720" rtlCol="0" anchor="t">
+            <a:noAutofit/>
+          </a:bodyPr>
+          <a:lstStyle>
+            <a:lvl1pPr marL="0" indent="0" algn="l" defTabSz="457200" rtl="0" eaLnBrk="1" latinLnBrk="0" hangingPunct="1">
+              <a:spcBef>
+                <a:spcPts val="1000"/>
+              </a:spcBef>
+              <a:spcAft>
+                <a:spcPts val="0"/>
+              </a:spcAft>
+              <a:buClr>
+                <a:schemeClr val="accent1"/>
+              </a:buClr>
+              <a:buFont typeface="Wingdings 3" charset="2"/>
+              <a:buNone/>
+              <a:defRPr sz="1800" kern="1200">
+                <a:solidFill>
+                  <a:schemeClr val="tx1">
+                    <a:lumMod val="65000"/>
+                    <a:lumOff val="35000"/>
+                  </a:schemeClr>
+                </a:solidFill>
+                <a:latin typeface="+mn-lt"/>
+                <a:ea typeface="+mn-ea"/>
+                <a:cs typeface="+mn-cs"/>
+              </a:defRPr>
+            </a:lvl1pPr>
+            <a:lvl2pPr marL="457200" indent="0" algn="ctr" defTabSz="457200" rtl="0" eaLnBrk="1" latinLnBrk="0" hangingPunct="1">
+              <a:spcBef>
+                <a:spcPts val="1000"/>
+              </a:spcBef>
+              <a:spcAft>
+                <a:spcPts val="0"/>
+              </a:spcAft>
+              <a:buClr>
+                <a:schemeClr val="accent1"/>
+              </a:buClr>
+              <a:buFont typeface="Wingdings 3" charset="2"/>
+              <a:buNone/>
+              <a:defRPr sz="1600" kern="1200">
+                <a:solidFill>
+                  <a:schemeClr val="tx1">
+                    <a:tint val="75000"/>
+                  </a:schemeClr>
+                </a:solidFill>
+                <a:latin typeface="+mn-lt"/>
+                <a:ea typeface="+mn-ea"/>
+                <a:cs typeface="+mn-cs"/>
+              </a:defRPr>
+            </a:lvl2pPr>
+            <a:lvl3pPr marL="914400" indent="0" algn="ctr" defTabSz="457200" rtl="0" eaLnBrk="1" latinLnBrk="0" hangingPunct="1">
+              <a:spcBef>
+                <a:spcPts val="1000"/>
+              </a:spcBef>
+              <a:spcAft>
+                <a:spcPts val="0"/>
+              </a:spcAft>
+              <a:buClr>
+                <a:schemeClr val="accent1"/>
+              </a:buClr>
+              <a:buFont typeface="Wingdings 3" charset="2"/>
+              <a:buNone/>
+              <a:defRPr sz="1400" kern="1200">
+                <a:solidFill>
+                  <a:schemeClr val="tx1">
+                    <a:tint val="75000"/>
+                  </a:schemeClr>
+                </a:solidFill>
+                <a:latin typeface="+mn-lt"/>
+                <a:ea typeface="+mn-ea"/>
+                <a:cs typeface="+mn-cs"/>
+              </a:defRPr>
+            </a:lvl3pPr>
+            <a:lvl4pPr marL="1371600" indent="0" algn="ctr" defTabSz="457200" rtl="0" eaLnBrk="1" latinLnBrk="0" hangingPunct="1">
+              <a:spcBef>
+                <a:spcPts val="1000"/>
+              </a:spcBef>
+              <a:spcAft>
+                <a:spcPts val="0"/>
+              </a:spcAft>
+              <a:buClr>
+                <a:schemeClr val="accent1"/>
+              </a:buClr>
+              <a:buFont typeface="Wingdings 3" charset="2"/>
+              <a:buNone/>
+              <a:defRPr sz="1200" kern="1200">
+                <a:solidFill>
+                  <a:schemeClr val="tx1">
+                    <a:tint val="75000"/>
+                  </a:schemeClr>
+                </a:solidFill>
+                <a:latin typeface="+mn-lt"/>
+                <a:ea typeface="+mn-ea"/>
+                <a:cs typeface="+mn-cs"/>
+              </a:defRPr>
+            </a:lvl4pPr>
+            <a:lvl5pPr marL="1828800" indent="0" algn="ctr" defTabSz="457200" rtl="0" eaLnBrk="1" latinLnBrk="0" hangingPunct="1">
+              <a:spcBef>
+                <a:spcPts val="1000"/>
+              </a:spcBef>
+              <a:spcAft>
+                <a:spcPts val="0"/>
+              </a:spcAft>
+              <a:buClr>
+                <a:schemeClr val="accent1"/>
+              </a:buClr>
+              <a:buFont typeface="Wingdings 3" charset="2"/>
+              <a:buNone/>
+              <a:defRPr sz="1200" kern="1200">
+                <a:solidFill>
+                  <a:schemeClr val="tx1">
+                    <a:tint val="75000"/>
+                  </a:schemeClr>
+                </a:solidFill>
+                <a:latin typeface="+mn-lt"/>
+                <a:ea typeface="+mn-ea"/>
+                <a:cs typeface="+mn-cs"/>
+              </a:defRPr>
+            </a:lvl5pPr>
+            <a:lvl6pPr marL="2286000" indent="0" algn="ctr" defTabSz="457200" rtl="0" eaLnBrk="1" latinLnBrk="0" hangingPunct="1">
+              <a:spcBef>
+                <a:spcPts val="1000"/>
+              </a:spcBef>
+              <a:spcAft>
+                <a:spcPts val="0"/>
+              </a:spcAft>
+              <a:buClr>
+                <a:schemeClr val="accent1"/>
+              </a:buClr>
+              <a:buFont typeface="Wingdings 3" charset="2"/>
+              <a:buNone/>
+              <a:defRPr sz="1200" kern="1200">
+                <a:solidFill>
+                  <a:schemeClr val="tx1">
+                    <a:tint val="75000"/>
+                  </a:schemeClr>
+                </a:solidFill>
+                <a:latin typeface="+mn-lt"/>
+                <a:ea typeface="+mn-ea"/>
+                <a:cs typeface="+mn-cs"/>
+              </a:defRPr>
+            </a:lvl6pPr>
+            <a:lvl7pPr marL="2743200" indent="0" algn="ctr" defTabSz="457200" rtl="0" eaLnBrk="1" latinLnBrk="0" hangingPunct="1">
+              <a:spcBef>
+                <a:spcPts val="1000"/>
+              </a:spcBef>
+              <a:spcAft>
+                <a:spcPts val="0"/>
+              </a:spcAft>
+              <a:buClr>
+                <a:schemeClr val="accent1"/>
+              </a:buClr>
+              <a:buFont typeface="Wingdings 3" charset="2"/>
+              <a:buNone/>
+              <a:defRPr sz="1200" kern="1200">
+                <a:solidFill>
+                  <a:schemeClr val="tx1">
+                    <a:tint val="75000"/>
+                  </a:schemeClr>
+                </a:solidFill>
+                <a:latin typeface="+mn-lt"/>
+                <a:ea typeface="+mn-ea"/>
+                <a:cs typeface="+mn-cs"/>
+              </a:defRPr>
+            </a:lvl7pPr>
+            <a:lvl8pPr marL="3200400" indent="0" algn="ctr" defTabSz="457200" rtl="0" eaLnBrk="1" latinLnBrk="0" hangingPunct="1">
+              <a:spcBef>
+                <a:spcPts val="1000"/>
+              </a:spcBef>
+              <a:spcAft>
+                <a:spcPts val="0"/>
+              </a:spcAft>
+              <a:buClr>
+                <a:schemeClr val="accent1"/>
+              </a:buClr>
+              <a:buFont typeface="Wingdings 3" charset="2"/>
+              <a:buNone/>
+              <a:defRPr sz="1200" kern="1200">
+                <a:solidFill>
+                  <a:schemeClr val="tx1">
+                    <a:tint val="75000"/>
+                  </a:schemeClr>
+                </a:solidFill>
+                <a:latin typeface="+mn-lt"/>
+                <a:ea typeface="+mn-ea"/>
+                <a:cs typeface="+mn-cs"/>
+              </a:defRPr>
+            </a:lvl8pPr>
+            <a:lvl9pPr marL="3657600" indent="0" algn="ctr" defTabSz="457200" rtl="0" eaLnBrk="1" latinLnBrk="0" hangingPunct="1">
+              <a:spcBef>
+                <a:spcPts val="1000"/>
+              </a:spcBef>
+              <a:spcAft>
+                <a:spcPts val="0"/>
+              </a:spcAft>
+              <a:buClr>
+                <a:schemeClr val="accent1"/>
+              </a:buClr>
+              <a:buFont typeface="Wingdings 3" charset="2"/>
+              <a:buNone/>
+              <a:defRPr sz="1200" kern="1200">
+                <a:solidFill>
+                  <a:schemeClr val="tx1">
+                    <a:tint val="75000"/>
+                  </a:schemeClr>
+                </a:solidFill>
+                <a:latin typeface="+mn-lt"/>
+                <a:ea typeface="+mn-ea"/>
+                <a:cs typeface="+mn-cs"/>
+              </a:defRPr>
+            </a:lvl9pPr>
+          </a:lstStyle>
+          <a:p>
+            <a:pPr>
+              <a:lnSpc>
+                <a:spcPct val="90000"/>
+              </a:lnSpc>
+            </a:pPr>
+            <a:r>
+              <a:rPr lang="en-US" sz="1400" dirty="0">
+                <a:solidFill>
+                  <a:schemeClr val="tx1"/>
+                </a:solidFill>
+              </a:rPr>
+              <a:t>7 </a:t>
+            </a:r>
+            <a:r>
+              <a:rPr lang="en-US" sz="1400" dirty="0" err="1">
+                <a:solidFill>
+                  <a:schemeClr val="tx1"/>
+                </a:solidFill>
+              </a:rPr>
+              <a:t>Sln</a:t>
+            </a:r>
+            <a:r>
+              <a:rPr lang="en-US" sz="1400" dirty="0">
+                <a:solidFill>
+                  <a:schemeClr val="tx1"/>
+                </a:solidFill>
+              </a:rPr>
+              <a:t>: </a:t>
+            </a:r>
+          </a:p>
+          <a:p>
+            <a:pPr>
+              <a:lnSpc>
+                <a:spcPct val="90000"/>
+              </a:lnSpc>
+            </a:pPr>
+            <a:r>
+              <a:rPr lang="en-US" sz="1400" dirty="0">
+                <a:solidFill>
+                  <a:schemeClr val="tx1"/>
+                </a:solidFill>
+              </a:rPr>
+              <a:t>print("*")</a:t>
+            </a:r>
+          </a:p>
+          <a:p>
+            <a:pPr>
+              <a:lnSpc>
+                <a:spcPct val="90000"/>
+              </a:lnSpc>
+            </a:pPr>
+            <a:r>
+              <a:rPr lang="en-US" sz="1400" dirty="0">
+                <a:solidFill>
+                  <a:schemeClr val="tx1"/>
+                </a:solidFill>
+              </a:rPr>
+              <a:t>print("**")</a:t>
+            </a:r>
+          </a:p>
+          <a:p>
+            <a:pPr>
+              <a:lnSpc>
+                <a:spcPct val="90000"/>
+              </a:lnSpc>
+            </a:pPr>
+            <a:r>
+              <a:rPr lang="en-US" sz="1400" dirty="0">
+                <a:solidFill>
+                  <a:schemeClr val="tx1"/>
+                </a:solidFill>
+              </a:rPr>
+              <a:t>print("***")</a:t>
+            </a:r>
+          </a:p>
+          <a:p>
+            <a:pPr>
+              <a:lnSpc>
+                <a:spcPct val="90000"/>
+              </a:lnSpc>
+            </a:pPr>
+            <a:r>
+              <a:rPr lang="en-US" sz="1400" dirty="0">
+                <a:solidFill>
+                  <a:schemeClr val="tx1"/>
+                </a:solidFill>
+              </a:rPr>
+              <a:t>print("****")</a:t>
+            </a:r>
+          </a:p>
+          <a:p>
+            <a:pPr>
+              <a:lnSpc>
+                <a:spcPct val="90000"/>
+              </a:lnSpc>
+            </a:pPr>
+            <a:r>
+              <a:rPr lang="en-US" sz="1400" dirty="0">
+                <a:solidFill>
+                  <a:schemeClr val="tx1"/>
+                </a:solidFill>
+              </a:rPr>
+              <a:t>print("*****")</a:t>
+            </a:r>
+          </a:p>
+          <a:p>
+            <a:pPr>
+              <a:lnSpc>
+                <a:spcPct val="90000"/>
+              </a:lnSpc>
+            </a:pPr>
+            <a:r>
+              <a:rPr lang="en-US" sz="1400" dirty="0">
+                <a:solidFill>
+                  <a:schemeClr val="tx1"/>
+                </a:solidFill>
+              </a:rPr>
+              <a:t>8 </a:t>
+            </a:r>
+            <a:r>
+              <a:rPr lang="en-US" sz="1400" dirty="0" err="1">
+                <a:solidFill>
+                  <a:schemeClr val="tx1"/>
+                </a:solidFill>
+              </a:rPr>
+              <a:t>Sln</a:t>
+            </a:r>
+            <a:r>
+              <a:rPr lang="en-US" sz="1400" dirty="0">
+                <a:solidFill>
+                  <a:schemeClr val="tx1"/>
+                </a:solidFill>
+              </a:rPr>
+              <a:t>:</a:t>
+            </a:r>
+          </a:p>
+          <a:p>
+            <a:pPr>
+              <a:lnSpc>
+                <a:spcPct val="90000"/>
+              </a:lnSpc>
+            </a:pPr>
+            <a:r>
+              <a:rPr lang="en-US" sz="1400" dirty="0">
+                <a:solidFill>
+                  <a:schemeClr val="tx1"/>
+                </a:solidFill>
+              </a:rPr>
+              <a:t>print("    *    ")</a:t>
+            </a:r>
+          </a:p>
+          <a:p>
+            <a:pPr>
+              <a:lnSpc>
+                <a:spcPct val="90000"/>
+              </a:lnSpc>
+            </a:pPr>
+            <a:r>
+              <a:rPr lang="en-US" sz="1400" dirty="0">
+                <a:solidFill>
+                  <a:schemeClr val="tx1"/>
+                </a:solidFill>
+              </a:rPr>
+              <a:t>print("   ***   ")</a:t>
+            </a:r>
+          </a:p>
+          <a:p>
+            <a:pPr>
+              <a:lnSpc>
+                <a:spcPct val="90000"/>
+              </a:lnSpc>
+            </a:pPr>
+            <a:r>
+              <a:rPr lang="en-US" sz="1400" dirty="0">
+                <a:solidFill>
+                  <a:schemeClr val="tx1"/>
+                </a:solidFill>
+              </a:rPr>
+              <a:t>print("  *****  ")</a:t>
+            </a:r>
+          </a:p>
+          <a:p>
+            <a:pPr>
+              <a:lnSpc>
+                <a:spcPct val="90000"/>
+              </a:lnSpc>
+            </a:pPr>
+            <a:r>
+              <a:rPr lang="en-US" sz="1400" dirty="0">
+                <a:solidFill>
+                  <a:schemeClr val="tx1"/>
+                </a:solidFill>
+              </a:rPr>
+              <a:t>print(" ******* ")</a:t>
+            </a:r>
+          </a:p>
+          <a:p>
+            <a:pPr>
+              <a:lnSpc>
+                <a:spcPct val="90000"/>
+              </a:lnSpc>
+            </a:pPr>
+            <a:r>
+              <a:rPr lang="en-US" sz="1400" dirty="0">
+                <a:solidFill>
+                  <a:schemeClr val="tx1"/>
+                </a:solidFill>
+              </a:rPr>
+              <a:t>print("*********")</a:t>
+            </a:r>
+          </a:p>
+          <a:p>
+            <a:pPr>
+              <a:lnSpc>
+                <a:spcPct val="90000"/>
+              </a:lnSpc>
+            </a:pPr>
+            <a:endParaRPr lang="en-US" sz="1400" dirty="0">
+              <a:solidFill>
+                <a:schemeClr val="tx1"/>
+              </a:solidFill>
+            </a:endParaRPr>
+          </a:p>
+        </p:txBody>
+      </p:sp>
+      <p:sp>
+        <p:nvSpPr>
+          <p:cNvPr id="8" name="Subtitle 2">
+            <a:extLst>
+              <a:ext uri="{FF2B5EF4-FFF2-40B4-BE49-F238E27FC236}">
+                <a16:creationId xmlns:a16="http://schemas.microsoft.com/office/drawing/2014/main" id="{F5ECE262-1084-80A4-B49D-3C527225F090}"/>
+              </a:ext>
+            </a:extLst>
+          </p:cNvPr>
+          <p:cNvSpPr txBox="1">
+            <a:spLocks/>
+          </p:cNvSpPr>
+          <p:nvPr/>
+        </p:nvSpPr>
+        <p:spPr>
+          <a:xfrm>
+            <a:off x="4185897" y="2377978"/>
+            <a:ext cx="1931204" cy="3568178"/>
+          </a:xfrm>
+          <a:prstGeom prst="rect">
+            <a:avLst/>
+          </a:prstGeom>
+        </p:spPr>
+        <p:txBody>
+          <a:bodyPr vert="horz" lIns="91440" tIns="45720" rIns="91440" bIns="45720" rtlCol="0" anchor="t">
+            <a:normAutofit/>
+          </a:bodyPr>
+          <a:lstStyle>
+            <a:lvl1pPr marL="0" indent="0" algn="l" defTabSz="457200" rtl="0" eaLnBrk="1" latinLnBrk="0" hangingPunct="1">
+              <a:spcBef>
+                <a:spcPts val="1000"/>
+              </a:spcBef>
+              <a:spcAft>
+                <a:spcPts val="0"/>
+              </a:spcAft>
+              <a:buClr>
+                <a:schemeClr val="accent1"/>
+              </a:buClr>
+              <a:buFont typeface="Wingdings 3" charset="2"/>
+              <a:buNone/>
+              <a:defRPr sz="1800" kern="1200">
+                <a:solidFill>
+                  <a:schemeClr val="tx1">
+                    <a:lumMod val="65000"/>
+                    <a:lumOff val="35000"/>
+                  </a:schemeClr>
+                </a:solidFill>
+                <a:latin typeface="+mn-lt"/>
+                <a:ea typeface="+mn-ea"/>
+                <a:cs typeface="+mn-cs"/>
+              </a:defRPr>
+            </a:lvl1pPr>
+            <a:lvl2pPr marL="457200" indent="0" algn="ctr" defTabSz="457200" rtl="0" eaLnBrk="1" latinLnBrk="0" hangingPunct="1">
+              <a:spcBef>
+                <a:spcPts val="1000"/>
+              </a:spcBef>
+              <a:spcAft>
+                <a:spcPts val="0"/>
+              </a:spcAft>
+              <a:buClr>
+                <a:schemeClr val="accent1"/>
+              </a:buClr>
+              <a:buFont typeface="Wingdings 3" charset="2"/>
+              <a:buNone/>
+              <a:defRPr sz="1600" kern="1200">
+                <a:solidFill>
+                  <a:schemeClr val="tx1">
+                    <a:tint val="75000"/>
+                  </a:schemeClr>
+                </a:solidFill>
+                <a:latin typeface="+mn-lt"/>
+                <a:ea typeface="+mn-ea"/>
+                <a:cs typeface="+mn-cs"/>
+              </a:defRPr>
+            </a:lvl2pPr>
+            <a:lvl3pPr marL="914400" indent="0" algn="ctr" defTabSz="457200" rtl="0" eaLnBrk="1" latinLnBrk="0" hangingPunct="1">
+              <a:spcBef>
+                <a:spcPts val="1000"/>
+              </a:spcBef>
+              <a:spcAft>
+                <a:spcPts val="0"/>
+              </a:spcAft>
+              <a:buClr>
+                <a:schemeClr val="accent1"/>
+              </a:buClr>
+              <a:buFont typeface="Wingdings 3" charset="2"/>
+              <a:buNone/>
+              <a:defRPr sz="1400" kern="1200">
+                <a:solidFill>
+                  <a:schemeClr val="tx1">
+                    <a:tint val="75000"/>
+                  </a:schemeClr>
+                </a:solidFill>
+                <a:latin typeface="+mn-lt"/>
+                <a:ea typeface="+mn-ea"/>
+                <a:cs typeface="+mn-cs"/>
+              </a:defRPr>
+            </a:lvl3pPr>
+            <a:lvl4pPr marL="1371600" indent="0" algn="ctr" defTabSz="457200" rtl="0" eaLnBrk="1" latinLnBrk="0" hangingPunct="1">
+              <a:spcBef>
+                <a:spcPts val="1000"/>
+              </a:spcBef>
+              <a:spcAft>
+                <a:spcPts val="0"/>
+              </a:spcAft>
+              <a:buClr>
+                <a:schemeClr val="accent1"/>
+              </a:buClr>
+              <a:buFont typeface="Wingdings 3" charset="2"/>
+              <a:buNone/>
+              <a:defRPr sz="1200" kern="1200">
+                <a:solidFill>
+                  <a:schemeClr val="tx1">
+                    <a:tint val="75000"/>
+                  </a:schemeClr>
+                </a:solidFill>
+                <a:latin typeface="+mn-lt"/>
+                <a:ea typeface="+mn-ea"/>
+                <a:cs typeface="+mn-cs"/>
+              </a:defRPr>
+            </a:lvl4pPr>
+            <a:lvl5pPr marL="1828800" indent="0" algn="ctr" defTabSz="457200" rtl="0" eaLnBrk="1" latinLnBrk="0" hangingPunct="1">
+              <a:spcBef>
+                <a:spcPts val="1000"/>
+              </a:spcBef>
+              <a:spcAft>
+                <a:spcPts val="0"/>
+              </a:spcAft>
+              <a:buClr>
+                <a:schemeClr val="accent1"/>
+              </a:buClr>
+              <a:buFont typeface="Wingdings 3" charset="2"/>
+              <a:buNone/>
+              <a:defRPr sz="1200" kern="1200">
+                <a:solidFill>
+                  <a:schemeClr val="tx1">
+                    <a:tint val="75000"/>
+                  </a:schemeClr>
+                </a:solidFill>
+                <a:latin typeface="+mn-lt"/>
+                <a:ea typeface="+mn-ea"/>
+                <a:cs typeface="+mn-cs"/>
+              </a:defRPr>
+            </a:lvl5pPr>
+            <a:lvl6pPr marL="2286000" indent="0" algn="ctr" defTabSz="457200" rtl="0" eaLnBrk="1" latinLnBrk="0" hangingPunct="1">
+              <a:spcBef>
+                <a:spcPts val="1000"/>
+              </a:spcBef>
+              <a:spcAft>
+                <a:spcPts val="0"/>
+              </a:spcAft>
+              <a:buClr>
+                <a:schemeClr val="accent1"/>
+              </a:buClr>
+              <a:buFont typeface="Wingdings 3" charset="2"/>
+              <a:buNone/>
+              <a:defRPr sz="1200" kern="1200">
+                <a:solidFill>
+                  <a:schemeClr val="tx1">
+                    <a:tint val="75000"/>
+                  </a:schemeClr>
+                </a:solidFill>
+                <a:latin typeface="+mn-lt"/>
+                <a:ea typeface="+mn-ea"/>
+                <a:cs typeface="+mn-cs"/>
+              </a:defRPr>
+            </a:lvl6pPr>
+            <a:lvl7pPr marL="2743200" indent="0" algn="ctr" defTabSz="457200" rtl="0" eaLnBrk="1" latinLnBrk="0" hangingPunct="1">
+              <a:spcBef>
+                <a:spcPts val="1000"/>
+              </a:spcBef>
+              <a:spcAft>
+                <a:spcPts val="0"/>
+              </a:spcAft>
+              <a:buClr>
+                <a:schemeClr val="accent1"/>
+              </a:buClr>
+              <a:buFont typeface="Wingdings 3" charset="2"/>
+              <a:buNone/>
+              <a:defRPr sz="1200" kern="1200">
+                <a:solidFill>
+                  <a:schemeClr val="tx1">
+                    <a:tint val="75000"/>
+                  </a:schemeClr>
+                </a:solidFill>
+                <a:latin typeface="+mn-lt"/>
+                <a:ea typeface="+mn-ea"/>
+                <a:cs typeface="+mn-cs"/>
+              </a:defRPr>
+            </a:lvl7pPr>
+            <a:lvl8pPr marL="3200400" indent="0" algn="ctr" defTabSz="457200" rtl="0" eaLnBrk="1" latinLnBrk="0" hangingPunct="1">
+              <a:spcBef>
+                <a:spcPts val="1000"/>
+              </a:spcBef>
+              <a:spcAft>
+                <a:spcPts val="0"/>
+              </a:spcAft>
+              <a:buClr>
+                <a:schemeClr val="accent1"/>
+              </a:buClr>
+              <a:buFont typeface="Wingdings 3" charset="2"/>
+              <a:buNone/>
+              <a:defRPr sz="1200" kern="1200">
+                <a:solidFill>
+                  <a:schemeClr val="tx1">
+                    <a:tint val="75000"/>
+                  </a:schemeClr>
+                </a:solidFill>
+                <a:latin typeface="+mn-lt"/>
+                <a:ea typeface="+mn-ea"/>
+                <a:cs typeface="+mn-cs"/>
+              </a:defRPr>
+            </a:lvl8pPr>
+            <a:lvl9pPr marL="3657600" indent="0" algn="ctr" defTabSz="457200" rtl="0" eaLnBrk="1" latinLnBrk="0" hangingPunct="1">
+              <a:spcBef>
+                <a:spcPts val="1000"/>
+              </a:spcBef>
+              <a:spcAft>
+                <a:spcPts val="0"/>
+              </a:spcAft>
+              <a:buClr>
+                <a:schemeClr val="accent1"/>
+              </a:buClr>
+              <a:buFont typeface="Wingdings 3" charset="2"/>
+              <a:buNone/>
+              <a:defRPr sz="1200" kern="1200">
+                <a:solidFill>
+                  <a:schemeClr val="tx1">
+                    <a:tint val="75000"/>
+                  </a:schemeClr>
+                </a:solidFill>
+                <a:latin typeface="+mn-lt"/>
+                <a:ea typeface="+mn-ea"/>
+                <a:cs typeface="+mn-cs"/>
+              </a:defRPr>
+            </a:lvl9pPr>
+          </a:lstStyle>
+          <a:p>
+            <a:pPr>
+              <a:lnSpc>
+                <a:spcPct val="90000"/>
+              </a:lnSpc>
+            </a:pPr>
+            <a:r>
+              <a:rPr lang="en-US" sz="1500" dirty="0">
+                <a:solidFill>
+                  <a:schemeClr val="tx1"/>
+                </a:solidFill>
+              </a:rPr>
+              <a:t>9 </a:t>
+            </a:r>
+            <a:r>
+              <a:rPr lang="en-US" sz="1500" dirty="0" err="1">
+                <a:solidFill>
+                  <a:schemeClr val="tx1"/>
+                </a:solidFill>
+              </a:rPr>
+              <a:t>Sln</a:t>
+            </a:r>
+            <a:r>
+              <a:rPr lang="en-US" sz="1500" dirty="0">
+                <a:solidFill>
+                  <a:schemeClr val="tx1"/>
+                </a:solidFill>
+              </a:rPr>
+              <a:t>:</a:t>
+            </a:r>
+          </a:p>
+          <a:p>
+            <a:pPr>
+              <a:lnSpc>
+                <a:spcPct val="90000"/>
+              </a:lnSpc>
+            </a:pPr>
+            <a:r>
+              <a:rPr lang="en-US" sz="1500" dirty="0">
+                <a:solidFill>
+                  <a:schemeClr val="tx1"/>
+                </a:solidFill>
+              </a:rPr>
+              <a:t>print("    *    ")</a:t>
+            </a:r>
+          </a:p>
+          <a:p>
+            <a:pPr>
+              <a:lnSpc>
+                <a:spcPct val="90000"/>
+              </a:lnSpc>
+            </a:pPr>
+            <a:r>
+              <a:rPr lang="en-US" sz="1500" dirty="0">
+                <a:solidFill>
+                  <a:schemeClr val="tx1"/>
+                </a:solidFill>
+              </a:rPr>
+              <a:t>print("   ***   ")</a:t>
+            </a:r>
+          </a:p>
+          <a:p>
+            <a:pPr>
+              <a:lnSpc>
+                <a:spcPct val="90000"/>
+              </a:lnSpc>
+            </a:pPr>
+            <a:r>
+              <a:rPr lang="en-US" sz="1500" dirty="0">
+                <a:solidFill>
+                  <a:schemeClr val="tx1"/>
+                </a:solidFill>
+              </a:rPr>
+              <a:t>print("  *****  ")</a:t>
+            </a:r>
+          </a:p>
+          <a:p>
+            <a:pPr>
+              <a:lnSpc>
+                <a:spcPct val="90000"/>
+              </a:lnSpc>
+            </a:pPr>
+            <a:r>
+              <a:rPr lang="en-US" sz="1500" dirty="0">
+                <a:solidFill>
+                  <a:schemeClr val="tx1"/>
+                </a:solidFill>
+              </a:rPr>
+              <a:t>print(" ******* ")</a:t>
+            </a:r>
+          </a:p>
+          <a:p>
+            <a:pPr>
+              <a:lnSpc>
+                <a:spcPct val="90000"/>
+              </a:lnSpc>
+            </a:pPr>
+            <a:r>
+              <a:rPr lang="en-US" sz="1500" dirty="0">
+                <a:solidFill>
+                  <a:schemeClr val="tx1"/>
+                </a:solidFill>
+              </a:rPr>
+              <a:t>print("*********")</a:t>
+            </a:r>
+          </a:p>
+          <a:p>
+            <a:pPr>
+              <a:lnSpc>
+                <a:spcPct val="90000"/>
+              </a:lnSpc>
+            </a:pPr>
+            <a:r>
+              <a:rPr lang="en-US" sz="1500" dirty="0">
+                <a:solidFill>
+                  <a:schemeClr val="tx1"/>
+                </a:solidFill>
+              </a:rPr>
+              <a:t>print(" ******* ")</a:t>
+            </a:r>
+          </a:p>
+          <a:p>
+            <a:pPr>
+              <a:lnSpc>
+                <a:spcPct val="90000"/>
+              </a:lnSpc>
+            </a:pPr>
+            <a:r>
+              <a:rPr lang="en-US" sz="1500" dirty="0">
+                <a:solidFill>
+                  <a:schemeClr val="tx1"/>
+                </a:solidFill>
+              </a:rPr>
+              <a:t>print("  *****  ")</a:t>
+            </a:r>
+          </a:p>
+          <a:p>
+            <a:pPr>
+              <a:lnSpc>
+                <a:spcPct val="90000"/>
+              </a:lnSpc>
+            </a:pPr>
+            <a:r>
+              <a:rPr lang="en-US" sz="1500" dirty="0">
+                <a:solidFill>
+                  <a:schemeClr val="tx1"/>
+                </a:solidFill>
+              </a:rPr>
+              <a:t>print("   ***   ")</a:t>
+            </a:r>
+          </a:p>
+          <a:p>
+            <a:pPr>
+              <a:lnSpc>
+                <a:spcPct val="90000"/>
+              </a:lnSpc>
+            </a:pPr>
+            <a:r>
+              <a:rPr lang="en-US" sz="1500" dirty="0">
+                <a:solidFill>
+                  <a:schemeClr val="tx1"/>
+                </a:solidFill>
+              </a:rPr>
+              <a:t>print("    *    ")</a:t>
+            </a:r>
+          </a:p>
+          <a:p>
+            <a:pPr>
+              <a:lnSpc>
+                <a:spcPct val="90000"/>
+              </a:lnSpc>
+            </a:pPr>
+            <a:endParaRPr lang="en-US" sz="1500" dirty="0">
+              <a:solidFill>
+                <a:schemeClr val="tx1"/>
+              </a:solidFill>
+            </a:endParaRPr>
+          </a:p>
+        </p:txBody>
+      </p:sp>
+      <p:sp>
+        <p:nvSpPr>
+          <p:cNvPr id="3" name="Rectangle 2">
+            <a:extLst>
+              <a:ext uri="{FF2B5EF4-FFF2-40B4-BE49-F238E27FC236}">
+                <a16:creationId xmlns:a16="http://schemas.microsoft.com/office/drawing/2014/main" id="{57C05FB1-2DD2-42FC-0B68-3327BCF08771}"/>
               </a:ext>
             </a:extLst>
           </p:cNvPr>
@@ -16492,10 +15461,1232 @@
           </a:p>
         </p:txBody>
       </p:sp>
+      <p:sp>
+        <p:nvSpPr>
+          <p:cNvPr id="11" name="Subtitle 2">
+            <a:extLst>
+              <a:ext uri="{FF2B5EF4-FFF2-40B4-BE49-F238E27FC236}">
+                <a16:creationId xmlns:a16="http://schemas.microsoft.com/office/drawing/2014/main" id="{E6739936-6FC7-CC36-62F8-4F3F581689DE}"/>
+              </a:ext>
+            </a:extLst>
+          </p:cNvPr>
+          <p:cNvSpPr txBox="1">
+            <a:spLocks/>
+          </p:cNvSpPr>
+          <p:nvPr/>
+        </p:nvSpPr>
+        <p:spPr>
+          <a:xfrm>
+            <a:off x="5960771" y="2377979"/>
+            <a:ext cx="2055468" cy="3821395"/>
+          </a:xfrm>
+          <a:prstGeom prst="rect">
+            <a:avLst/>
+          </a:prstGeom>
+        </p:spPr>
+        <p:txBody>
+          <a:bodyPr vert="horz" lIns="91440" tIns="45720" rIns="91440" bIns="45720" rtlCol="0" anchor="t">
+            <a:noAutofit/>
+          </a:bodyPr>
+          <a:lstStyle>
+            <a:lvl1pPr marL="0" indent="0" algn="l" defTabSz="457200" rtl="0" eaLnBrk="1" latinLnBrk="0" hangingPunct="1">
+              <a:spcBef>
+                <a:spcPts val="1000"/>
+              </a:spcBef>
+              <a:spcAft>
+                <a:spcPts val="0"/>
+              </a:spcAft>
+              <a:buClr>
+                <a:schemeClr val="accent1"/>
+              </a:buClr>
+              <a:buFont typeface="Wingdings 3" charset="2"/>
+              <a:buNone/>
+              <a:defRPr sz="1800" kern="1200">
+                <a:solidFill>
+                  <a:schemeClr val="tx1">
+                    <a:lumMod val="65000"/>
+                    <a:lumOff val="35000"/>
+                  </a:schemeClr>
+                </a:solidFill>
+                <a:latin typeface="+mn-lt"/>
+                <a:ea typeface="+mn-ea"/>
+                <a:cs typeface="+mn-cs"/>
+              </a:defRPr>
+            </a:lvl1pPr>
+            <a:lvl2pPr marL="457200" indent="0" algn="ctr" defTabSz="457200" rtl="0" eaLnBrk="1" latinLnBrk="0" hangingPunct="1">
+              <a:spcBef>
+                <a:spcPts val="1000"/>
+              </a:spcBef>
+              <a:spcAft>
+                <a:spcPts val="0"/>
+              </a:spcAft>
+              <a:buClr>
+                <a:schemeClr val="accent1"/>
+              </a:buClr>
+              <a:buFont typeface="Wingdings 3" charset="2"/>
+              <a:buNone/>
+              <a:defRPr sz="1600" kern="1200">
+                <a:solidFill>
+                  <a:schemeClr val="tx1">
+                    <a:tint val="75000"/>
+                  </a:schemeClr>
+                </a:solidFill>
+                <a:latin typeface="+mn-lt"/>
+                <a:ea typeface="+mn-ea"/>
+                <a:cs typeface="+mn-cs"/>
+              </a:defRPr>
+            </a:lvl2pPr>
+            <a:lvl3pPr marL="914400" indent="0" algn="ctr" defTabSz="457200" rtl="0" eaLnBrk="1" latinLnBrk="0" hangingPunct="1">
+              <a:spcBef>
+                <a:spcPts val="1000"/>
+              </a:spcBef>
+              <a:spcAft>
+                <a:spcPts val="0"/>
+              </a:spcAft>
+              <a:buClr>
+                <a:schemeClr val="accent1"/>
+              </a:buClr>
+              <a:buFont typeface="Wingdings 3" charset="2"/>
+              <a:buNone/>
+              <a:defRPr sz="1400" kern="1200">
+                <a:solidFill>
+                  <a:schemeClr val="tx1">
+                    <a:tint val="75000"/>
+                  </a:schemeClr>
+                </a:solidFill>
+                <a:latin typeface="+mn-lt"/>
+                <a:ea typeface="+mn-ea"/>
+                <a:cs typeface="+mn-cs"/>
+              </a:defRPr>
+            </a:lvl3pPr>
+            <a:lvl4pPr marL="1371600" indent="0" algn="ctr" defTabSz="457200" rtl="0" eaLnBrk="1" latinLnBrk="0" hangingPunct="1">
+              <a:spcBef>
+                <a:spcPts val="1000"/>
+              </a:spcBef>
+              <a:spcAft>
+                <a:spcPts val="0"/>
+              </a:spcAft>
+              <a:buClr>
+                <a:schemeClr val="accent1"/>
+              </a:buClr>
+              <a:buFont typeface="Wingdings 3" charset="2"/>
+              <a:buNone/>
+              <a:defRPr sz="1200" kern="1200">
+                <a:solidFill>
+                  <a:schemeClr val="tx1">
+                    <a:tint val="75000"/>
+                  </a:schemeClr>
+                </a:solidFill>
+                <a:latin typeface="+mn-lt"/>
+                <a:ea typeface="+mn-ea"/>
+                <a:cs typeface="+mn-cs"/>
+              </a:defRPr>
+            </a:lvl4pPr>
+            <a:lvl5pPr marL="1828800" indent="0" algn="ctr" defTabSz="457200" rtl="0" eaLnBrk="1" latinLnBrk="0" hangingPunct="1">
+              <a:spcBef>
+                <a:spcPts val="1000"/>
+              </a:spcBef>
+              <a:spcAft>
+                <a:spcPts val="0"/>
+              </a:spcAft>
+              <a:buClr>
+                <a:schemeClr val="accent1"/>
+              </a:buClr>
+              <a:buFont typeface="Wingdings 3" charset="2"/>
+              <a:buNone/>
+              <a:defRPr sz="1200" kern="1200">
+                <a:solidFill>
+                  <a:schemeClr val="tx1">
+                    <a:tint val="75000"/>
+                  </a:schemeClr>
+                </a:solidFill>
+                <a:latin typeface="+mn-lt"/>
+                <a:ea typeface="+mn-ea"/>
+                <a:cs typeface="+mn-cs"/>
+              </a:defRPr>
+            </a:lvl5pPr>
+            <a:lvl6pPr marL="2286000" indent="0" algn="ctr" defTabSz="457200" rtl="0" eaLnBrk="1" latinLnBrk="0" hangingPunct="1">
+              <a:spcBef>
+                <a:spcPts val="1000"/>
+              </a:spcBef>
+              <a:spcAft>
+                <a:spcPts val="0"/>
+              </a:spcAft>
+              <a:buClr>
+                <a:schemeClr val="accent1"/>
+              </a:buClr>
+              <a:buFont typeface="Wingdings 3" charset="2"/>
+              <a:buNone/>
+              <a:defRPr sz="1200" kern="1200">
+                <a:solidFill>
+                  <a:schemeClr val="tx1">
+                    <a:tint val="75000"/>
+                  </a:schemeClr>
+                </a:solidFill>
+                <a:latin typeface="+mn-lt"/>
+                <a:ea typeface="+mn-ea"/>
+                <a:cs typeface="+mn-cs"/>
+              </a:defRPr>
+            </a:lvl6pPr>
+            <a:lvl7pPr marL="2743200" indent="0" algn="ctr" defTabSz="457200" rtl="0" eaLnBrk="1" latinLnBrk="0" hangingPunct="1">
+              <a:spcBef>
+                <a:spcPts val="1000"/>
+              </a:spcBef>
+              <a:spcAft>
+                <a:spcPts val="0"/>
+              </a:spcAft>
+              <a:buClr>
+                <a:schemeClr val="accent1"/>
+              </a:buClr>
+              <a:buFont typeface="Wingdings 3" charset="2"/>
+              <a:buNone/>
+              <a:defRPr sz="1200" kern="1200">
+                <a:solidFill>
+                  <a:schemeClr val="tx1">
+                    <a:tint val="75000"/>
+                  </a:schemeClr>
+                </a:solidFill>
+                <a:latin typeface="+mn-lt"/>
+                <a:ea typeface="+mn-ea"/>
+                <a:cs typeface="+mn-cs"/>
+              </a:defRPr>
+            </a:lvl7pPr>
+            <a:lvl8pPr marL="3200400" indent="0" algn="ctr" defTabSz="457200" rtl="0" eaLnBrk="1" latinLnBrk="0" hangingPunct="1">
+              <a:spcBef>
+                <a:spcPts val="1000"/>
+              </a:spcBef>
+              <a:spcAft>
+                <a:spcPts val="0"/>
+              </a:spcAft>
+              <a:buClr>
+                <a:schemeClr val="accent1"/>
+              </a:buClr>
+              <a:buFont typeface="Wingdings 3" charset="2"/>
+              <a:buNone/>
+              <a:defRPr sz="1200" kern="1200">
+                <a:solidFill>
+                  <a:schemeClr val="tx1">
+                    <a:tint val="75000"/>
+                  </a:schemeClr>
+                </a:solidFill>
+                <a:latin typeface="+mn-lt"/>
+                <a:ea typeface="+mn-ea"/>
+                <a:cs typeface="+mn-cs"/>
+              </a:defRPr>
+            </a:lvl8pPr>
+            <a:lvl9pPr marL="3657600" indent="0" algn="ctr" defTabSz="457200" rtl="0" eaLnBrk="1" latinLnBrk="0" hangingPunct="1">
+              <a:spcBef>
+                <a:spcPts val="1000"/>
+              </a:spcBef>
+              <a:spcAft>
+                <a:spcPts val="0"/>
+              </a:spcAft>
+              <a:buClr>
+                <a:schemeClr val="accent1"/>
+              </a:buClr>
+              <a:buFont typeface="Wingdings 3" charset="2"/>
+              <a:buNone/>
+              <a:defRPr sz="1200" kern="1200">
+                <a:solidFill>
+                  <a:schemeClr val="tx1">
+                    <a:tint val="75000"/>
+                  </a:schemeClr>
+                </a:solidFill>
+                <a:latin typeface="+mn-lt"/>
+                <a:ea typeface="+mn-ea"/>
+                <a:cs typeface="+mn-cs"/>
+              </a:defRPr>
+            </a:lvl9pPr>
+          </a:lstStyle>
+          <a:p>
+            <a:pPr>
+              <a:lnSpc>
+                <a:spcPct val="90000"/>
+              </a:lnSpc>
+            </a:pPr>
+            <a:r>
+              <a:rPr lang="en-US" sz="1400" dirty="0">
+                <a:solidFill>
+                  <a:schemeClr val="tx1"/>
+                </a:solidFill>
+              </a:rPr>
+              <a:t>10 </a:t>
+            </a:r>
+            <a:r>
+              <a:rPr lang="en-US" sz="1400" dirty="0" err="1">
+                <a:solidFill>
+                  <a:schemeClr val="tx1"/>
+                </a:solidFill>
+              </a:rPr>
+              <a:t>Sln</a:t>
+            </a:r>
+            <a:r>
+              <a:rPr lang="en-US" sz="1400" dirty="0">
+                <a:solidFill>
+                  <a:schemeClr val="tx1"/>
+                </a:solidFill>
+              </a:rPr>
+              <a:t>: </a:t>
+            </a:r>
+          </a:p>
+          <a:p>
+            <a:pPr>
+              <a:lnSpc>
+                <a:spcPct val="90000"/>
+              </a:lnSpc>
+            </a:pPr>
+            <a:r>
+              <a:rPr lang="en-US" sz="1400" dirty="0">
+                <a:solidFill>
+                  <a:schemeClr val="tx1"/>
+                </a:solidFill>
+              </a:rPr>
+              <a:t>print("*****")</a:t>
+            </a:r>
+          </a:p>
+          <a:p>
+            <a:pPr>
+              <a:lnSpc>
+                <a:spcPct val="90000"/>
+              </a:lnSpc>
+            </a:pPr>
+            <a:r>
+              <a:rPr lang="en-US" sz="1400" dirty="0">
+                <a:solidFill>
+                  <a:schemeClr val="tx1"/>
+                </a:solidFill>
+              </a:rPr>
+              <a:t>print("*    *")</a:t>
+            </a:r>
+          </a:p>
+          <a:p>
+            <a:pPr>
+              <a:lnSpc>
+                <a:spcPct val="90000"/>
+              </a:lnSpc>
+            </a:pPr>
+            <a:r>
+              <a:rPr lang="en-US" sz="1400" dirty="0">
+                <a:solidFill>
+                  <a:schemeClr val="tx1"/>
+                </a:solidFill>
+              </a:rPr>
+              <a:t>print("*    *")</a:t>
+            </a:r>
+          </a:p>
+          <a:p>
+            <a:pPr>
+              <a:lnSpc>
+                <a:spcPct val="90000"/>
+              </a:lnSpc>
+            </a:pPr>
+            <a:r>
+              <a:rPr lang="en-US" sz="1400" dirty="0">
+                <a:solidFill>
+                  <a:schemeClr val="tx1"/>
+                </a:solidFill>
+              </a:rPr>
+              <a:t>print("*    *")</a:t>
+            </a:r>
+          </a:p>
+          <a:p>
+            <a:pPr>
+              <a:lnSpc>
+                <a:spcPct val="90000"/>
+              </a:lnSpc>
+            </a:pPr>
+            <a:r>
+              <a:rPr lang="en-US" sz="1400" dirty="0">
+                <a:solidFill>
+                  <a:schemeClr val="tx1"/>
+                </a:solidFill>
+              </a:rPr>
+              <a:t>print("*****")</a:t>
+            </a:r>
+          </a:p>
+          <a:p>
+            <a:pPr>
+              <a:lnSpc>
+                <a:spcPct val="90000"/>
+              </a:lnSpc>
+            </a:pPr>
+            <a:r>
+              <a:rPr lang="en-US" sz="1400" dirty="0">
+                <a:solidFill>
+                  <a:schemeClr val="tx1"/>
+                </a:solidFill>
+              </a:rPr>
+              <a:t>11. </a:t>
+            </a:r>
+            <a:r>
+              <a:rPr lang="en-US" sz="1400" dirty="0" err="1">
+                <a:solidFill>
+                  <a:schemeClr val="tx1"/>
+                </a:solidFill>
+              </a:rPr>
+              <a:t>Sln</a:t>
+            </a:r>
+            <a:r>
+              <a:rPr lang="en-US" sz="1400" dirty="0">
+                <a:solidFill>
+                  <a:schemeClr val="tx1"/>
+                </a:solidFill>
+              </a:rPr>
+              <a:t>:</a:t>
+            </a:r>
+          </a:p>
+          <a:p>
+            <a:pPr>
+              <a:lnSpc>
+                <a:spcPct val="90000"/>
+              </a:lnSpc>
+            </a:pPr>
+            <a:r>
+              <a:rPr lang="en-US" sz="1400" dirty="0">
+                <a:solidFill>
+                  <a:schemeClr val="tx1"/>
+                </a:solidFill>
+              </a:rPr>
+              <a:t>print("*   *")</a:t>
+            </a:r>
+          </a:p>
+          <a:p>
+            <a:pPr>
+              <a:lnSpc>
+                <a:spcPct val="90000"/>
+              </a:lnSpc>
+            </a:pPr>
+            <a:r>
+              <a:rPr lang="en-US" sz="1400" dirty="0">
+                <a:solidFill>
+                  <a:schemeClr val="tx1"/>
+                </a:solidFill>
+              </a:rPr>
+              <a:t>print(" * * ")</a:t>
+            </a:r>
+          </a:p>
+          <a:p>
+            <a:pPr>
+              <a:lnSpc>
+                <a:spcPct val="90000"/>
+              </a:lnSpc>
+            </a:pPr>
+            <a:r>
+              <a:rPr lang="en-US" sz="1400" dirty="0">
+                <a:solidFill>
+                  <a:schemeClr val="tx1"/>
+                </a:solidFill>
+              </a:rPr>
+              <a:t>print("  *  ")</a:t>
+            </a:r>
+          </a:p>
+          <a:p>
+            <a:pPr>
+              <a:lnSpc>
+                <a:spcPct val="90000"/>
+              </a:lnSpc>
+            </a:pPr>
+            <a:r>
+              <a:rPr lang="en-US" sz="1400" dirty="0">
+                <a:solidFill>
+                  <a:schemeClr val="tx1"/>
+                </a:solidFill>
+              </a:rPr>
+              <a:t>print(" * * ")</a:t>
+            </a:r>
+          </a:p>
+          <a:p>
+            <a:pPr>
+              <a:lnSpc>
+                <a:spcPct val="90000"/>
+              </a:lnSpc>
+            </a:pPr>
+            <a:r>
+              <a:rPr lang="en-US" sz="1400" dirty="0">
+                <a:solidFill>
+                  <a:schemeClr val="tx1"/>
+                </a:solidFill>
+              </a:rPr>
+              <a:t>print("*   *")</a:t>
+            </a:r>
+          </a:p>
+          <a:p>
+            <a:pPr>
+              <a:lnSpc>
+                <a:spcPct val="90000"/>
+              </a:lnSpc>
+            </a:pPr>
+            <a:endParaRPr lang="en-US" sz="1400" dirty="0">
+              <a:solidFill>
+                <a:schemeClr val="tx1"/>
+              </a:solidFill>
+            </a:endParaRPr>
+          </a:p>
+        </p:txBody>
+      </p:sp>
+      <p:sp>
+        <p:nvSpPr>
+          <p:cNvPr id="12" name="Subtitle 2">
+            <a:extLst>
+              <a:ext uri="{FF2B5EF4-FFF2-40B4-BE49-F238E27FC236}">
+                <a16:creationId xmlns:a16="http://schemas.microsoft.com/office/drawing/2014/main" id="{DC2B8607-119B-F4D9-C758-6DE5DCB56D06}"/>
+              </a:ext>
+            </a:extLst>
+          </p:cNvPr>
+          <p:cNvSpPr txBox="1">
+            <a:spLocks/>
+          </p:cNvSpPr>
+          <p:nvPr/>
+        </p:nvSpPr>
+        <p:spPr>
+          <a:xfrm>
+            <a:off x="7334717" y="2377978"/>
+            <a:ext cx="1931204" cy="3568178"/>
+          </a:xfrm>
+          <a:prstGeom prst="rect">
+            <a:avLst/>
+          </a:prstGeom>
+        </p:spPr>
+        <p:txBody>
+          <a:bodyPr vert="horz" lIns="91440" tIns="45720" rIns="91440" bIns="45720" rtlCol="0" anchor="t">
+            <a:normAutofit/>
+          </a:bodyPr>
+          <a:lstStyle>
+            <a:lvl1pPr marL="0" indent="0" algn="l" defTabSz="457200" rtl="0" eaLnBrk="1" latinLnBrk="0" hangingPunct="1">
+              <a:spcBef>
+                <a:spcPts val="1000"/>
+              </a:spcBef>
+              <a:spcAft>
+                <a:spcPts val="0"/>
+              </a:spcAft>
+              <a:buClr>
+                <a:schemeClr val="accent1"/>
+              </a:buClr>
+              <a:buFont typeface="Wingdings 3" charset="2"/>
+              <a:buNone/>
+              <a:defRPr sz="1800" kern="1200">
+                <a:solidFill>
+                  <a:schemeClr val="tx1">
+                    <a:lumMod val="65000"/>
+                    <a:lumOff val="35000"/>
+                  </a:schemeClr>
+                </a:solidFill>
+                <a:latin typeface="+mn-lt"/>
+                <a:ea typeface="+mn-ea"/>
+                <a:cs typeface="+mn-cs"/>
+              </a:defRPr>
+            </a:lvl1pPr>
+            <a:lvl2pPr marL="457200" indent="0" algn="ctr" defTabSz="457200" rtl="0" eaLnBrk="1" latinLnBrk="0" hangingPunct="1">
+              <a:spcBef>
+                <a:spcPts val="1000"/>
+              </a:spcBef>
+              <a:spcAft>
+                <a:spcPts val="0"/>
+              </a:spcAft>
+              <a:buClr>
+                <a:schemeClr val="accent1"/>
+              </a:buClr>
+              <a:buFont typeface="Wingdings 3" charset="2"/>
+              <a:buNone/>
+              <a:defRPr sz="1600" kern="1200">
+                <a:solidFill>
+                  <a:schemeClr val="tx1">
+                    <a:tint val="75000"/>
+                  </a:schemeClr>
+                </a:solidFill>
+                <a:latin typeface="+mn-lt"/>
+                <a:ea typeface="+mn-ea"/>
+                <a:cs typeface="+mn-cs"/>
+              </a:defRPr>
+            </a:lvl2pPr>
+            <a:lvl3pPr marL="914400" indent="0" algn="ctr" defTabSz="457200" rtl="0" eaLnBrk="1" latinLnBrk="0" hangingPunct="1">
+              <a:spcBef>
+                <a:spcPts val="1000"/>
+              </a:spcBef>
+              <a:spcAft>
+                <a:spcPts val="0"/>
+              </a:spcAft>
+              <a:buClr>
+                <a:schemeClr val="accent1"/>
+              </a:buClr>
+              <a:buFont typeface="Wingdings 3" charset="2"/>
+              <a:buNone/>
+              <a:defRPr sz="1400" kern="1200">
+                <a:solidFill>
+                  <a:schemeClr val="tx1">
+                    <a:tint val="75000"/>
+                  </a:schemeClr>
+                </a:solidFill>
+                <a:latin typeface="+mn-lt"/>
+                <a:ea typeface="+mn-ea"/>
+                <a:cs typeface="+mn-cs"/>
+              </a:defRPr>
+            </a:lvl3pPr>
+            <a:lvl4pPr marL="1371600" indent="0" algn="ctr" defTabSz="457200" rtl="0" eaLnBrk="1" latinLnBrk="0" hangingPunct="1">
+              <a:spcBef>
+                <a:spcPts val="1000"/>
+              </a:spcBef>
+              <a:spcAft>
+                <a:spcPts val="0"/>
+              </a:spcAft>
+              <a:buClr>
+                <a:schemeClr val="accent1"/>
+              </a:buClr>
+              <a:buFont typeface="Wingdings 3" charset="2"/>
+              <a:buNone/>
+              <a:defRPr sz="1200" kern="1200">
+                <a:solidFill>
+                  <a:schemeClr val="tx1">
+                    <a:tint val="75000"/>
+                  </a:schemeClr>
+                </a:solidFill>
+                <a:latin typeface="+mn-lt"/>
+                <a:ea typeface="+mn-ea"/>
+                <a:cs typeface="+mn-cs"/>
+              </a:defRPr>
+            </a:lvl4pPr>
+            <a:lvl5pPr marL="1828800" indent="0" algn="ctr" defTabSz="457200" rtl="0" eaLnBrk="1" latinLnBrk="0" hangingPunct="1">
+              <a:spcBef>
+                <a:spcPts val="1000"/>
+              </a:spcBef>
+              <a:spcAft>
+                <a:spcPts val="0"/>
+              </a:spcAft>
+              <a:buClr>
+                <a:schemeClr val="accent1"/>
+              </a:buClr>
+              <a:buFont typeface="Wingdings 3" charset="2"/>
+              <a:buNone/>
+              <a:defRPr sz="1200" kern="1200">
+                <a:solidFill>
+                  <a:schemeClr val="tx1">
+                    <a:tint val="75000"/>
+                  </a:schemeClr>
+                </a:solidFill>
+                <a:latin typeface="+mn-lt"/>
+                <a:ea typeface="+mn-ea"/>
+                <a:cs typeface="+mn-cs"/>
+              </a:defRPr>
+            </a:lvl5pPr>
+            <a:lvl6pPr marL="2286000" indent="0" algn="ctr" defTabSz="457200" rtl="0" eaLnBrk="1" latinLnBrk="0" hangingPunct="1">
+              <a:spcBef>
+                <a:spcPts val="1000"/>
+              </a:spcBef>
+              <a:spcAft>
+                <a:spcPts val="0"/>
+              </a:spcAft>
+              <a:buClr>
+                <a:schemeClr val="accent1"/>
+              </a:buClr>
+              <a:buFont typeface="Wingdings 3" charset="2"/>
+              <a:buNone/>
+              <a:defRPr sz="1200" kern="1200">
+                <a:solidFill>
+                  <a:schemeClr val="tx1">
+                    <a:tint val="75000"/>
+                  </a:schemeClr>
+                </a:solidFill>
+                <a:latin typeface="+mn-lt"/>
+                <a:ea typeface="+mn-ea"/>
+                <a:cs typeface="+mn-cs"/>
+              </a:defRPr>
+            </a:lvl6pPr>
+            <a:lvl7pPr marL="2743200" indent="0" algn="ctr" defTabSz="457200" rtl="0" eaLnBrk="1" latinLnBrk="0" hangingPunct="1">
+              <a:spcBef>
+                <a:spcPts val="1000"/>
+              </a:spcBef>
+              <a:spcAft>
+                <a:spcPts val="0"/>
+              </a:spcAft>
+              <a:buClr>
+                <a:schemeClr val="accent1"/>
+              </a:buClr>
+              <a:buFont typeface="Wingdings 3" charset="2"/>
+              <a:buNone/>
+              <a:defRPr sz="1200" kern="1200">
+                <a:solidFill>
+                  <a:schemeClr val="tx1">
+                    <a:tint val="75000"/>
+                  </a:schemeClr>
+                </a:solidFill>
+                <a:latin typeface="+mn-lt"/>
+                <a:ea typeface="+mn-ea"/>
+                <a:cs typeface="+mn-cs"/>
+              </a:defRPr>
+            </a:lvl7pPr>
+            <a:lvl8pPr marL="3200400" indent="0" algn="ctr" defTabSz="457200" rtl="0" eaLnBrk="1" latinLnBrk="0" hangingPunct="1">
+              <a:spcBef>
+                <a:spcPts val="1000"/>
+              </a:spcBef>
+              <a:spcAft>
+                <a:spcPts val="0"/>
+              </a:spcAft>
+              <a:buClr>
+                <a:schemeClr val="accent1"/>
+              </a:buClr>
+              <a:buFont typeface="Wingdings 3" charset="2"/>
+              <a:buNone/>
+              <a:defRPr sz="1200" kern="1200">
+                <a:solidFill>
+                  <a:schemeClr val="tx1">
+                    <a:tint val="75000"/>
+                  </a:schemeClr>
+                </a:solidFill>
+                <a:latin typeface="+mn-lt"/>
+                <a:ea typeface="+mn-ea"/>
+                <a:cs typeface="+mn-cs"/>
+              </a:defRPr>
+            </a:lvl8pPr>
+            <a:lvl9pPr marL="3657600" indent="0" algn="ctr" defTabSz="457200" rtl="0" eaLnBrk="1" latinLnBrk="0" hangingPunct="1">
+              <a:spcBef>
+                <a:spcPts val="1000"/>
+              </a:spcBef>
+              <a:spcAft>
+                <a:spcPts val="0"/>
+              </a:spcAft>
+              <a:buClr>
+                <a:schemeClr val="accent1"/>
+              </a:buClr>
+              <a:buFont typeface="Wingdings 3" charset="2"/>
+              <a:buNone/>
+              <a:defRPr sz="1200" kern="1200">
+                <a:solidFill>
+                  <a:schemeClr val="tx1">
+                    <a:tint val="75000"/>
+                  </a:schemeClr>
+                </a:solidFill>
+                <a:latin typeface="+mn-lt"/>
+                <a:ea typeface="+mn-ea"/>
+                <a:cs typeface="+mn-cs"/>
+              </a:defRPr>
+            </a:lvl9pPr>
+          </a:lstStyle>
+          <a:p>
+            <a:pPr>
+              <a:lnSpc>
+                <a:spcPct val="90000"/>
+              </a:lnSpc>
+            </a:pPr>
+            <a:r>
+              <a:rPr lang="en-US" sz="1500" dirty="0">
+                <a:solidFill>
+                  <a:schemeClr val="tx1"/>
+                </a:solidFill>
+              </a:rPr>
+              <a:t>12 </a:t>
+            </a:r>
+            <a:r>
+              <a:rPr lang="en-US" sz="1500" dirty="0" err="1">
+                <a:solidFill>
+                  <a:schemeClr val="tx1"/>
+                </a:solidFill>
+              </a:rPr>
+              <a:t>Sln</a:t>
+            </a:r>
+            <a:r>
+              <a:rPr lang="en-US" sz="1500" dirty="0">
+                <a:solidFill>
+                  <a:schemeClr val="tx1"/>
+                </a:solidFill>
+              </a:rPr>
+              <a:t>:</a:t>
+            </a:r>
+          </a:p>
+          <a:p>
+            <a:pPr>
+              <a:lnSpc>
+                <a:spcPct val="90000"/>
+              </a:lnSpc>
+            </a:pPr>
+            <a:r>
+              <a:rPr lang="en-US" sz="1500" dirty="0">
+                <a:solidFill>
+                  <a:schemeClr val="tx1"/>
+                </a:solidFill>
+              </a:rPr>
+              <a:t>print("    *    ")</a:t>
+            </a:r>
+          </a:p>
+          <a:p>
+            <a:pPr>
+              <a:lnSpc>
+                <a:spcPct val="90000"/>
+              </a:lnSpc>
+            </a:pPr>
+            <a:r>
+              <a:rPr lang="en-US" sz="1500" dirty="0">
+                <a:solidFill>
+                  <a:schemeClr val="tx1"/>
+                </a:solidFill>
+              </a:rPr>
+              <a:t>print("   * *   ")</a:t>
+            </a:r>
+          </a:p>
+          <a:p>
+            <a:pPr>
+              <a:lnSpc>
+                <a:spcPct val="90000"/>
+              </a:lnSpc>
+            </a:pPr>
+            <a:r>
+              <a:rPr lang="en-US" sz="1500" dirty="0">
+                <a:solidFill>
+                  <a:schemeClr val="tx1"/>
+                </a:solidFill>
+              </a:rPr>
+              <a:t>print("  *   *  ")</a:t>
+            </a:r>
+          </a:p>
+          <a:p>
+            <a:pPr>
+              <a:lnSpc>
+                <a:spcPct val="90000"/>
+              </a:lnSpc>
+            </a:pPr>
+            <a:r>
+              <a:rPr lang="en-US" sz="1500" dirty="0">
+                <a:solidFill>
+                  <a:schemeClr val="tx1"/>
+                </a:solidFill>
+              </a:rPr>
+              <a:t>print(" *     * ")</a:t>
+            </a:r>
+          </a:p>
+          <a:p>
+            <a:pPr>
+              <a:lnSpc>
+                <a:spcPct val="90000"/>
+              </a:lnSpc>
+            </a:pPr>
+            <a:r>
+              <a:rPr lang="en-US" sz="1500" dirty="0">
+                <a:solidFill>
+                  <a:schemeClr val="tx1"/>
+                </a:solidFill>
+              </a:rPr>
+              <a:t>print("*       *")</a:t>
+            </a:r>
+          </a:p>
+          <a:p>
+            <a:pPr>
+              <a:lnSpc>
+                <a:spcPct val="90000"/>
+              </a:lnSpc>
+            </a:pPr>
+            <a:r>
+              <a:rPr lang="en-US" sz="1500" dirty="0">
+                <a:solidFill>
+                  <a:schemeClr val="tx1"/>
+                </a:solidFill>
+              </a:rPr>
+              <a:t>print(" *     * ")</a:t>
+            </a:r>
+          </a:p>
+          <a:p>
+            <a:pPr>
+              <a:lnSpc>
+                <a:spcPct val="90000"/>
+              </a:lnSpc>
+            </a:pPr>
+            <a:r>
+              <a:rPr lang="en-US" sz="1500" dirty="0">
+                <a:solidFill>
+                  <a:schemeClr val="tx1"/>
+                </a:solidFill>
+              </a:rPr>
+              <a:t>print("  *   *  ")</a:t>
+            </a:r>
+          </a:p>
+          <a:p>
+            <a:pPr>
+              <a:lnSpc>
+                <a:spcPct val="90000"/>
+              </a:lnSpc>
+            </a:pPr>
+            <a:r>
+              <a:rPr lang="en-US" sz="1500" dirty="0">
+                <a:solidFill>
+                  <a:schemeClr val="tx1"/>
+                </a:solidFill>
+              </a:rPr>
+              <a:t>print("   * *   ")</a:t>
+            </a:r>
+          </a:p>
+          <a:p>
+            <a:pPr>
+              <a:lnSpc>
+                <a:spcPct val="90000"/>
+              </a:lnSpc>
+            </a:pPr>
+            <a:r>
+              <a:rPr lang="en-US" sz="1500" dirty="0">
+                <a:solidFill>
+                  <a:schemeClr val="tx1"/>
+                </a:solidFill>
+              </a:rPr>
+              <a:t>print("    *    ")</a:t>
+            </a:r>
+          </a:p>
+          <a:p>
+            <a:pPr>
+              <a:lnSpc>
+                <a:spcPct val="90000"/>
+              </a:lnSpc>
+            </a:pPr>
+            <a:endParaRPr lang="en-US" sz="1500" dirty="0">
+              <a:solidFill>
+                <a:schemeClr val="tx1"/>
+              </a:solidFill>
+            </a:endParaRPr>
+          </a:p>
+        </p:txBody>
+      </p:sp>
+      <p:sp>
+        <p:nvSpPr>
+          <p:cNvPr id="13" name="Subtitle 2">
+            <a:extLst>
+              <a:ext uri="{FF2B5EF4-FFF2-40B4-BE49-F238E27FC236}">
+                <a16:creationId xmlns:a16="http://schemas.microsoft.com/office/drawing/2014/main" id="{08FF4B3A-9BDE-5BEB-EAA3-A439D0EC16DC}"/>
+              </a:ext>
+            </a:extLst>
+          </p:cNvPr>
+          <p:cNvSpPr txBox="1">
+            <a:spLocks/>
+          </p:cNvSpPr>
+          <p:nvPr/>
+        </p:nvSpPr>
+        <p:spPr>
+          <a:xfrm>
+            <a:off x="9093178" y="2377978"/>
+            <a:ext cx="2270757" cy="3568178"/>
+          </a:xfrm>
+          <a:prstGeom prst="rect">
+            <a:avLst/>
+          </a:prstGeom>
+        </p:spPr>
+        <p:txBody>
+          <a:bodyPr vert="horz" lIns="91440" tIns="45720" rIns="91440" bIns="45720" rtlCol="0" anchor="t">
+            <a:normAutofit/>
+          </a:bodyPr>
+          <a:lstStyle>
+            <a:lvl1pPr marL="0" indent="0" algn="l" defTabSz="457200" rtl="0" eaLnBrk="1" latinLnBrk="0" hangingPunct="1">
+              <a:spcBef>
+                <a:spcPts val="1000"/>
+              </a:spcBef>
+              <a:spcAft>
+                <a:spcPts val="0"/>
+              </a:spcAft>
+              <a:buClr>
+                <a:schemeClr val="accent1"/>
+              </a:buClr>
+              <a:buFont typeface="Wingdings 3" charset="2"/>
+              <a:buNone/>
+              <a:defRPr sz="1800" kern="1200">
+                <a:solidFill>
+                  <a:schemeClr val="tx1">
+                    <a:lumMod val="65000"/>
+                    <a:lumOff val="35000"/>
+                  </a:schemeClr>
+                </a:solidFill>
+                <a:latin typeface="+mn-lt"/>
+                <a:ea typeface="+mn-ea"/>
+                <a:cs typeface="+mn-cs"/>
+              </a:defRPr>
+            </a:lvl1pPr>
+            <a:lvl2pPr marL="457200" indent="0" algn="ctr" defTabSz="457200" rtl="0" eaLnBrk="1" latinLnBrk="0" hangingPunct="1">
+              <a:spcBef>
+                <a:spcPts val="1000"/>
+              </a:spcBef>
+              <a:spcAft>
+                <a:spcPts val="0"/>
+              </a:spcAft>
+              <a:buClr>
+                <a:schemeClr val="accent1"/>
+              </a:buClr>
+              <a:buFont typeface="Wingdings 3" charset="2"/>
+              <a:buNone/>
+              <a:defRPr sz="1600" kern="1200">
+                <a:solidFill>
+                  <a:schemeClr val="tx1">
+                    <a:tint val="75000"/>
+                  </a:schemeClr>
+                </a:solidFill>
+                <a:latin typeface="+mn-lt"/>
+                <a:ea typeface="+mn-ea"/>
+                <a:cs typeface="+mn-cs"/>
+              </a:defRPr>
+            </a:lvl2pPr>
+            <a:lvl3pPr marL="914400" indent="0" algn="ctr" defTabSz="457200" rtl="0" eaLnBrk="1" latinLnBrk="0" hangingPunct="1">
+              <a:spcBef>
+                <a:spcPts val="1000"/>
+              </a:spcBef>
+              <a:spcAft>
+                <a:spcPts val="0"/>
+              </a:spcAft>
+              <a:buClr>
+                <a:schemeClr val="accent1"/>
+              </a:buClr>
+              <a:buFont typeface="Wingdings 3" charset="2"/>
+              <a:buNone/>
+              <a:defRPr sz="1400" kern="1200">
+                <a:solidFill>
+                  <a:schemeClr val="tx1">
+                    <a:tint val="75000"/>
+                  </a:schemeClr>
+                </a:solidFill>
+                <a:latin typeface="+mn-lt"/>
+                <a:ea typeface="+mn-ea"/>
+                <a:cs typeface="+mn-cs"/>
+              </a:defRPr>
+            </a:lvl3pPr>
+            <a:lvl4pPr marL="1371600" indent="0" algn="ctr" defTabSz="457200" rtl="0" eaLnBrk="1" latinLnBrk="0" hangingPunct="1">
+              <a:spcBef>
+                <a:spcPts val="1000"/>
+              </a:spcBef>
+              <a:spcAft>
+                <a:spcPts val="0"/>
+              </a:spcAft>
+              <a:buClr>
+                <a:schemeClr val="accent1"/>
+              </a:buClr>
+              <a:buFont typeface="Wingdings 3" charset="2"/>
+              <a:buNone/>
+              <a:defRPr sz="1200" kern="1200">
+                <a:solidFill>
+                  <a:schemeClr val="tx1">
+                    <a:tint val="75000"/>
+                  </a:schemeClr>
+                </a:solidFill>
+                <a:latin typeface="+mn-lt"/>
+                <a:ea typeface="+mn-ea"/>
+                <a:cs typeface="+mn-cs"/>
+              </a:defRPr>
+            </a:lvl4pPr>
+            <a:lvl5pPr marL="1828800" indent="0" algn="ctr" defTabSz="457200" rtl="0" eaLnBrk="1" latinLnBrk="0" hangingPunct="1">
+              <a:spcBef>
+                <a:spcPts val="1000"/>
+              </a:spcBef>
+              <a:spcAft>
+                <a:spcPts val="0"/>
+              </a:spcAft>
+              <a:buClr>
+                <a:schemeClr val="accent1"/>
+              </a:buClr>
+              <a:buFont typeface="Wingdings 3" charset="2"/>
+              <a:buNone/>
+              <a:defRPr sz="1200" kern="1200">
+                <a:solidFill>
+                  <a:schemeClr val="tx1">
+                    <a:tint val="75000"/>
+                  </a:schemeClr>
+                </a:solidFill>
+                <a:latin typeface="+mn-lt"/>
+                <a:ea typeface="+mn-ea"/>
+                <a:cs typeface="+mn-cs"/>
+              </a:defRPr>
+            </a:lvl5pPr>
+            <a:lvl6pPr marL="2286000" indent="0" algn="ctr" defTabSz="457200" rtl="0" eaLnBrk="1" latinLnBrk="0" hangingPunct="1">
+              <a:spcBef>
+                <a:spcPts val="1000"/>
+              </a:spcBef>
+              <a:spcAft>
+                <a:spcPts val="0"/>
+              </a:spcAft>
+              <a:buClr>
+                <a:schemeClr val="accent1"/>
+              </a:buClr>
+              <a:buFont typeface="Wingdings 3" charset="2"/>
+              <a:buNone/>
+              <a:defRPr sz="1200" kern="1200">
+                <a:solidFill>
+                  <a:schemeClr val="tx1">
+                    <a:tint val="75000"/>
+                  </a:schemeClr>
+                </a:solidFill>
+                <a:latin typeface="+mn-lt"/>
+                <a:ea typeface="+mn-ea"/>
+                <a:cs typeface="+mn-cs"/>
+              </a:defRPr>
+            </a:lvl6pPr>
+            <a:lvl7pPr marL="2743200" indent="0" algn="ctr" defTabSz="457200" rtl="0" eaLnBrk="1" latinLnBrk="0" hangingPunct="1">
+              <a:spcBef>
+                <a:spcPts val="1000"/>
+              </a:spcBef>
+              <a:spcAft>
+                <a:spcPts val="0"/>
+              </a:spcAft>
+              <a:buClr>
+                <a:schemeClr val="accent1"/>
+              </a:buClr>
+              <a:buFont typeface="Wingdings 3" charset="2"/>
+              <a:buNone/>
+              <a:defRPr sz="1200" kern="1200">
+                <a:solidFill>
+                  <a:schemeClr val="tx1">
+                    <a:tint val="75000"/>
+                  </a:schemeClr>
+                </a:solidFill>
+                <a:latin typeface="+mn-lt"/>
+                <a:ea typeface="+mn-ea"/>
+                <a:cs typeface="+mn-cs"/>
+              </a:defRPr>
+            </a:lvl7pPr>
+            <a:lvl8pPr marL="3200400" indent="0" algn="ctr" defTabSz="457200" rtl="0" eaLnBrk="1" latinLnBrk="0" hangingPunct="1">
+              <a:spcBef>
+                <a:spcPts val="1000"/>
+              </a:spcBef>
+              <a:spcAft>
+                <a:spcPts val="0"/>
+              </a:spcAft>
+              <a:buClr>
+                <a:schemeClr val="accent1"/>
+              </a:buClr>
+              <a:buFont typeface="Wingdings 3" charset="2"/>
+              <a:buNone/>
+              <a:defRPr sz="1200" kern="1200">
+                <a:solidFill>
+                  <a:schemeClr val="tx1">
+                    <a:tint val="75000"/>
+                  </a:schemeClr>
+                </a:solidFill>
+                <a:latin typeface="+mn-lt"/>
+                <a:ea typeface="+mn-ea"/>
+                <a:cs typeface="+mn-cs"/>
+              </a:defRPr>
+            </a:lvl8pPr>
+            <a:lvl9pPr marL="3657600" indent="0" algn="ctr" defTabSz="457200" rtl="0" eaLnBrk="1" latinLnBrk="0" hangingPunct="1">
+              <a:spcBef>
+                <a:spcPts val="1000"/>
+              </a:spcBef>
+              <a:spcAft>
+                <a:spcPts val="0"/>
+              </a:spcAft>
+              <a:buClr>
+                <a:schemeClr val="accent1"/>
+              </a:buClr>
+              <a:buFont typeface="Wingdings 3" charset="2"/>
+              <a:buNone/>
+              <a:defRPr sz="1200" kern="1200">
+                <a:solidFill>
+                  <a:schemeClr val="tx1">
+                    <a:tint val="75000"/>
+                  </a:schemeClr>
+                </a:solidFill>
+                <a:latin typeface="+mn-lt"/>
+                <a:ea typeface="+mn-ea"/>
+                <a:cs typeface="+mn-cs"/>
+              </a:defRPr>
+            </a:lvl9pPr>
+          </a:lstStyle>
+          <a:p>
+            <a:pPr>
+              <a:lnSpc>
+                <a:spcPct val="90000"/>
+              </a:lnSpc>
+            </a:pPr>
+            <a:r>
+              <a:rPr lang="en-US" sz="1500" dirty="0">
+                <a:solidFill>
+                  <a:schemeClr val="tx1"/>
+                </a:solidFill>
+              </a:rPr>
+              <a:t>13. </a:t>
+            </a:r>
+            <a:r>
+              <a:rPr lang="en-US" sz="1500" dirty="0" err="1">
+                <a:solidFill>
+                  <a:schemeClr val="tx1"/>
+                </a:solidFill>
+              </a:rPr>
+              <a:t>Sln</a:t>
+            </a:r>
+            <a:r>
+              <a:rPr lang="en-US" sz="1500" dirty="0">
+                <a:solidFill>
+                  <a:schemeClr val="tx1"/>
+                </a:solidFill>
+              </a:rPr>
+              <a:t>:</a:t>
+            </a:r>
+          </a:p>
+          <a:p>
+            <a:pPr>
+              <a:lnSpc>
+                <a:spcPct val="90000"/>
+              </a:lnSpc>
+            </a:pPr>
+            <a:r>
+              <a:rPr lang="en-US" sz="1500" dirty="0">
+                <a:solidFill>
+                  <a:schemeClr val="tx1"/>
+                </a:solidFill>
+              </a:rPr>
+              <a:t>print("*     *     *     *")</a:t>
+            </a:r>
+          </a:p>
+          <a:p>
+            <a:pPr>
+              <a:lnSpc>
+                <a:spcPct val="90000"/>
+              </a:lnSpc>
+            </a:pPr>
+            <a:r>
+              <a:rPr lang="en-US" sz="1500" dirty="0">
+                <a:solidFill>
+                  <a:schemeClr val="tx1"/>
+                </a:solidFill>
+              </a:rPr>
+              <a:t>print(" *   * *   * *   * ")</a:t>
+            </a:r>
+          </a:p>
+          <a:p>
+            <a:pPr>
+              <a:lnSpc>
+                <a:spcPct val="90000"/>
+              </a:lnSpc>
+            </a:pPr>
+            <a:r>
+              <a:rPr lang="en-US" sz="1500" dirty="0">
+                <a:solidFill>
+                  <a:schemeClr val="tx1"/>
+                </a:solidFill>
+              </a:rPr>
+              <a:t>print("  * *   * *   * *  ")</a:t>
+            </a:r>
+          </a:p>
+          <a:p>
+            <a:pPr>
+              <a:lnSpc>
+                <a:spcPct val="90000"/>
+              </a:lnSpc>
+            </a:pPr>
+            <a:r>
+              <a:rPr lang="en-US" sz="1500" dirty="0">
+                <a:solidFill>
+                  <a:schemeClr val="tx1"/>
+                </a:solidFill>
+              </a:rPr>
+              <a:t>print("   *     *     *   ")</a:t>
+            </a:r>
+          </a:p>
+          <a:p>
+            <a:pPr>
+              <a:lnSpc>
+                <a:spcPct val="90000"/>
+              </a:lnSpc>
+            </a:pPr>
+            <a:endParaRPr lang="en-US" sz="1500" dirty="0">
+              <a:solidFill>
+                <a:schemeClr val="tx1"/>
+              </a:solidFill>
+            </a:endParaRPr>
+          </a:p>
+        </p:txBody>
+      </p:sp>
     </p:spTree>
     <p:extLst>
       <p:ext uri="{BB962C8B-B14F-4D97-AF65-F5344CB8AC3E}">
-        <p14:creationId xmlns:p14="http://schemas.microsoft.com/office/powerpoint/2010/main" val="2865369277"/>
+        <p14:creationId xmlns:p14="http://schemas.microsoft.com/office/powerpoint/2010/main" val="1974531962"/>
       </p:ext>
     </p:extLst>
   </p:cSld>
@@ -16527,7 +16718,7 @@
           <p:cNvPr id="2" name="Title 1">
             <a:extLst>
               <a:ext uri="{FF2B5EF4-FFF2-40B4-BE49-F238E27FC236}">
-                <a16:creationId xmlns:a16="http://schemas.microsoft.com/office/drawing/2014/main" id="{A4491372-A469-A67B-7019-CFDF8AEDE0B2}"/>
+                <a16:creationId xmlns:a16="http://schemas.microsoft.com/office/drawing/2014/main" id="{2C61FB2E-914D-F29F-2D15-E4281DA6E655}"/>
               </a:ext>
             </a:extLst>
           </p:cNvPr>
@@ -16540,30 +16731,74 @@
         </p:nvSpPr>
         <p:spPr>
           <a:xfrm>
-            <a:off x="2265656" y="2418246"/>
-            <a:ext cx="8482061" cy="1675454"/>
+            <a:off x="2589213" y="0"/>
+            <a:ext cx="8915399" cy="2262781"/>
           </a:xfrm>
         </p:spPr>
         <p:txBody>
-          <a:bodyPr>
-            <a:normAutofit/>
-          </a:bodyPr>
+          <a:bodyPr/>
           <a:lstStyle/>
           <a:p>
-            <a:pPr algn="ctr"/>
-            <a:r>
-              <a:rPr lang="en-US" sz="6000" b="1" dirty="0"/>
-              <a:t>Any Question?</a:t>
-            </a:r>
-          </a:p>
-        </p:txBody>
-      </p:sp>
-      <p:sp>
-        <p:nvSpPr>
-          <p:cNvPr id="6" name="Slide Number Placeholder 5">
+            <a:r>
+              <a:rPr lang="en-US" dirty="0"/>
+              <a:t>Debugging Tips</a:t>
+            </a:r>
+          </a:p>
+        </p:txBody>
+      </p:sp>
+      <p:sp>
+        <p:nvSpPr>
+          <p:cNvPr id="3" name="Subtitle 2">
             <a:extLst>
               <a:ext uri="{FF2B5EF4-FFF2-40B4-BE49-F238E27FC236}">
-                <a16:creationId xmlns:a16="http://schemas.microsoft.com/office/drawing/2014/main" id="{434C88C4-2BBD-DFDE-C408-010FACA636DC}"/>
+                <a16:creationId xmlns:a16="http://schemas.microsoft.com/office/drawing/2014/main" id="{6B2DD77A-9611-7392-DC2D-8CFD508E93C5}"/>
+              </a:ext>
+            </a:extLst>
+          </p:cNvPr>
+          <p:cNvSpPr>
+            <a:spLocks noGrp="1"/>
+          </p:cNvSpPr>
+          <p:nvPr>
+            <p:ph type="subTitle" idx="1"/>
+          </p:nvPr>
+        </p:nvSpPr>
+        <p:spPr>
+          <a:xfrm>
+            <a:off x="2589213" y="3010487"/>
+            <a:ext cx="8915399" cy="2893176"/>
+          </a:xfrm>
+        </p:spPr>
+        <p:txBody>
+          <a:bodyPr/>
+          <a:lstStyle/>
+          <a:p>
+            <a:r>
+              <a:rPr lang="en-US" dirty="0">
+                <a:solidFill>
+                  <a:schemeClr val="tx1"/>
+                </a:solidFill>
+              </a:rPr>
+              <a:t>Use print statements to debug.</a:t>
+            </a:r>
+          </a:p>
+          <a:p>
+            <a:r>
+              <a:rPr lang="en-US" dirty="0">
+                <a:solidFill>
+                  <a:schemeClr val="tx1"/>
+                </a:solidFill>
+              </a:rPr>
+              <a:t>Check variable values and types.</a:t>
+            </a:r>
+          </a:p>
+        </p:txBody>
+      </p:sp>
+      <p:sp>
+        <p:nvSpPr>
+          <p:cNvPr id="4" name="Slide Number Placeholder 3">
+            <a:extLst>
+              <a:ext uri="{FF2B5EF4-FFF2-40B4-BE49-F238E27FC236}">
+                <a16:creationId xmlns:a16="http://schemas.microsoft.com/office/drawing/2014/main" id="{FD76A327-0EE0-8D41-2D5A-92AC094E47B2}"/>
               </a:ext>
             </a:extLst>
           </p:cNvPr>
@@ -16587,10 +16822,75 @@
           </a:p>
         </p:txBody>
       </p:sp>
+      <p:sp>
+        <p:nvSpPr>
+          <p:cNvPr id="5" name="Rectangle 4">
+            <a:extLst>
+              <a:ext uri="{FF2B5EF4-FFF2-40B4-BE49-F238E27FC236}">
+                <a16:creationId xmlns:a16="http://schemas.microsoft.com/office/drawing/2014/main" id="{A82C8DC1-4C80-B489-CC61-1EA0561812F1}"/>
+              </a:ext>
+            </a:extLst>
+          </p:cNvPr>
+          <p:cNvSpPr/>
+          <p:nvPr/>
+        </p:nvSpPr>
+        <p:spPr>
+          <a:xfrm>
+            <a:off x="1592009" y="6314575"/>
+            <a:ext cx="1994407" cy="306093"/>
+          </a:xfrm>
+          <a:prstGeom prst="rect">
+            <a:avLst/>
+          </a:prstGeom>
+          <a:solidFill>
+            <a:schemeClr val="bg2"/>
+          </a:solidFill>
+          <a:ln>
+            <a:solidFill>
+              <a:schemeClr val="bg1">
+                <a:lumMod val="95000"/>
+              </a:schemeClr>
+            </a:solidFill>
+          </a:ln>
+        </p:spPr>
+        <p:style>
+          <a:lnRef idx="2">
+            <a:schemeClr val="accent1">
+              <a:shade val="15000"/>
+            </a:schemeClr>
+          </a:lnRef>
+          <a:fillRef idx="1">
+            <a:schemeClr val="accent1"/>
+          </a:fillRef>
+          <a:effectRef idx="0">
+            <a:schemeClr val="accent1"/>
+          </a:effectRef>
+          <a:fontRef idx="minor">
+            <a:schemeClr val="lt1"/>
+          </a:fontRef>
+        </p:style>
+        <p:txBody>
+          <a:bodyPr rtlCol="0" anchor="ctr"/>
+          <a:lstStyle/>
+          <a:p>
+            <a:pPr algn="ctr"/>
+            <a:r>
+              <a:rPr lang="en-US" sz="1200" dirty="0">
+                <a:solidFill>
+                  <a:schemeClr val="bg1">
+                    <a:lumMod val="65000"/>
+                  </a:schemeClr>
+                </a:solidFill>
+              </a:rPr>
+              <a:t>Hafsa Sultana, CSE, KU</a:t>
+            </a:r>
+          </a:p>
+        </p:txBody>
+      </p:sp>
     </p:spTree>
     <p:extLst>
       <p:ext uri="{BB962C8B-B14F-4D97-AF65-F5344CB8AC3E}">
-        <p14:creationId xmlns:p14="http://schemas.microsoft.com/office/powerpoint/2010/main" val="2038187295"/>
+        <p14:creationId xmlns:p14="http://schemas.microsoft.com/office/powerpoint/2010/main" val="2865369277"/>
       </p:ext>
     </p:extLst>
   </p:cSld>
@@ -16622,6 +16922,101 @@
           <p:cNvPr id="2" name="Title 1">
             <a:extLst>
               <a:ext uri="{FF2B5EF4-FFF2-40B4-BE49-F238E27FC236}">
+                <a16:creationId xmlns:a16="http://schemas.microsoft.com/office/drawing/2014/main" id="{A4491372-A469-A67B-7019-CFDF8AEDE0B2}"/>
+              </a:ext>
+            </a:extLst>
+          </p:cNvPr>
+          <p:cNvSpPr>
+            <a:spLocks noGrp="1"/>
+          </p:cNvSpPr>
+          <p:nvPr>
+            <p:ph type="ctrTitle"/>
+          </p:nvPr>
+        </p:nvSpPr>
+        <p:spPr>
+          <a:xfrm>
+            <a:off x="2265656" y="2418246"/>
+            <a:ext cx="8482061" cy="1675454"/>
+          </a:xfrm>
+        </p:spPr>
+        <p:txBody>
+          <a:bodyPr>
+            <a:normAutofit/>
+          </a:bodyPr>
+          <a:lstStyle/>
+          <a:p>
+            <a:pPr algn="ctr"/>
+            <a:r>
+              <a:rPr lang="en-US" sz="6000" b="1" dirty="0"/>
+              <a:t>Any Question?</a:t>
+            </a:r>
+          </a:p>
+        </p:txBody>
+      </p:sp>
+      <p:sp>
+        <p:nvSpPr>
+          <p:cNvPr id="6" name="Slide Number Placeholder 5">
+            <a:extLst>
+              <a:ext uri="{FF2B5EF4-FFF2-40B4-BE49-F238E27FC236}">
+                <a16:creationId xmlns:a16="http://schemas.microsoft.com/office/drawing/2014/main" id="{434C88C4-2BBD-DFDE-C408-010FACA636DC}"/>
+              </a:ext>
+            </a:extLst>
+          </p:cNvPr>
+          <p:cNvSpPr>
+            <a:spLocks noGrp="1"/>
+          </p:cNvSpPr>
+          <p:nvPr>
+            <p:ph type="sldNum" sz="quarter" idx="12"/>
+          </p:nvPr>
+        </p:nvSpPr>
+        <p:spPr/>
+        <p:txBody>
+          <a:bodyPr/>
+          <a:lstStyle/>
+          <a:p>
+            <a:fld id="{1BA2F5C7-AA4C-441B-82CF-BB169A0AFBE6}" type="slidenum">
+              <a:rPr lang="en-US" smtClean="0"/>
+              <a:t>25</a:t>
+            </a:fld>
+            <a:endParaRPr lang="en-US"/>
+          </a:p>
+        </p:txBody>
+      </p:sp>
+    </p:spTree>
+    <p:extLst>
+      <p:ext uri="{BB962C8B-B14F-4D97-AF65-F5344CB8AC3E}">
+        <p14:creationId xmlns:p14="http://schemas.microsoft.com/office/powerpoint/2010/main" val="2038187295"/>
+      </p:ext>
+    </p:extLst>
+  </p:cSld>
+  <p:clrMapOvr>
+    <a:masterClrMapping/>
+  </p:clrMapOvr>
+</p:sld>
+</file>
+
+<file path=ppt/slides/slide26.xml><?xml version="1.0" encoding="utf-8"?>
+<p:sld xmlns:a="http://schemas.openxmlformats.org/drawingml/2006/main" xmlns:r="http://schemas.openxmlformats.org/officeDocument/2006/relationships" xmlns:p="http://schemas.openxmlformats.org/presentationml/2006/main">
+  <p:cSld>
+    <p:spTree>
+      <p:nvGrpSpPr>
+        <p:cNvPr id="1" name=""/>
+        <p:cNvGrpSpPr/>
+        <p:nvPr/>
+      </p:nvGrpSpPr>
+      <p:grpSpPr>
+        <a:xfrm>
+          <a:off x="0" y="0"/>
+          <a:ext cx="0" cy="0"/>
+          <a:chOff x="0" y="0"/>
+          <a:chExt cx="0" cy="0"/>
+        </a:xfrm>
+      </p:grpSpPr>
+      <p:sp>
+        <p:nvSpPr>
+          <p:cNvPr id="2" name="Title 1">
+            <a:extLst>
+              <a:ext uri="{FF2B5EF4-FFF2-40B4-BE49-F238E27FC236}">
                 <a16:creationId xmlns:a16="http://schemas.microsoft.com/office/drawing/2014/main" id="{360A7F2F-0EBA-244C-5D09-B81AF6A9F9B5}"/>
               </a:ext>
             </a:extLst>
@@ -16754,7 +17149,7 @@
             <a:fld id="{4FAB73BC-B049-4115-A692-8D63A059BFB8}" type="slidenum">
               <a:rPr lang="en-US" smtClean="0"/>
               <a:pPr/>
-              <a:t>25</a:t>
+              <a:t>26</a:t>
             </a:fld>
             <a:endParaRPr lang="en-US" dirty="0"/>
           </a:p>

--- a/Lecture/Lecture4_Operator_String .pptx
+++ b/Lecture/Lecture4_Operator_String .pptx
@@ -5,7 +5,7 @@
     <p:sldMasterId id="2147483843" r:id="rId1"/>
   </p:sldMasterIdLst>
   <p:notesMasterIdLst>
-    <p:notesMasterId r:id="rId28"/>
+    <p:notesMasterId r:id="rId27"/>
   </p:notesMasterIdLst>
   <p:sldIdLst>
     <p:sldId id="256" r:id="rId2"/>
@@ -28,12 +28,11 @@
     <p:sldId id="275" r:id="rId19"/>
     <p:sldId id="287" r:id="rId20"/>
     <p:sldId id="300" r:id="rId21"/>
-    <p:sldId id="311" r:id="rId22"/>
-    <p:sldId id="301" r:id="rId23"/>
-    <p:sldId id="289" r:id="rId24"/>
-    <p:sldId id="276" r:id="rId25"/>
-    <p:sldId id="278" r:id="rId26"/>
-    <p:sldId id="281" r:id="rId27"/>
+    <p:sldId id="301" r:id="rId22"/>
+    <p:sldId id="289" r:id="rId23"/>
+    <p:sldId id="276" r:id="rId24"/>
+    <p:sldId id="278" r:id="rId25"/>
+    <p:sldId id="281" r:id="rId26"/>
   </p:sldIdLst>
   <p:sldSz cx="12192000" cy="6858000"/>
   <p:notesSz cx="6858000" cy="9144000"/>
@@ -222,7 +221,7 @@
           <a:p>
             <a:fld id="{6F8F50F7-979F-417A-9318-F7435AFE106D}" type="datetimeFigureOut">
               <a:rPr lang="en-US" smtClean="0"/>
-              <a:t>29-May-24</a:t>
+              <a:t>02-Jun-24</a:t>
             </a:fld>
             <a:endParaRPr lang="en-US"/>
           </a:p>
@@ -761,7 +760,7 @@
           <a:p>
             <a:fld id="{47141F06-E794-4EFC-981D-77C364B52985}" type="datetime1">
               <a:rPr lang="en-US" smtClean="0"/>
-              <a:t>29-May-24</a:t>
+              <a:t>02-Jun-24</a:t>
             </a:fld>
             <a:endParaRPr lang="en-US"/>
           </a:p>
@@ -1099,7 +1098,7 @@
           <a:p>
             <a:fld id="{B33B1352-D31E-478B-BBB3-EC404CB27062}" type="datetime1">
               <a:rPr lang="en-US" smtClean="0"/>
-              <a:t>29-May-24</a:t>
+              <a:t>02-Jun-24</a:t>
             </a:fld>
             <a:endParaRPr lang="en-US" dirty="0"/>
           </a:p>
@@ -1501,7 +1500,7 @@
           <a:p>
             <a:fld id="{ED5895FA-2F59-4FD8-AF9F-C07D99803CC4}" type="datetime1">
               <a:rPr lang="en-US" smtClean="0"/>
-              <a:t>29-May-24</a:t>
+              <a:t>02-Jun-24</a:t>
             </a:fld>
             <a:endParaRPr lang="en-US" dirty="0"/>
           </a:p>
@@ -1838,7 +1837,7 @@
           <a:p>
             <a:fld id="{78FE75F4-FB67-4627-9C8C-07FE36C94A78}" type="datetime1">
               <a:rPr lang="en-US" smtClean="0"/>
-              <a:t>29-May-24</a:t>
+              <a:t>02-Jun-24</a:t>
             </a:fld>
             <a:endParaRPr lang="en-US" dirty="0"/>
           </a:p>
@@ -2159,7 +2158,7 @@
           <a:p>
             <a:fld id="{D66D566D-C8DC-41F0-B4D1-87E599ACA3EA}" type="datetime1">
               <a:rPr lang="en-US" smtClean="0"/>
-              <a:t>29-May-24</a:t>
+              <a:t>02-Jun-24</a:t>
             </a:fld>
             <a:endParaRPr lang="en-US" dirty="0"/>
           </a:p>
@@ -2556,7 +2555,7 @@
           <a:p>
             <a:fld id="{6853EEDA-58A2-49D8-80CE-676D5887B457}" type="datetime1">
               <a:rPr lang="en-US" smtClean="0"/>
-              <a:t>29-May-24</a:t>
+              <a:t>02-Jun-24</a:t>
             </a:fld>
             <a:endParaRPr lang="en-US" dirty="0"/>
           </a:p>
@@ -2814,7 +2813,7 @@
           <a:p>
             <a:fld id="{1140E4F1-A413-4120-B1BE-CFCD0522E21F}" type="datetime1">
               <a:rPr lang="en-US" smtClean="0"/>
-              <a:t>29-May-24</a:t>
+              <a:t>02-Jun-24</a:t>
             </a:fld>
             <a:endParaRPr lang="en-US" dirty="0"/>
           </a:p>
@@ -3077,7 +3076,7 @@
           <a:p>
             <a:fld id="{FC5D1D4D-915C-40C4-B564-6BB76950728A}" type="datetime1">
               <a:rPr lang="en-US" smtClean="0"/>
-              <a:t>29-May-24</a:t>
+              <a:t>02-Jun-24</a:t>
             </a:fld>
             <a:endParaRPr lang="en-US" dirty="0"/>
           </a:p>
@@ -3340,7 +3339,7 @@
           <a:p>
             <a:fld id="{54C06224-B53B-4FE2-BA7A-AB5C0CD11AE8}" type="datetime1">
               <a:rPr lang="en-US" smtClean="0"/>
-              <a:t>29-May-24</a:t>
+              <a:t>02-Jun-24</a:t>
             </a:fld>
             <a:endParaRPr lang="en-US" dirty="0"/>
           </a:p>
@@ -3670,7 +3669,7 @@
           <a:p>
             <a:fld id="{BC176B63-8C3E-45E9-839C-4A497BD5833F}" type="datetime1">
               <a:rPr lang="en-US" smtClean="0"/>
-              <a:t>29-May-24</a:t>
+              <a:t>02-Jun-24</a:t>
             </a:fld>
             <a:endParaRPr lang="en-US" dirty="0"/>
           </a:p>
@@ -3993,7 +3992,7 @@
           <a:p>
             <a:fld id="{82A578A0-1F92-4525-A89A-BE254CA332B1}" type="datetime1">
               <a:rPr lang="en-US" smtClean="0"/>
-              <a:t>29-May-24</a:t>
+              <a:t>02-Jun-24</a:t>
             </a:fld>
             <a:endParaRPr lang="en-US" dirty="0"/>
           </a:p>
@@ -4451,7 +4450,7 @@
           <a:p>
             <a:fld id="{CB4C81B7-5274-45A6-92AD-02F8843029E3}" type="datetime1">
               <a:rPr lang="en-US" smtClean="0"/>
-              <a:t>29-May-24</a:t>
+              <a:t>02-Jun-24</a:t>
             </a:fld>
             <a:endParaRPr lang="en-US" dirty="0"/>
           </a:p>
@@ -4657,7 +4656,7 @@
           <a:p>
             <a:fld id="{A424BBCC-91F7-4ACB-A2E9-66DFDD6A36A5}" type="datetime1">
               <a:rPr lang="en-US" smtClean="0"/>
-              <a:t>29-May-24</a:t>
+              <a:t>02-Jun-24</a:t>
             </a:fld>
             <a:endParaRPr lang="en-US" dirty="0"/>
           </a:p>
@@ -4834,7 +4833,7 @@
           <a:p>
             <a:fld id="{BF9FE816-900F-4075-995B-132733144297}" type="datetime1">
               <a:rPr lang="en-US" smtClean="0"/>
-              <a:t>29-May-24</a:t>
+              <a:t>02-Jun-24</a:t>
             </a:fld>
             <a:endParaRPr lang="en-US" dirty="0"/>
           </a:p>
@@ -5167,7 +5166,7 @@
           <a:p>
             <a:fld id="{757EC048-7AC1-4542-9E95-384F191C2DC9}" type="datetime1">
               <a:rPr lang="en-US" smtClean="0"/>
-              <a:t>29-May-24</a:t>
+              <a:t>02-Jun-24</a:t>
             </a:fld>
             <a:endParaRPr lang="en-US" dirty="0"/>
           </a:p>
@@ -5513,7 +5512,7 @@
           <a:p>
             <a:fld id="{FD2470BC-96A7-4EB4-B1D8-3C308F46B902}" type="datetime1">
               <a:rPr lang="en-US" smtClean="0"/>
-              <a:t>29-May-24</a:t>
+              <a:t>02-Jun-24</a:t>
             </a:fld>
             <a:endParaRPr lang="en-US" dirty="0"/>
           </a:p>
@@ -7630,7 +7629,7 @@
           <a:p>
             <a:fld id="{8027C177-9F26-4481-A976-C3DABC3516E1}" type="datetime1">
               <a:rPr lang="en-US" smtClean="0"/>
-              <a:t>29-May-24</a:t>
+              <a:t>02-Jun-24</a:t>
             </a:fld>
             <a:endParaRPr lang="en-US" dirty="0"/>
           </a:p>
@@ -13475,6 +13474,18 @@
                 <a:spcPct val="90000"/>
               </a:lnSpc>
             </a:pPr>
+            <a:endParaRPr lang="en-US" dirty="0">
+              <a:solidFill>
+                <a:schemeClr val="tx1"/>
+              </a:solidFill>
+            </a:endParaRPr>
+          </a:p>
+          <a:p>
+            <a:pPr>
+              <a:lnSpc>
+                <a:spcPct val="90000"/>
+              </a:lnSpc>
+            </a:pPr>
             <a:r>
               <a:rPr lang="en-US" dirty="0" err="1">
                 <a:solidFill>
@@ -13784,21 +13795,8 @@
                   <a:schemeClr val="tx1"/>
                 </a:solidFill>
               </a:rPr>
-              <a:t> </a:t>
-            </a:r>
-            <a:r>
-              <a:rPr lang="en-US" sz="2000" b="1" dirty="0" err="1">
-                <a:solidFill>
-                  <a:schemeClr val="tx1"/>
-                </a:solidFill>
-              </a:rPr>
-              <a:t>non_start</a:t>
-            </a:r>
-            <a:endParaRPr lang="en-US" sz="2000" b="1" dirty="0">
-              <a:solidFill>
-                <a:schemeClr val="tx1"/>
-              </a:solidFill>
-            </a:endParaRPr>
+              <a:t>Make the sequence : abba</a:t>
+            </a:r>
           </a:p>
           <a:p>
             <a:pPr>
@@ -13807,12 +13805,28 @@
               </a:lnSpc>
             </a:pPr>
             <a:r>
-              <a:rPr lang="en-US" sz="2000" dirty="0">
-                <a:solidFill>
-                  <a:schemeClr val="tx1"/>
-                </a:solidFill>
-              </a:rPr>
-              <a:t>Given 2 strings, return their concatenation, except omit the first char of each. The strings will be at least length 1.</a:t>
+              <a:rPr lang="en-US" dirty="0">
+                <a:solidFill>
+                  <a:schemeClr val="tx1"/>
+                </a:solidFill>
+              </a:rPr>
+              <a:t>Given two strings, a and b, return the result of putting them together in the order abba, e.g. "Hi" and "Bye" returns "</a:t>
+            </a:r>
+            <a:r>
+              <a:rPr lang="en-US" dirty="0" err="1">
+                <a:solidFill>
+                  <a:schemeClr val="tx1"/>
+                </a:solidFill>
+              </a:rPr>
+              <a:t>HiByeByeHi</a:t>
+            </a:r>
+            <a:r>
+              <a:rPr lang="en-US" dirty="0">
+                <a:solidFill>
+                  <a:schemeClr val="tx1"/>
+                </a:solidFill>
+              </a:rPr>
+              <a:t>".</a:t>
             </a:r>
           </a:p>
           <a:p>
@@ -13821,7 +13835,7 @@
                 <a:spcPct val="90000"/>
               </a:lnSpc>
             </a:pPr>
-            <a:endParaRPr lang="en-US" sz="2000" dirty="0">
+            <a:endParaRPr lang="en-US" dirty="0">
               <a:solidFill>
                 <a:schemeClr val="tx1"/>
               </a:solidFill>
@@ -13833,11 +13847,38 @@
                 <a:spcPct val="90000"/>
               </a:lnSpc>
             </a:pPr>
-            <a:endParaRPr lang="en-US" sz="2000" dirty="0">
-              <a:solidFill>
-                <a:schemeClr val="tx1"/>
-              </a:solidFill>
-            </a:endParaRPr>
+            <a:r>
+              <a:rPr lang="en-US" dirty="0" err="1">
+                <a:solidFill>
+                  <a:schemeClr val="tx1"/>
+                </a:solidFill>
+              </a:rPr>
+              <a:t>make_abba</a:t>
+            </a:r>
+            <a:r>
+              <a:rPr lang="en-US" dirty="0">
+                <a:solidFill>
+                  <a:schemeClr val="tx1"/>
+                </a:solidFill>
+              </a:rPr>
+              <a:t>('Hi', 'Bye') → '</a:t>
+            </a:r>
+            <a:r>
+              <a:rPr lang="en-US" dirty="0" err="1">
+                <a:solidFill>
+                  <a:schemeClr val="tx1"/>
+                </a:solidFill>
+              </a:rPr>
+              <a:t>HiByeByeHi</a:t>
+            </a:r>
+            <a:r>
+              <a:rPr lang="en-US" dirty="0">
+                <a:solidFill>
+                  <a:schemeClr val="tx1"/>
+                </a:solidFill>
+              </a:rPr>
+              <a:t>'</a:t>
+            </a:r>
           </a:p>
           <a:p>
             <a:pPr>
@@ -13846,31 +13887,47 @@
               </a:lnSpc>
             </a:pPr>
             <a:r>
-              <a:rPr lang="en-US" sz="2000" dirty="0" err="1">
-                <a:solidFill>
-                  <a:schemeClr val="tx1"/>
-                </a:solidFill>
-              </a:rPr>
-              <a:t>non_start</a:t>
-            </a:r>
-            <a:r>
-              <a:rPr lang="en-US" sz="2000" dirty="0">
-                <a:solidFill>
-                  <a:schemeClr val="tx1"/>
-                </a:solidFill>
-              </a:rPr>
-              <a:t>('Hello', 'There') → '</a:t>
-            </a:r>
-            <a:r>
-              <a:rPr lang="en-US" sz="2000" dirty="0" err="1">
-                <a:solidFill>
-                  <a:schemeClr val="tx1"/>
-                </a:solidFill>
-              </a:rPr>
-              <a:t>ellohere</a:t>
-            </a:r>
-            <a:r>
-              <a:rPr lang="en-US" sz="2000" dirty="0">
+              <a:rPr lang="en-US" dirty="0" err="1">
+                <a:solidFill>
+                  <a:schemeClr val="tx1"/>
+                </a:solidFill>
+              </a:rPr>
+              <a:t>make_abba</a:t>
+            </a:r>
+            <a:r>
+              <a:rPr lang="en-US" dirty="0">
+                <a:solidFill>
+                  <a:schemeClr val="tx1"/>
+                </a:solidFill>
+              </a:rPr>
+              <a:t>('</a:t>
+            </a:r>
+            <a:r>
+              <a:rPr lang="en-US" dirty="0" err="1">
+                <a:solidFill>
+                  <a:schemeClr val="tx1"/>
+                </a:solidFill>
+              </a:rPr>
+              <a:t>Yo</a:t>
+            </a:r>
+            <a:r>
+              <a:rPr lang="en-US" dirty="0">
+                <a:solidFill>
+                  <a:schemeClr val="tx1"/>
+                </a:solidFill>
+              </a:rPr>
+              <a:t>', 'Alice') → '</a:t>
+            </a:r>
+            <a:r>
+              <a:rPr lang="en-US" dirty="0" err="1">
+                <a:solidFill>
+                  <a:schemeClr val="tx1"/>
+                </a:solidFill>
+              </a:rPr>
+              <a:t>YoAliceAliceYo</a:t>
+            </a:r>
+            <a:r>
+              <a:rPr lang="en-US" dirty="0">
                 <a:solidFill>
                   <a:schemeClr val="tx1"/>
                 </a:solidFill>
@@ -13885,91 +13942,28 @@
               </a:lnSpc>
             </a:pPr>
             <a:r>
-              <a:rPr lang="en-US" sz="2000" dirty="0" err="1">
-                <a:solidFill>
-                  <a:schemeClr val="tx1"/>
-                </a:solidFill>
-              </a:rPr>
-              <a:t>non_start</a:t>
-            </a:r>
-            <a:r>
-              <a:rPr lang="en-US" sz="2000" dirty="0">
-                <a:solidFill>
-                  <a:schemeClr val="tx1"/>
-                </a:solidFill>
-              </a:rPr>
-              <a:t>('java', 'code') → '</a:t>
-            </a:r>
-            <a:r>
-              <a:rPr lang="en-US" sz="2000" dirty="0" err="1">
-                <a:solidFill>
-                  <a:schemeClr val="tx1"/>
-                </a:solidFill>
-              </a:rPr>
-              <a:t>avaode</a:t>
-            </a:r>
-            <a:r>
-              <a:rPr lang="en-US" sz="2000" dirty="0">
-                <a:solidFill>
-                  <a:schemeClr val="tx1"/>
-                </a:solidFill>
-              </a:rPr>
-              <a:t>'</a:t>
-            </a:r>
-          </a:p>
-          <a:p>
-            <a:pPr>
-              <a:lnSpc>
-                <a:spcPct val="90000"/>
-              </a:lnSpc>
-            </a:pPr>
-            <a:r>
-              <a:rPr lang="en-US" sz="2000" dirty="0" err="1">
-                <a:solidFill>
-                  <a:schemeClr val="tx1"/>
-                </a:solidFill>
-              </a:rPr>
-              <a:t>non_start</a:t>
-            </a:r>
-            <a:r>
-              <a:rPr lang="en-US" sz="2000" dirty="0">
-                <a:solidFill>
-                  <a:schemeClr val="tx1"/>
-                </a:solidFill>
-              </a:rPr>
-              <a:t>('</a:t>
-            </a:r>
-            <a:r>
-              <a:rPr lang="en-US" sz="2000" dirty="0" err="1">
-                <a:solidFill>
-                  <a:schemeClr val="tx1"/>
-                </a:solidFill>
-              </a:rPr>
-              <a:t>shotl</a:t>
-            </a:r>
-            <a:r>
-              <a:rPr lang="en-US" sz="2000" dirty="0">
-                <a:solidFill>
-                  <a:schemeClr val="tx1"/>
-                </a:solidFill>
-              </a:rPr>
-              <a:t>', 'java') → '</a:t>
-            </a:r>
-            <a:r>
-              <a:rPr lang="en-US" sz="2000" dirty="0" err="1">
-                <a:solidFill>
-                  <a:schemeClr val="tx1"/>
-                </a:solidFill>
-              </a:rPr>
-              <a:t>hotlava</a:t>
-            </a:r>
-            <a:r>
-              <a:rPr lang="en-US" sz="2000" dirty="0">
-                <a:solidFill>
-                  <a:schemeClr val="tx1"/>
-                </a:solidFill>
-              </a:rPr>
-              <a:t>'</a:t>
+              <a:rPr lang="en-US" dirty="0" err="1">
+                <a:solidFill>
+                  <a:schemeClr val="tx1"/>
+                </a:solidFill>
+              </a:rPr>
+              <a:t>make_abba</a:t>
+            </a:r>
+            <a:r>
+              <a:rPr lang="en-US" dirty="0">
+                <a:solidFill>
+                  <a:schemeClr val="tx1"/>
+                </a:solidFill>
+              </a:rPr>
+              <a:t>('What', 'Up') → '</a:t>
+            </a:r>
+            <a:r>
+              <a:rPr lang="en-US" dirty="0" err="1">
+                <a:solidFill>
+                  <a:schemeClr val="tx1"/>
+                </a:solidFill>
+              </a:rPr>
+              <a:t>WhatUpUpWhat</a:t>
             </a:r>
             <a:r>
               <a:rPr lang="en-US" dirty="0">
@@ -14050,7 +14044,7 @@
     </p:spTree>
     <p:extLst>
       <p:ext uri="{BB962C8B-B14F-4D97-AF65-F5344CB8AC3E}">
-        <p14:creationId xmlns:p14="http://schemas.microsoft.com/office/powerpoint/2010/main" val="2498540964"/>
+        <p14:creationId xmlns:p14="http://schemas.microsoft.com/office/powerpoint/2010/main" val="1269699084"/>
       </p:ext>
     </p:extLst>
   </p:cSld>
@@ -14095,8 +14089,8 @@
         </p:nvSpPr>
         <p:spPr>
           <a:xfrm>
-            <a:off x="2589213" y="0"/>
-            <a:ext cx="8915399" cy="2262781"/>
+            <a:off x="2589213" y="1"/>
+            <a:ext cx="8915399" cy="1631852"/>
           </a:xfrm>
         </p:spPr>
         <p:txBody>
@@ -14141,31 +14135,241 @@
       </p:sp>
       <p:sp>
         <p:nvSpPr>
-          <p:cNvPr id="7" name="Subtitle 2">
+          <p:cNvPr id="5" name="Subtitle 2">
             <a:extLst>
               <a:ext uri="{FF2B5EF4-FFF2-40B4-BE49-F238E27FC236}">
-                <a16:creationId xmlns:a16="http://schemas.microsoft.com/office/drawing/2014/main" id="{9F647FD7-7B2D-1E3D-7542-548468D4647F}"/>
+                <a16:creationId xmlns:a16="http://schemas.microsoft.com/office/drawing/2014/main" id="{7454EEA1-A671-744A-25C2-C19AA5D1384C}"/>
               </a:ext>
             </a:extLst>
           </p:cNvPr>
-          <p:cNvSpPr>
-            <a:spLocks noGrp="1"/>
+          <p:cNvSpPr txBox="1">
+            <a:spLocks/>
           </p:cNvSpPr>
-          <p:nvPr>
-            <p:ph type="subTitle" idx="1"/>
-          </p:nvPr>
+          <p:nvPr/>
         </p:nvSpPr>
         <p:spPr>
           <a:xfrm>
-            <a:off x="2814296" y="2693773"/>
-            <a:ext cx="8256979" cy="3476411"/>
+            <a:off x="2389922" y="2377980"/>
+            <a:ext cx="2055468" cy="3821395"/>
           </a:xfrm>
+          <a:prstGeom prst="rect">
+            <a:avLst/>
+          </a:prstGeom>
         </p:spPr>
         <p:txBody>
-          <a:bodyPr>
-            <a:normAutofit/>
+          <a:bodyPr vert="horz" lIns="91440" tIns="45720" rIns="91440" bIns="45720" rtlCol="0" anchor="t">
+            <a:noAutofit/>
           </a:bodyPr>
-          <a:lstStyle/>
+          <a:lstStyle>
+            <a:lvl1pPr marL="0" indent="0" algn="l" defTabSz="457200" rtl="0" eaLnBrk="1" latinLnBrk="0" hangingPunct="1">
+              <a:spcBef>
+                <a:spcPts val="1000"/>
+              </a:spcBef>
+              <a:spcAft>
+                <a:spcPts val="0"/>
+              </a:spcAft>
+              <a:buClr>
+                <a:schemeClr val="accent1"/>
+              </a:buClr>
+              <a:buFont typeface="Wingdings 3" charset="2"/>
+              <a:buNone/>
+              <a:defRPr sz="1800" kern="1200">
+                <a:solidFill>
+                  <a:schemeClr val="tx1">
+                    <a:lumMod val="65000"/>
+                    <a:lumOff val="35000"/>
+                  </a:schemeClr>
+                </a:solidFill>
+                <a:latin typeface="+mn-lt"/>
+                <a:ea typeface="+mn-ea"/>
+                <a:cs typeface="+mn-cs"/>
+              </a:defRPr>
+            </a:lvl1pPr>
+            <a:lvl2pPr marL="457200" indent="0" algn="ctr" defTabSz="457200" rtl="0" eaLnBrk="1" latinLnBrk="0" hangingPunct="1">
+              <a:spcBef>
+                <a:spcPts val="1000"/>
+              </a:spcBef>
+              <a:spcAft>
+                <a:spcPts val="0"/>
+              </a:spcAft>
+              <a:buClr>
+                <a:schemeClr val="accent1"/>
+              </a:buClr>
+              <a:buFont typeface="Wingdings 3" charset="2"/>
+              <a:buNone/>
+              <a:defRPr sz="1600" kern="1200">
+                <a:solidFill>
+                  <a:schemeClr val="tx1">
+                    <a:tint val="75000"/>
+                  </a:schemeClr>
+                </a:solidFill>
+                <a:latin typeface="+mn-lt"/>
+                <a:ea typeface="+mn-ea"/>
+                <a:cs typeface="+mn-cs"/>
+              </a:defRPr>
+            </a:lvl2pPr>
+            <a:lvl3pPr marL="914400" indent="0" algn="ctr" defTabSz="457200" rtl="0" eaLnBrk="1" latinLnBrk="0" hangingPunct="1">
+              <a:spcBef>
+                <a:spcPts val="1000"/>
+              </a:spcBef>
+              <a:spcAft>
+                <a:spcPts val="0"/>
+              </a:spcAft>
+              <a:buClr>
+                <a:schemeClr val="accent1"/>
+              </a:buClr>
+              <a:buFont typeface="Wingdings 3" charset="2"/>
+              <a:buNone/>
+              <a:defRPr sz="1400" kern="1200">
+                <a:solidFill>
+                  <a:schemeClr val="tx1">
+                    <a:tint val="75000"/>
+                  </a:schemeClr>
+                </a:solidFill>
+                <a:latin typeface="+mn-lt"/>
+                <a:ea typeface="+mn-ea"/>
+                <a:cs typeface="+mn-cs"/>
+              </a:defRPr>
+            </a:lvl3pPr>
+            <a:lvl4pPr marL="1371600" indent="0" algn="ctr" defTabSz="457200" rtl="0" eaLnBrk="1" latinLnBrk="0" hangingPunct="1">
+              <a:spcBef>
+                <a:spcPts val="1000"/>
+              </a:spcBef>
+              <a:spcAft>
+                <a:spcPts val="0"/>
+              </a:spcAft>
+              <a:buClr>
+                <a:schemeClr val="accent1"/>
+              </a:buClr>
+              <a:buFont typeface="Wingdings 3" charset="2"/>
+              <a:buNone/>
+              <a:defRPr sz="1200" kern="1200">
+                <a:solidFill>
+                  <a:schemeClr val="tx1">
+                    <a:tint val="75000"/>
+                  </a:schemeClr>
+                </a:solidFill>
+                <a:latin typeface="+mn-lt"/>
+                <a:ea typeface="+mn-ea"/>
+                <a:cs typeface="+mn-cs"/>
+              </a:defRPr>
+            </a:lvl4pPr>
+            <a:lvl5pPr marL="1828800" indent="0" algn="ctr" defTabSz="457200" rtl="0" eaLnBrk="1" latinLnBrk="0" hangingPunct="1">
+              <a:spcBef>
+                <a:spcPts val="1000"/>
+              </a:spcBef>
+              <a:spcAft>
+                <a:spcPts val="0"/>
+              </a:spcAft>
+              <a:buClr>
+                <a:schemeClr val="accent1"/>
+              </a:buClr>
+              <a:buFont typeface="Wingdings 3" charset="2"/>
+              <a:buNone/>
+              <a:defRPr sz="1200" kern="1200">
+                <a:solidFill>
+                  <a:schemeClr val="tx1">
+                    <a:tint val="75000"/>
+                  </a:schemeClr>
+                </a:solidFill>
+                <a:latin typeface="+mn-lt"/>
+                <a:ea typeface="+mn-ea"/>
+                <a:cs typeface="+mn-cs"/>
+              </a:defRPr>
+            </a:lvl5pPr>
+            <a:lvl6pPr marL="2286000" indent="0" algn="ctr" defTabSz="457200" rtl="0" eaLnBrk="1" latinLnBrk="0" hangingPunct="1">
+              <a:spcBef>
+                <a:spcPts val="1000"/>
+              </a:spcBef>
+              <a:spcAft>
+                <a:spcPts val="0"/>
+              </a:spcAft>
+              <a:buClr>
+                <a:schemeClr val="accent1"/>
+              </a:buClr>
+              <a:buFont typeface="Wingdings 3" charset="2"/>
+              <a:buNone/>
+              <a:defRPr sz="1200" kern="1200">
+                <a:solidFill>
+                  <a:schemeClr val="tx1">
+                    <a:tint val="75000"/>
+                  </a:schemeClr>
+                </a:solidFill>
+                <a:latin typeface="+mn-lt"/>
+                <a:ea typeface="+mn-ea"/>
+                <a:cs typeface="+mn-cs"/>
+              </a:defRPr>
+            </a:lvl6pPr>
+            <a:lvl7pPr marL="2743200" indent="0" algn="ctr" defTabSz="457200" rtl="0" eaLnBrk="1" latinLnBrk="0" hangingPunct="1">
+              <a:spcBef>
+                <a:spcPts val="1000"/>
+              </a:spcBef>
+              <a:spcAft>
+                <a:spcPts val="0"/>
+              </a:spcAft>
+              <a:buClr>
+                <a:schemeClr val="accent1"/>
+              </a:buClr>
+              <a:buFont typeface="Wingdings 3" charset="2"/>
+              <a:buNone/>
+              <a:defRPr sz="1200" kern="1200">
+                <a:solidFill>
+                  <a:schemeClr val="tx1">
+                    <a:tint val="75000"/>
+                  </a:schemeClr>
+                </a:solidFill>
+                <a:latin typeface="+mn-lt"/>
+                <a:ea typeface="+mn-ea"/>
+                <a:cs typeface="+mn-cs"/>
+              </a:defRPr>
+            </a:lvl7pPr>
+            <a:lvl8pPr marL="3200400" indent="0" algn="ctr" defTabSz="457200" rtl="0" eaLnBrk="1" latinLnBrk="0" hangingPunct="1">
+              <a:spcBef>
+                <a:spcPts val="1000"/>
+              </a:spcBef>
+              <a:spcAft>
+                <a:spcPts val="0"/>
+              </a:spcAft>
+              <a:buClr>
+                <a:schemeClr val="accent1"/>
+              </a:buClr>
+              <a:buFont typeface="Wingdings 3" charset="2"/>
+              <a:buNone/>
+              <a:defRPr sz="1200" kern="1200">
+                <a:solidFill>
+                  <a:schemeClr val="tx1">
+                    <a:tint val="75000"/>
+                  </a:schemeClr>
+                </a:solidFill>
+                <a:latin typeface="+mn-lt"/>
+                <a:ea typeface="+mn-ea"/>
+                <a:cs typeface="+mn-cs"/>
+              </a:defRPr>
+            </a:lvl8pPr>
+            <a:lvl9pPr marL="3657600" indent="0" algn="ctr" defTabSz="457200" rtl="0" eaLnBrk="1" latinLnBrk="0" hangingPunct="1">
+              <a:spcBef>
+                <a:spcPts val="1000"/>
+              </a:spcBef>
+              <a:spcAft>
+                <a:spcPts val="0"/>
+              </a:spcAft>
+              <a:buClr>
+                <a:schemeClr val="accent1"/>
+              </a:buClr>
+              <a:buFont typeface="Wingdings 3" charset="2"/>
+              <a:buNone/>
+              <a:defRPr sz="1200" kern="1200">
+                <a:solidFill>
+                  <a:schemeClr val="tx1">
+                    <a:tint val="75000"/>
+                  </a:schemeClr>
+                </a:solidFill>
+                <a:latin typeface="+mn-lt"/>
+                <a:ea typeface="+mn-ea"/>
+                <a:cs typeface="+mn-cs"/>
+              </a:defRPr>
+            </a:lvl9pPr>
+          </a:lstStyle>
           <a:p>
             <a:pPr>
               <a:lnSpc>
@@ -14173,12 +14377,28 @@
               </a:lnSpc>
             </a:pPr>
             <a:r>
-              <a:rPr lang="en-US" sz="2000" b="1" dirty="0">
-                <a:solidFill>
-                  <a:schemeClr val="tx1"/>
-                </a:solidFill>
-              </a:rPr>
-              <a:t>Make the sequence : abba</a:t>
+              <a:rPr lang="en-US" sz="1400" dirty="0">
+                <a:solidFill>
+                  <a:schemeClr val="tx1"/>
+                </a:solidFill>
+              </a:rPr>
+              <a:t>7 </a:t>
+            </a:r>
+            <a:r>
+              <a:rPr lang="en-US" sz="1400" dirty="0" err="1">
+                <a:solidFill>
+                  <a:schemeClr val="tx1"/>
+                </a:solidFill>
+              </a:rPr>
+              <a:t>Sln</a:t>
+            </a:r>
+            <a:r>
+              <a:rPr lang="en-US" sz="1400" dirty="0">
+                <a:solidFill>
+                  <a:schemeClr val="tx1"/>
+                </a:solidFill>
+              </a:rPr>
+              <a:t>: </a:t>
             </a:r>
           </a:p>
           <a:p>
@@ -14188,28 +14408,12 @@
               </a:lnSpc>
             </a:pPr>
             <a:r>
-              <a:rPr lang="en-US" dirty="0">
-                <a:solidFill>
-                  <a:schemeClr val="tx1"/>
-                </a:solidFill>
-              </a:rPr>
-              <a:t>Given two strings, a and b, return the result of putting them together in the order abba, e.g. "Hi" and "Bye" returns "</a:t>
-            </a:r>
-            <a:r>
-              <a:rPr lang="en-US" dirty="0" err="1">
-                <a:solidFill>
-                  <a:schemeClr val="tx1"/>
-                </a:solidFill>
-              </a:rPr>
-              <a:t>HiByeByeHi</a:t>
-            </a:r>
-            <a:r>
-              <a:rPr lang="en-US" dirty="0">
-                <a:solidFill>
-                  <a:schemeClr val="tx1"/>
-                </a:solidFill>
-              </a:rPr>
-              <a:t>".</a:t>
+              <a:rPr lang="en-US" sz="1400" dirty="0">
+                <a:solidFill>
+                  <a:schemeClr val="tx1"/>
+                </a:solidFill>
+              </a:rPr>
+              <a:t>print("*")</a:t>
             </a:r>
           </a:p>
           <a:p>
@@ -14218,11 +14422,14 @@
                 <a:spcPct val="90000"/>
               </a:lnSpc>
             </a:pPr>
-            <a:endParaRPr lang="en-US" dirty="0">
-              <a:solidFill>
-                <a:schemeClr val="tx1"/>
-              </a:solidFill>
-            </a:endParaRPr>
+            <a:r>
+              <a:rPr lang="en-US" sz="1400" dirty="0">
+                <a:solidFill>
+                  <a:schemeClr val="tx1"/>
+                </a:solidFill>
+              </a:rPr>
+              <a:t>print("**")</a:t>
+            </a:r>
           </a:p>
           <a:p>
             <a:pPr>
@@ -14231,36 +14438,12 @@
               </a:lnSpc>
             </a:pPr>
             <a:r>
-              <a:rPr lang="en-US" dirty="0" err="1">
-                <a:solidFill>
-                  <a:schemeClr val="tx1"/>
-                </a:solidFill>
-              </a:rPr>
-              <a:t>make_abba</a:t>
-            </a:r>
-            <a:r>
-              <a:rPr lang="en-US" dirty="0">
-                <a:solidFill>
-                  <a:schemeClr val="tx1"/>
-                </a:solidFill>
-              </a:rPr>
-              <a:t>('Hi', 'Bye') → '</a:t>
-            </a:r>
-            <a:r>
-              <a:rPr lang="en-US" dirty="0" err="1">
-                <a:solidFill>
-                  <a:schemeClr val="tx1"/>
-                </a:solidFill>
-              </a:rPr>
-              <a:t>HiByeByeHi</a:t>
-            </a:r>
-            <a:r>
-              <a:rPr lang="en-US" dirty="0">
-                <a:solidFill>
-                  <a:schemeClr val="tx1"/>
-                </a:solidFill>
-              </a:rPr>
-              <a:t>'</a:t>
+              <a:rPr lang="en-US" sz="1400" dirty="0">
+                <a:solidFill>
+                  <a:schemeClr val="tx1"/>
+                </a:solidFill>
+              </a:rPr>
+              <a:t>print("***")</a:t>
             </a:r>
           </a:p>
           <a:p>
@@ -14270,52 +14453,12 @@
               </a:lnSpc>
             </a:pPr>
             <a:r>
-              <a:rPr lang="en-US" dirty="0" err="1">
-                <a:solidFill>
-                  <a:schemeClr val="tx1"/>
-                </a:solidFill>
-              </a:rPr>
-              <a:t>make_abba</a:t>
-            </a:r>
-            <a:r>
-              <a:rPr lang="en-US" dirty="0">
-                <a:solidFill>
-                  <a:schemeClr val="tx1"/>
-                </a:solidFill>
-              </a:rPr>
-              <a:t>('</a:t>
-            </a:r>
-            <a:r>
-              <a:rPr lang="en-US" dirty="0" err="1">
-                <a:solidFill>
-                  <a:schemeClr val="tx1"/>
-                </a:solidFill>
-              </a:rPr>
-              <a:t>Yo</a:t>
-            </a:r>
-            <a:r>
-              <a:rPr lang="en-US" dirty="0">
-                <a:solidFill>
-                  <a:schemeClr val="tx1"/>
-                </a:solidFill>
-              </a:rPr>
-              <a:t>', 'Alice') → '</a:t>
-            </a:r>
-            <a:r>
-              <a:rPr lang="en-US" dirty="0" err="1">
-                <a:solidFill>
-                  <a:schemeClr val="tx1"/>
-                </a:solidFill>
-              </a:rPr>
-              <a:t>YoAliceAliceYo</a:t>
-            </a:r>
-            <a:r>
-              <a:rPr lang="en-US" dirty="0">
-                <a:solidFill>
-                  <a:schemeClr val="tx1"/>
-                </a:solidFill>
-              </a:rPr>
-              <a:t>'</a:t>
+              <a:rPr lang="en-US" sz="1400" dirty="0">
+                <a:solidFill>
+                  <a:schemeClr val="tx1"/>
+                </a:solidFill>
+              </a:rPr>
+              <a:t>print("****")</a:t>
             </a:r>
           </a:p>
           <a:p>
@@ -14325,37 +14468,548 @@
               </a:lnSpc>
             </a:pPr>
             <a:r>
-              <a:rPr lang="en-US" dirty="0" err="1">
-                <a:solidFill>
-                  <a:schemeClr val="tx1"/>
-                </a:solidFill>
-              </a:rPr>
-              <a:t>make_abba</a:t>
-            </a:r>
-            <a:r>
-              <a:rPr lang="en-US" dirty="0">
-                <a:solidFill>
-                  <a:schemeClr val="tx1"/>
-                </a:solidFill>
-              </a:rPr>
-              <a:t>('What', 'Up') → '</a:t>
-            </a:r>
-            <a:r>
-              <a:rPr lang="en-US" dirty="0" err="1">
-                <a:solidFill>
-                  <a:schemeClr val="tx1"/>
-                </a:solidFill>
-              </a:rPr>
-              <a:t>WhatUpUpWhat</a:t>
-            </a:r>
-            <a:r>
-              <a:rPr lang="en-US" dirty="0">
-                <a:solidFill>
-                  <a:schemeClr val="tx1"/>
-                </a:solidFill>
-              </a:rPr>
-              <a:t>'</a:t>
-            </a:r>
+              <a:rPr lang="en-US" sz="1400" dirty="0">
+                <a:solidFill>
+                  <a:schemeClr val="tx1"/>
+                </a:solidFill>
+              </a:rPr>
+              <a:t>print("*****")</a:t>
+            </a:r>
+          </a:p>
+          <a:p>
+            <a:pPr>
+              <a:lnSpc>
+                <a:spcPct val="90000"/>
+              </a:lnSpc>
+            </a:pPr>
+            <a:r>
+              <a:rPr lang="en-US" sz="1400" dirty="0">
+                <a:solidFill>
+                  <a:schemeClr val="tx1"/>
+                </a:solidFill>
+              </a:rPr>
+              <a:t>8 </a:t>
+            </a:r>
+            <a:r>
+              <a:rPr lang="en-US" sz="1400" dirty="0" err="1">
+                <a:solidFill>
+                  <a:schemeClr val="tx1"/>
+                </a:solidFill>
+              </a:rPr>
+              <a:t>Sln</a:t>
+            </a:r>
+            <a:r>
+              <a:rPr lang="en-US" sz="1400" dirty="0">
+                <a:solidFill>
+                  <a:schemeClr val="tx1"/>
+                </a:solidFill>
+              </a:rPr>
+              <a:t>:</a:t>
+            </a:r>
+          </a:p>
+          <a:p>
+            <a:pPr>
+              <a:lnSpc>
+                <a:spcPct val="90000"/>
+              </a:lnSpc>
+            </a:pPr>
+            <a:r>
+              <a:rPr lang="en-US" sz="1400" dirty="0">
+                <a:solidFill>
+                  <a:schemeClr val="tx1"/>
+                </a:solidFill>
+              </a:rPr>
+              <a:t>print("    *    ")</a:t>
+            </a:r>
+          </a:p>
+          <a:p>
+            <a:pPr>
+              <a:lnSpc>
+                <a:spcPct val="90000"/>
+              </a:lnSpc>
+            </a:pPr>
+            <a:r>
+              <a:rPr lang="en-US" sz="1400" dirty="0">
+                <a:solidFill>
+                  <a:schemeClr val="tx1"/>
+                </a:solidFill>
+              </a:rPr>
+              <a:t>print("   ***   ")</a:t>
+            </a:r>
+          </a:p>
+          <a:p>
+            <a:pPr>
+              <a:lnSpc>
+                <a:spcPct val="90000"/>
+              </a:lnSpc>
+            </a:pPr>
+            <a:r>
+              <a:rPr lang="en-US" sz="1400" dirty="0">
+                <a:solidFill>
+                  <a:schemeClr val="tx1"/>
+                </a:solidFill>
+              </a:rPr>
+              <a:t>print("  *****  ")</a:t>
+            </a:r>
+          </a:p>
+          <a:p>
+            <a:pPr>
+              <a:lnSpc>
+                <a:spcPct val="90000"/>
+              </a:lnSpc>
+            </a:pPr>
+            <a:r>
+              <a:rPr lang="en-US" sz="1400" dirty="0">
+                <a:solidFill>
+                  <a:schemeClr val="tx1"/>
+                </a:solidFill>
+              </a:rPr>
+              <a:t>print(" ******* ")</a:t>
+            </a:r>
+          </a:p>
+          <a:p>
+            <a:pPr>
+              <a:lnSpc>
+                <a:spcPct val="90000"/>
+              </a:lnSpc>
+            </a:pPr>
+            <a:r>
+              <a:rPr lang="en-US" sz="1400" dirty="0">
+                <a:solidFill>
+                  <a:schemeClr val="tx1"/>
+                </a:solidFill>
+              </a:rPr>
+              <a:t>print("*********")</a:t>
+            </a:r>
+          </a:p>
+          <a:p>
+            <a:pPr>
+              <a:lnSpc>
+                <a:spcPct val="90000"/>
+              </a:lnSpc>
+            </a:pPr>
+            <a:endParaRPr lang="en-US" sz="1400" dirty="0">
+              <a:solidFill>
+                <a:schemeClr val="tx1"/>
+              </a:solidFill>
+            </a:endParaRPr>
+          </a:p>
+        </p:txBody>
+      </p:sp>
+      <p:sp>
+        <p:nvSpPr>
+          <p:cNvPr id="8" name="Subtitle 2">
+            <a:extLst>
+              <a:ext uri="{FF2B5EF4-FFF2-40B4-BE49-F238E27FC236}">
+                <a16:creationId xmlns:a16="http://schemas.microsoft.com/office/drawing/2014/main" id="{F5ECE262-1084-80A4-B49D-3C527225F090}"/>
+              </a:ext>
+            </a:extLst>
+          </p:cNvPr>
+          <p:cNvSpPr txBox="1">
+            <a:spLocks/>
+          </p:cNvSpPr>
+          <p:nvPr/>
+        </p:nvSpPr>
+        <p:spPr>
+          <a:xfrm>
+            <a:off x="4185897" y="2377978"/>
+            <a:ext cx="1931204" cy="3568178"/>
+          </a:xfrm>
+          <a:prstGeom prst="rect">
+            <a:avLst/>
+          </a:prstGeom>
+        </p:spPr>
+        <p:txBody>
+          <a:bodyPr vert="horz" lIns="91440" tIns="45720" rIns="91440" bIns="45720" rtlCol="0" anchor="t">
+            <a:normAutofit/>
+          </a:bodyPr>
+          <a:lstStyle>
+            <a:lvl1pPr marL="0" indent="0" algn="l" defTabSz="457200" rtl="0" eaLnBrk="1" latinLnBrk="0" hangingPunct="1">
+              <a:spcBef>
+                <a:spcPts val="1000"/>
+              </a:spcBef>
+              <a:spcAft>
+                <a:spcPts val="0"/>
+              </a:spcAft>
+              <a:buClr>
+                <a:schemeClr val="accent1"/>
+              </a:buClr>
+              <a:buFont typeface="Wingdings 3" charset="2"/>
+              <a:buNone/>
+              <a:defRPr sz="1800" kern="1200">
+                <a:solidFill>
+                  <a:schemeClr val="tx1">
+                    <a:lumMod val="65000"/>
+                    <a:lumOff val="35000"/>
+                  </a:schemeClr>
+                </a:solidFill>
+                <a:latin typeface="+mn-lt"/>
+                <a:ea typeface="+mn-ea"/>
+                <a:cs typeface="+mn-cs"/>
+              </a:defRPr>
+            </a:lvl1pPr>
+            <a:lvl2pPr marL="457200" indent="0" algn="ctr" defTabSz="457200" rtl="0" eaLnBrk="1" latinLnBrk="0" hangingPunct="1">
+              <a:spcBef>
+                <a:spcPts val="1000"/>
+              </a:spcBef>
+              <a:spcAft>
+                <a:spcPts val="0"/>
+              </a:spcAft>
+              <a:buClr>
+                <a:schemeClr val="accent1"/>
+              </a:buClr>
+              <a:buFont typeface="Wingdings 3" charset="2"/>
+              <a:buNone/>
+              <a:defRPr sz="1600" kern="1200">
+                <a:solidFill>
+                  <a:schemeClr val="tx1">
+                    <a:tint val="75000"/>
+                  </a:schemeClr>
+                </a:solidFill>
+                <a:latin typeface="+mn-lt"/>
+                <a:ea typeface="+mn-ea"/>
+                <a:cs typeface="+mn-cs"/>
+              </a:defRPr>
+            </a:lvl2pPr>
+            <a:lvl3pPr marL="914400" indent="0" algn="ctr" defTabSz="457200" rtl="0" eaLnBrk="1" latinLnBrk="0" hangingPunct="1">
+              <a:spcBef>
+                <a:spcPts val="1000"/>
+              </a:spcBef>
+              <a:spcAft>
+                <a:spcPts val="0"/>
+              </a:spcAft>
+              <a:buClr>
+                <a:schemeClr val="accent1"/>
+              </a:buClr>
+              <a:buFont typeface="Wingdings 3" charset="2"/>
+              <a:buNone/>
+              <a:defRPr sz="1400" kern="1200">
+                <a:solidFill>
+                  <a:schemeClr val="tx1">
+                    <a:tint val="75000"/>
+                  </a:schemeClr>
+                </a:solidFill>
+                <a:latin typeface="+mn-lt"/>
+                <a:ea typeface="+mn-ea"/>
+                <a:cs typeface="+mn-cs"/>
+              </a:defRPr>
+            </a:lvl3pPr>
+            <a:lvl4pPr marL="1371600" indent="0" algn="ctr" defTabSz="457200" rtl="0" eaLnBrk="1" latinLnBrk="0" hangingPunct="1">
+              <a:spcBef>
+                <a:spcPts val="1000"/>
+              </a:spcBef>
+              <a:spcAft>
+                <a:spcPts val="0"/>
+              </a:spcAft>
+              <a:buClr>
+                <a:schemeClr val="accent1"/>
+              </a:buClr>
+              <a:buFont typeface="Wingdings 3" charset="2"/>
+              <a:buNone/>
+              <a:defRPr sz="1200" kern="1200">
+                <a:solidFill>
+                  <a:schemeClr val="tx1">
+                    <a:tint val="75000"/>
+                  </a:schemeClr>
+                </a:solidFill>
+                <a:latin typeface="+mn-lt"/>
+                <a:ea typeface="+mn-ea"/>
+                <a:cs typeface="+mn-cs"/>
+              </a:defRPr>
+            </a:lvl4pPr>
+            <a:lvl5pPr marL="1828800" indent="0" algn="ctr" defTabSz="457200" rtl="0" eaLnBrk="1" latinLnBrk="0" hangingPunct="1">
+              <a:spcBef>
+                <a:spcPts val="1000"/>
+              </a:spcBef>
+              <a:spcAft>
+                <a:spcPts val="0"/>
+              </a:spcAft>
+              <a:buClr>
+                <a:schemeClr val="accent1"/>
+              </a:buClr>
+              <a:buFont typeface="Wingdings 3" charset="2"/>
+              <a:buNone/>
+              <a:defRPr sz="1200" kern="1200">
+                <a:solidFill>
+                  <a:schemeClr val="tx1">
+                    <a:tint val="75000"/>
+                  </a:schemeClr>
+                </a:solidFill>
+                <a:latin typeface="+mn-lt"/>
+                <a:ea typeface="+mn-ea"/>
+                <a:cs typeface="+mn-cs"/>
+              </a:defRPr>
+            </a:lvl5pPr>
+            <a:lvl6pPr marL="2286000" indent="0" algn="ctr" defTabSz="457200" rtl="0" eaLnBrk="1" latinLnBrk="0" hangingPunct="1">
+              <a:spcBef>
+                <a:spcPts val="1000"/>
+              </a:spcBef>
+              <a:spcAft>
+                <a:spcPts val="0"/>
+              </a:spcAft>
+              <a:buClr>
+                <a:schemeClr val="accent1"/>
+              </a:buClr>
+              <a:buFont typeface="Wingdings 3" charset="2"/>
+              <a:buNone/>
+              <a:defRPr sz="1200" kern="1200">
+                <a:solidFill>
+                  <a:schemeClr val="tx1">
+                    <a:tint val="75000"/>
+                  </a:schemeClr>
+                </a:solidFill>
+                <a:latin typeface="+mn-lt"/>
+                <a:ea typeface="+mn-ea"/>
+                <a:cs typeface="+mn-cs"/>
+              </a:defRPr>
+            </a:lvl6pPr>
+            <a:lvl7pPr marL="2743200" indent="0" algn="ctr" defTabSz="457200" rtl="0" eaLnBrk="1" latinLnBrk="0" hangingPunct="1">
+              <a:spcBef>
+                <a:spcPts val="1000"/>
+              </a:spcBef>
+              <a:spcAft>
+                <a:spcPts val="0"/>
+              </a:spcAft>
+              <a:buClr>
+                <a:schemeClr val="accent1"/>
+              </a:buClr>
+              <a:buFont typeface="Wingdings 3" charset="2"/>
+              <a:buNone/>
+              <a:defRPr sz="1200" kern="1200">
+                <a:solidFill>
+                  <a:schemeClr val="tx1">
+                    <a:tint val="75000"/>
+                  </a:schemeClr>
+                </a:solidFill>
+                <a:latin typeface="+mn-lt"/>
+                <a:ea typeface="+mn-ea"/>
+                <a:cs typeface="+mn-cs"/>
+              </a:defRPr>
+            </a:lvl7pPr>
+            <a:lvl8pPr marL="3200400" indent="0" algn="ctr" defTabSz="457200" rtl="0" eaLnBrk="1" latinLnBrk="0" hangingPunct="1">
+              <a:spcBef>
+                <a:spcPts val="1000"/>
+              </a:spcBef>
+              <a:spcAft>
+                <a:spcPts val="0"/>
+              </a:spcAft>
+              <a:buClr>
+                <a:schemeClr val="accent1"/>
+              </a:buClr>
+              <a:buFont typeface="Wingdings 3" charset="2"/>
+              <a:buNone/>
+              <a:defRPr sz="1200" kern="1200">
+                <a:solidFill>
+                  <a:schemeClr val="tx1">
+                    <a:tint val="75000"/>
+                  </a:schemeClr>
+                </a:solidFill>
+                <a:latin typeface="+mn-lt"/>
+                <a:ea typeface="+mn-ea"/>
+                <a:cs typeface="+mn-cs"/>
+              </a:defRPr>
+            </a:lvl8pPr>
+            <a:lvl9pPr marL="3657600" indent="0" algn="ctr" defTabSz="457200" rtl="0" eaLnBrk="1" latinLnBrk="0" hangingPunct="1">
+              <a:spcBef>
+                <a:spcPts val="1000"/>
+              </a:spcBef>
+              <a:spcAft>
+                <a:spcPts val="0"/>
+              </a:spcAft>
+              <a:buClr>
+                <a:schemeClr val="accent1"/>
+              </a:buClr>
+              <a:buFont typeface="Wingdings 3" charset="2"/>
+              <a:buNone/>
+              <a:defRPr sz="1200" kern="1200">
+                <a:solidFill>
+                  <a:schemeClr val="tx1">
+                    <a:tint val="75000"/>
+                  </a:schemeClr>
+                </a:solidFill>
+                <a:latin typeface="+mn-lt"/>
+                <a:ea typeface="+mn-ea"/>
+                <a:cs typeface="+mn-cs"/>
+              </a:defRPr>
+            </a:lvl9pPr>
+          </a:lstStyle>
+          <a:p>
+            <a:pPr>
+              <a:lnSpc>
+                <a:spcPct val="90000"/>
+              </a:lnSpc>
+            </a:pPr>
+            <a:r>
+              <a:rPr lang="en-US" sz="1500" dirty="0">
+                <a:solidFill>
+                  <a:schemeClr val="tx1"/>
+                </a:solidFill>
+              </a:rPr>
+              <a:t>9 </a:t>
+            </a:r>
+            <a:r>
+              <a:rPr lang="en-US" sz="1500" dirty="0" err="1">
+                <a:solidFill>
+                  <a:schemeClr val="tx1"/>
+                </a:solidFill>
+              </a:rPr>
+              <a:t>Sln</a:t>
+            </a:r>
+            <a:r>
+              <a:rPr lang="en-US" sz="1500" dirty="0">
+                <a:solidFill>
+                  <a:schemeClr val="tx1"/>
+                </a:solidFill>
+              </a:rPr>
+              <a:t>:</a:t>
+            </a:r>
+          </a:p>
+          <a:p>
+            <a:pPr>
+              <a:lnSpc>
+                <a:spcPct val="90000"/>
+              </a:lnSpc>
+            </a:pPr>
+            <a:r>
+              <a:rPr lang="en-US" sz="1500" dirty="0">
+                <a:solidFill>
+                  <a:schemeClr val="tx1"/>
+                </a:solidFill>
+              </a:rPr>
+              <a:t>print("    *    ")</a:t>
+            </a:r>
+          </a:p>
+          <a:p>
+            <a:pPr>
+              <a:lnSpc>
+                <a:spcPct val="90000"/>
+              </a:lnSpc>
+            </a:pPr>
+            <a:r>
+              <a:rPr lang="en-US" sz="1500" dirty="0">
+                <a:solidFill>
+                  <a:schemeClr val="tx1"/>
+                </a:solidFill>
+              </a:rPr>
+              <a:t>print("   ***   ")</a:t>
+            </a:r>
+          </a:p>
+          <a:p>
+            <a:pPr>
+              <a:lnSpc>
+                <a:spcPct val="90000"/>
+              </a:lnSpc>
+            </a:pPr>
+            <a:r>
+              <a:rPr lang="en-US" sz="1500" dirty="0">
+                <a:solidFill>
+                  <a:schemeClr val="tx1"/>
+                </a:solidFill>
+              </a:rPr>
+              <a:t>print("  *****  ")</a:t>
+            </a:r>
+          </a:p>
+          <a:p>
+            <a:pPr>
+              <a:lnSpc>
+                <a:spcPct val="90000"/>
+              </a:lnSpc>
+            </a:pPr>
+            <a:r>
+              <a:rPr lang="en-US" sz="1500" dirty="0">
+                <a:solidFill>
+                  <a:schemeClr val="tx1"/>
+                </a:solidFill>
+              </a:rPr>
+              <a:t>print(" ******* ")</a:t>
+            </a:r>
+          </a:p>
+          <a:p>
+            <a:pPr>
+              <a:lnSpc>
+                <a:spcPct val="90000"/>
+              </a:lnSpc>
+            </a:pPr>
+            <a:r>
+              <a:rPr lang="en-US" sz="1500" dirty="0">
+                <a:solidFill>
+                  <a:schemeClr val="tx1"/>
+                </a:solidFill>
+              </a:rPr>
+              <a:t>print("*********")</a:t>
+            </a:r>
+          </a:p>
+          <a:p>
+            <a:pPr>
+              <a:lnSpc>
+                <a:spcPct val="90000"/>
+              </a:lnSpc>
+            </a:pPr>
+            <a:r>
+              <a:rPr lang="en-US" sz="1500" dirty="0">
+                <a:solidFill>
+                  <a:schemeClr val="tx1"/>
+                </a:solidFill>
+              </a:rPr>
+              <a:t>print(" ******* ")</a:t>
+            </a:r>
+          </a:p>
+          <a:p>
+            <a:pPr>
+              <a:lnSpc>
+                <a:spcPct val="90000"/>
+              </a:lnSpc>
+            </a:pPr>
+            <a:r>
+              <a:rPr lang="en-US" sz="1500" dirty="0">
+                <a:solidFill>
+                  <a:schemeClr val="tx1"/>
+                </a:solidFill>
+              </a:rPr>
+              <a:t>print("  *****  ")</a:t>
+            </a:r>
+          </a:p>
+          <a:p>
+            <a:pPr>
+              <a:lnSpc>
+                <a:spcPct val="90000"/>
+              </a:lnSpc>
+            </a:pPr>
+            <a:r>
+              <a:rPr lang="en-US" sz="1500" dirty="0">
+                <a:solidFill>
+                  <a:schemeClr val="tx1"/>
+                </a:solidFill>
+              </a:rPr>
+              <a:t>print("   ***   ")</a:t>
+            </a:r>
+          </a:p>
+          <a:p>
+            <a:pPr>
+              <a:lnSpc>
+                <a:spcPct val="90000"/>
+              </a:lnSpc>
+            </a:pPr>
+            <a:r>
+              <a:rPr lang="en-US" sz="1500" dirty="0">
+                <a:solidFill>
+                  <a:schemeClr val="tx1"/>
+                </a:solidFill>
+              </a:rPr>
+              <a:t>print("    *    ")</a:t>
+            </a:r>
+          </a:p>
+          <a:p>
+            <a:pPr>
+              <a:lnSpc>
+                <a:spcPct val="90000"/>
+              </a:lnSpc>
+            </a:pPr>
+            <a:endParaRPr lang="en-US" sz="1500" dirty="0">
+              <a:solidFill>
+                <a:schemeClr val="tx1"/>
+              </a:solidFill>
+            </a:endParaRPr>
           </a:p>
         </p:txBody>
       </p:sp>
@@ -14364,7 +15018,7 @@
           <p:cNvPr id="3" name="Rectangle 2">
             <a:extLst>
               <a:ext uri="{FF2B5EF4-FFF2-40B4-BE49-F238E27FC236}">
-                <a16:creationId xmlns:a16="http://schemas.microsoft.com/office/drawing/2014/main" id="{BEC55DA6-1461-27D5-E63C-A4CD652FEF23}"/>
+                <a16:creationId xmlns:a16="http://schemas.microsoft.com/office/drawing/2014/main" id="{57C05FB1-2DD2-42FC-0B68-3327BCF08771}"/>
               </a:ext>
             </a:extLst>
           </p:cNvPr>
@@ -14424,10 +15078,1232 @@
           </a:p>
         </p:txBody>
       </p:sp>
+      <p:sp>
+        <p:nvSpPr>
+          <p:cNvPr id="11" name="Subtitle 2">
+            <a:extLst>
+              <a:ext uri="{FF2B5EF4-FFF2-40B4-BE49-F238E27FC236}">
+                <a16:creationId xmlns:a16="http://schemas.microsoft.com/office/drawing/2014/main" id="{E6739936-6FC7-CC36-62F8-4F3F581689DE}"/>
+              </a:ext>
+            </a:extLst>
+          </p:cNvPr>
+          <p:cNvSpPr txBox="1">
+            <a:spLocks/>
+          </p:cNvSpPr>
+          <p:nvPr/>
+        </p:nvSpPr>
+        <p:spPr>
+          <a:xfrm>
+            <a:off x="5960771" y="2377979"/>
+            <a:ext cx="2055468" cy="3821395"/>
+          </a:xfrm>
+          <a:prstGeom prst="rect">
+            <a:avLst/>
+          </a:prstGeom>
+        </p:spPr>
+        <p:txBody>
+          <a:bodyPr vert="horz" lIns="91440" tIns="45720" rIns="91440" bIns="45720" rtlCol="0" anchor="t">
+            <a:noAutofit/>
+          </a:bodyPr>
+          <a:lstStyle>
+            <a:lvl1pPr marL="0" indent="0" algn="l" defTabSz="457200" rtl="0" eaLnBrk="1" latinLnBrk="0" hangingPunct="1">
+              <a:spcBef>
+                <a:spcPts val="1000"/>
+              </a:spcBef>
+              <a:spcAft>
+                <a:spcPts val="0"/>
+              </a:spcAft>
+              <a:buClr>
+                <a:schemeClr val="accent1"/>
+              </a:buClr>
+              <a:buFont typeface="Wingdings 3" charset="2"/>
+              <a:buNone/>
+              <a:defRPr sz="1800" kern="1200">
+                <a:solidFill>
+                  <a:schemeClr val="tx1">
+                    <a:lumMod val="65000"/>
+                    <a:lumOff val="35000"/>
+                  </a:schemeClr>
+                </a:solidFill>
+                <a:latin typeface="+mn-lt"/>
+                <a:ea typeface="+mn-ea"/>
+                <a:cs typeface="+mn-cs"/>
+              </a:defRPr>
+            </a:lvl1pPr>
+            <a:lvl2pPr marL="457200" indent="0" algn="ctr" defTabSz="457200" rtl="0" eaLnBrk="1" latinLnBrk="0" hangingPunct="1">
+              <a:spcBef>
+                <a:spcPts val="1000"/>
+              </a:spcBef>
+              <a:spcAft>
+                <a:spcPts val="0"/>
+              </a:spcAft>
+              <a:buClr>
+                <a:schemeClr val="accent1"/>
+              </a:buClr>
+              <a:buFont typeface="Wingdings 3" charset="2"/>
+              <a:buNone/>
+              <a:defRPr sz="1600" kern="1200">
+                <a:solidFill>
+                  <a:schemeClr val="tx1">
+                    <a:tint val="75000"/>
+                  </a:schemeClr>
+                </a:solidFill>
+                <a:latin typeface="+mn-lt"/>
+                <a:ea typeface="+mn-ea"/>
+                <a:cs typeface="+mn-cs"/>
+              </a:defRPr>
+            </a:lvl2pPr>
+            <a:lvl3pPr marL="914400" indent="0" algn="ctr" defTabSz="457200" rtl="0" eaLnBrk="1" latinLnBrk="0" hangingPunct="1">
+              <a:spcBef>
+                <a:spcPts val="1000"/>
+              </a:spcBef>
+              <a:spcAft>
+                <a:spcPts val="0"/>
+              </a:spcAft>
+              <a:buClr>
+                <a:schemeClr val="accent1"/>
+              </a:buClr>
+              <a:buFont typeface="Wingdings 3" charset="2"/>
+              <a:buNone/>
+              <a:defRPr sz="1400" kern="1200">
+                <a:solidFill>
+                  <a:schemeClr val="tx1">
+                    <a:tint val="75000"/>
+                  </a:schemeClr>
+                </a:solidFill>
+                <a:latin typeface="+mn-lt"/>
+                <a:ea typeface="+mn-ea"/>
+                <a:cs typeface="+mn-cs"/>
+              </a:defRPr>
+            </a:lvl3pPr>
+            <a:lvl4pPr marL="1371600" indent="0" algn="ctr" defTabSz="457200" rtl="0" eaLnBrk="1" latinLnBrk="0" hangingPunct="1">
+              <a:spcBef>
+                <a:spcPts val="1000"/>
+              </a:spcBef>
+              <a:spcAft>
+                <a:spcPts val="0"/>
+              </a:spcAft>
+              <a:buClr>
+                <a:schemeClr val="accent1"/>
+              </a:buClr>
+              <a:buFont typeface="Wingdings 3" charset="2"/>
+              <a:buNone/>
+              <a:defRPr sz="1200" kern="1200">
+                <a:solidFill>
+                  <a:schemeClr val="tx1">
+                    <a:tint val="75000"/>
+                  </a:schemeClr>
+                </a:solidFill>
+                <a:latin typeface="+mn-lt"/>
+                <a:ea typeface="+mn-ea"/>
+                <a:cs typeface="+mn-cs"/>
+              </a:defRPr>
+            </a:lvl4pPr>
+            <a:lvl5pPr marL="1828800" indent="0" algn="ctr" defTabSz="457200" rtl="0" eaLnBrk="1" latinLnBrk="0" hangingPunct="1">
+              <a:spcBef>
+                <a:spcPts val="1000"/>
+              </a:spcBef>
+              <a:spcAft>
+                <a:spcPts val="0"/>
+              </a:spcAft>
+              <a:buClr>
+                <a:schemeClr val="accent1"/>
+              </a:buClr>
+              <a:buFont typeface="Wingdings 3" charset="2"/>
+              <a:buNone/>
+              <a:defRPr sz="1200" kern="1200">
+                <a:solidFill>
+                  <a:schemeClr val="tx1">
+                    <a:tint val="75000"/>
+                  </a:schemeClr>
+                </a:solidFill>
+                <a:latin typeface="+mn-lt"/>
+                <a:ea typeface="+mn-ea"/>
+                <a:cs typeface="+mn-cs"/>
+              </a:defRPr>
+            </a:lvl5pPr>
+            <a:lvl6pPr marL="2286000" indent="0" algn="ctr" defTabSz="457200" rtl="0" eaLnBrk="1" latinLnBrk="0" hangingPunct="1">
+              <a:spcBef>
+                <a:spcPts val="1000"/>
+              </a:spcBef>
+              <a:spcAft>
+                <a:spcPts val="0"/>
+              </a:spcAft>
+              <a:buClr>
+                <a:schemeClr val="accent1"/>
+              </a:buClr>
+              <a:buFont typeface="Wingdings 3" charset="2"/>
+              <a:buNone/>
+              <a:defRPr sz="1200" kern="1200">
+                <a:solidFill>
+                  <a:schemeClr val="tx1">
+                    <a:tint val="75000"/>
+                  </a:schemeClr>
+                </a:solidFill>
+                <a:latin typeface="+mn-lt"/>
+                <a:ea typeface="+mn-ea"/>
+                <a:cs typeface="+mn-cs"/>
+              </a:defRPr>
+            </a:lvl6pPr>
+            <a:lvl7pPr marL="2743200" indent="0" algn="ctr" defTabSz="457200" rtl="0" eaLnBrk="1" latinLnBrk="0" hangingPunct="1">
+              <a:spcBef>
+                <a:spcPts val="1000"/>
+              </a:spcBef>
+              <a:spcAft>
+                <a:spcPts val="0"/>
+              </a:spcAft>
+              <a:buClr>
+                <a:schemeClr val="accent1"/>
+              </a:buClr>
+              <a:buFont typeface="Wingdings 3" charset="2"/>
+              <a:buNone/>
+              <a:defRPr sz="1200" kern="1200">
+                <a:solidFill>
+                  <a:schemeClr val="tx1">
+                    <a:tint val="75000"/>
+                  </a:schemeClr>
+                </a:solidFill>
+                <a:latin typeface="+mn-lt"/>
+                <a:ea typeface="+mn-ea"/>
+                <a:cs typeface="+mn-cs"/>
+              </a:defRPr>
+            </a:lvl7pPr>
+            <a:lvl8pPr marL="3200400" indent="0" algn="ctr" defTabSz="457200" rtl="0" eaLnBrk="1" latinLnBrk="0" hangingPunct="1">
+              <a:spcBef>
+                <a:spcPts val="1000"/>
+              </a:spcBef>
+              <a:spcAft>
+                <a:spcPts val="0"/>
+              </a:spcAft>
+              <a:buClr>
+                <a:schemeClr val="accent1"/>
+              </a:buClr>
+              <a:buFont typeface="Wingdings 3" charset="2"/>
+              <a:buNone/>
+              <a:defRPr sz="1200" kern="1200">
+                <a:solidFill>
+                  <a:schemeClr val="tx1">
+                    <a:tint val="75000"/>
+                  </a:schemeClr>
+                </a:solidFill>
+                <a:latin typeface="+mn-lt"/>
+                <a:ea typeface="+mn-ea"/>
+                <a:cs typeface="+mn-cs"/>
+              </a:defRPr>
+            </a:lvl8pPr>
+            <a:lvl9pPr marL="3657600" indent="0" algn="ctr" defTabSz="457200" rtl="0" eaLnBrk="1" latinLnBrk="0" hangingPunct="1">
+              <a:spcBef>
+                <a:spcPts val="1000"/>
+              </a:spcBef>
+              <a:spcAft>
+                <a:spcPts val="0"/>
+              </a:spcAft>
+              <a:buClr>
+                <a:schemeClr val="accent1"/>
+              </a:buClr>
+              <a:buFont typeface="Wingdings 3" charset="2"/>
+              <a:buNone/>
+              <a:defRPr sz="1200" kern="1200">
+                <a:solidFill>
+                  <a:schemeClr val="tx1">
+                    <a:tint val="75000"/>
+                  </a:schemeClr>
+                </a:solidFill>
+                <a:latin typeface="+mn-lt"/>
+                <a:ea typeface="+mn-ea"/>
+                <a:cs typeface="+mn-cs"/>
+              </a:defRPr>
+            </a:lvl9pPr>
+          </a:lstStyle>
+          <a:p>
+            <a:pPr>
+              <a:lnSpc>
+                <a:spcPct val="90000"/>
+              </a:lnSpc>
+            </a:pPr>
+            <a:r>
+              <a:rPr lang="en-US" sz="1400" dirty="0">
+                <a:solidFill>
+                  <a:schemeClr val="tx1"/>
+                </a:solidFill>
+              </a:rPr>
+              <a:t>10 </a:t>
+            </a:r>
+            <a:r>
+              <a:rPr lang="en-US" sz="1400" dirty="0" err="1">
+                <a:solidFill>
+                  <a:schemeClr val="tx1"/>
+                </a:solidFill>
+              </a:rPr>
+              <a:t>Sln</a:t>
+            </a:r>
+            <a:r>
+              <a:rPr lang="en-US" sz="1400" dirty="0">
+                <a:solidFill>
+                  <a:schemeClr val="tx1"/>
+                </a:solidFill>
+              </a:rPr>
+              <a:t>: </a:t>
+            </a:r>
+          </a:p>
+          <a:p>
+            <a:pPr>
+              <a:lnSpc>
+                <a:spcPct val="90000"/>
+              </a:lnSpc>
+            </a:pPr>
+            <a:r>
+              <a:rPr lang="en-US" sz="1400" dirty="0">
+                <a:solidFill>
+                  <a:schemeClr val="tx1"/>
+                </a:solidFill>
+              </a:rPr>
+              <a:t>print("*****")</a:t>
+            </a:r>
+          </a:p>
+          <a:p>
+            <a:pPr>
+              <a:lnSpc>
+                <a:spcPct val="90000"/>
+              </a:lnSpc>
+            </a:pPr>
+            <a:r>
+              <a:rPr lang="en-US" sz="1400" dirty="0">
+                <a:solidFill>
+                  <a:schemeClr val="tx1"/>
+                </a:solidFill>
+              </a:rPr>
+              <a:t>print("*    *")</a:t>
+            </a:r>
+          </a:p>
+          <a:p>
+            <a:pPr>
+              <a:lnSpc>
+                <a:spcPct val="90000"/>
+              </a:lnSpc>
+            </a:pPr>
+            <a:r>
+              <a:rPr lang="en-US" sz="1400" dirty="0">
+                <a:solidFill>
+                  <a:schemeClr val="tx1"/>
+                </a:solidFill>
+              </a:rPr>
+              <a:t>print("*    *")</a:t>
+            </a:r>
+          </a:p>
+          <a:p>
+            <a:pPr>
+              <a:lnSpc>
+                <a:spcPct val="90000"/>
+              </a:lnSpc>
+            </a:pPr>
+            <a:r>
+              <a:rPr lang="en-US" sz="1400" dirty="0">
+                <a:solidFill>
+                  <a:schemeClr val="tx1"/>
+                </a:solidFill>
+              </a:rPr>
+              <a:t>print("*    *")</a:t>
+            </a:r>
+          </a:p>
+          <a:p>
+            <a:pPr>
+              <a:lnSpc>
+                <a:spcPct val="90000"/>
+              </a:lnSpc>
+            </a:pPr>
+            <a:r>
+              <a:rPr lang="en-US" sz="1400" dirty="0">
+                <a:solidFill>
+                  <a:schemeClr val="tx1"/>
+                </a:solidFill>
+              </a:rPr>
+              <a:t>print("*****")</a:t>
+            </a:r>
+          </a:p>
+          <a:p>
+            <a:pPr>
+              <a:lnSpc>
+                <a:spcPct val="90000"/>
+              </a:lnSpc>
+            </a:pPr>
+            <a:r>
+              <a:rPr lang="en-US" sz="1400" dirty="0">
+                <a:solidFill>
+                  <a:schemeClr val="tx1"/>
+                </a:solidFill>
+              </a:rPr>
+              <a:t>11. </a:t>
+            </a:r>
+            <a:r>
+              <a:rPr lang="en-US" sz="1400" dirty="0" err="1">
+                <a:solidFill>
+                  <a:schemeClr val="tx1"/>
+                </a:solidFill>
+              </a:rPr>
+              <a:t>Sln</a:t>
+            </a:r>
+            <a:r>
+              <a:rPr lang="en-US" sz="1400" dirty="0">
+                <a:solidFill>
+                  <a:schemeClr val="tx1"/>
+                </a:solidFill>
+              </a:rPr>
+              <a:t>:</a:t>
+            </a:r>
+          </a:p>
+          <a:p>
+            <a:pPr>
+              <a:lnSpc>
+                <a:spcPct val="90000"/>
+              </a:lnSpc>
+            </a:pPr>
+            <a:r>
+              <a:rPr lang="en-US" sz="1400" dirty="0">
+                <a:solidFill>
+                  <a:schemeClr val="tx1"/>
+                </a:solidFill>
+              </a:rPr>
+              <a:t>print("*   *")</a:t>
+            </a:r>
+          </a:p>
+          <a:p>
+            <a:pPr>
+              <a:lnSpc>
+                <a:spcPct val="90000"/>
+              </a:lnSpc>
+            </a:pPr>
+            <a:r>
+              <a:rPr lang="en-US" sz="1400" dirty="0">
+                <a:solidFill>
+                  <a:schemeClr val="tx1"/>
+                </a:solidFill>
+              </a:rPr>
+              <a:t>print(" * * ")</a:t>
+            </a:r>
+          </a:p>
+          <a:p>
+            <a:pPr>
+              <a:lnSpc>
+                <a:spcPct val="90000"/>
+              </a:lnSpc>
+            </a:pPr>
+            <a:r>
+              <a:rPr lang="en-US" sz="1400" dirty="0">
+                <a:solidFill>
+                  <a:schemeClr val="tx1"/>
+                </a:solidFill>
+              </a:rPr>
+              <a:t>print("  *  ")</a:t>
+            </a:r>
+          </a:p>
+          <a:p>
+            <a:pPr>
+              <a:lnSpc>
+                <a:spcPct val="90000"/>
+              </a:lnSpc>
+            </a:pPr>
+            <a:r>
+              <a:rPr lang="en-US" sz="1400" dirty="0">
+                <a:solidFill>
+                  <a:schemeClr val="tx1"/>
+                </a:solidFill>
+              </a:rPr>
+              <a:t>print(" * * ")</a:t>
+            </a:r>
+          </a:p>
+          <a:p>
+            <a:pPr>
+              <a:lnSpc>
+                <a:spcPct val="90000"/>
+              </a:lnSpc>
+            </a:pPr>
+            <a:r>
+              <a:rPr lang="en-US" sz="1400" dirty="0">
+                <a:solidFill>
+                  <a:schemeClr val="tx1"/>
+                </a:solidFill>
+              </a:rPr>
+              <a:t>print("*   *")</a:t>
+            </a:r>
+          </a:p>
+          <a:p>
+            <a:pPr>
+              <a:lnSpc>
+                <a:spcPct val="90000"/>
+              </a:lnSpc>
+            </a:pPr>
+            <a:endParaRPr lang="en-US" sz="1400" dirty="0">
+              <a:solidFill>
+                <a:schemeClr val="tx1"/>
+              </a:solidFill>
+            </a:endParaRPr>
+          </a:p>
+        </p:txBody>
+      </p:sp>
+      <p:sp>
+        <p:nvSpPr>
+          <p:cNvPr id="12" name="Subtitle 2">
+            <a:extLst>
+              <a:ext uri="{FF2B5EF4-FFF2-40B4-BE49-F238E27FC236}">
+                <a16:creationId xmlns:a16="http://schemas.microsoft.com/office/drawing/2014/main" id="{DC2B8607-119B-F4D9-C758-6DE5DCB56D06}"/>
+              </a:ext>
+            </a:extLst>
+          </p:cNvPr>
+          <p:cNvSpPr txBox="1">
+            <a:spLocks/>
+          </p:cNvSpPr>
+          <p:nvPr/>
+        </p:nvSpPr>
+        <p:spPr>
+          <a:xfrm>
+            <a:off x="7334717" y="2377978"/>
+            <a:ext cx="1931204" cy="3568178"/>
+          </a:xfrm>
+          <a:prstGeom prst="rect">
+            <a:avLst/>
+          </a:prstGeom>
+        </p:spPr>
+        <p:txBody>
+          <a:bodyPr vert="horz" lIns="91440" tIns="45720" rIns="91440" bIns="45720" rtlCol="0" anchor="t">
+            <a:normAutofit/>
+          </a:bodyPr>
+          <a:lstStyle>
+            <a:lvl1pPr marL="0" indent="0" algn="l" defTabSz="457200" rtl="0" eaLnBrk="1" latinLnBrk="0" hangingPunct="1">
+              <a:spcBef>
+                <a:spcPts val="1000"/>
+              </a:spcBef>
+              <a:spcAft>
+                <a:spcPts val="0"/>
+              </a:spcAft>
+              <a:buClr>
+                <a:schemeClr val="accent1"/>
+              </a:buClr>
+              <a:buFont typeface="Wingdings 3" charset="2"/>
+              <a:buNone/>
+              <a:defRPr sz="1800" kern="1200">
+                <a:solidFill>
+                  <a:schemeClr val="tx1">
+                    <a:lumMod val="65000"/>
+                    <a:lumOff val="35000"/>
+                  </a:schemeClr>
+                </a:solidFill>
+                <a:latin typeface="+mn-lt"/>
+                <a:ea typeface="+mn-ea"/>
+                <a:cs typeface="+mn-cs"/>
+              </a:defRPr>
+            </a:lvl1pPr>
+            <a:lvl2pPr marL="457200" indent="0" algn="ctr" defTabSz="457200" rtl="0" eaLnBrk="1" latinLnBrk="0" hangingPunct="1">
+              <a:spcBef>
+                <a:spcPts val="1000"/>
+              </a:spcBef>
+              <a:spcAft>
+                <a:spcPts val="0"/>
+              </a:spcAft>
+              <a:buClr>
+                <a:schemeClr val="accent1"/>
+              </a:buClr>
+              <a:buFont typeface="Wingdings 3" charset="2"/>
+              <a:buNone/>
+              <a:defRPr sz="1600" kern="1200">
+                <a:solidFill>
+                  <a:schemeClr val="tx1">
+                    <a:tint val="75000"/>
+                  </a:schemeClr>
+                </a:solidFill>
+                <a:latin typeface="+mn-lt"/>
+                <a:ea typeface="+mn-ea"/>
+                <a:cs typeface="+mn-cs"/>
+              </a:defRPr>
+            </a:lvl2pPr>
+            <a:lvl3pPr marL="914400" indent="0" algn="ctr" defTabSz="457200" rtl="0" eaLnBrk="1" latinLnBrk="0" hangingPunct="1">
+              <a:spcBef>
+                <a:spcPts val="1000"/>
+              </a:spcBef>
+              <a:spcAft>
+                <a:spcPts val="0"/>
+              </a:spcAft>
+              <a:buClr>
+                <a:schemeClr val="accent1"/>
+              </a:buClr>
+              <a:buFont typeface="Wingdings 3" charset="2"/>
+              <a:buNone/>
+              <a:defRPr sz="1400" kern="1200">
+                <a:solidFill>
+                  <a:schemeClr val="tx1">
+                    <a:tint val="75000"/>
+                  </a:schemeClr>
+                </a:solidFill>
+                <a:latin typeface="+mn-lt"/>
+                <a:ea typeface="+mn-ea"/>
+                <a:cs typeface="+mn-cs"/>
+              </a:defRPr>
+            </a:lvl3pPr>
+            <a:lvl4pPr marL="1371600" indent="0" algn="ctr" defTabSz="457200" rtl="0" eaLnBrk="1" latinLnBrk="0" hangingPunct="1">
+              <a:spcBef>
+                <a:spcPts val="1000"/>
+              </a:spcBef>
+              <a:spcAft>
+                <a:spcPts val="0"/>
+              </a:spcAft>
+              <a:buClr>
+                <a:schemeClr val="accent1"/>
+              </a:buClr>
+              <a:buFont typeface="Wingdings 3" charset="2"/>
+              <a:buNone/>
+              <a:defRPr sz="1200" kern="1200">
+                <a:solidFill>
+                  <a:schemeClr val="tx1">
+                    <a:tint val="75000"/>
+                  </a:schemeClr>
+                </a:solidFill>
+                <a:latin typeface="+mn-lt"/>
+                <a:ea typeface="+mn-ea"/>
+                <a:cs typeface="+mn-cs"/>
+              </a:defRPr>
+            </a:lvl4pPr>
+            <a:lvl5pPr marL="1828800" indent="0" algn="ctr" defTabSz="457200" rtl="0" eaLnBrk="1" latinLnBrk="0" hangingPunct="1">
+              <a:spcBef>
+                <a:spcPts val="1000"/>
+              </a:spcBef>
+              <a:spcAft>
+                <a:spcPts val="0"/>
+              </a:spcAft>
+              <a:buClr>
+                <a:schemeClr val="accent1"/>
+              </a:buClr>
+              <a:buFont typeface="Wingdings 3" charset="2"/>
+              <a:buNone/>
+              <a:defRPr sz="1200" kern="1200">
+                <a:solidFill>
+                  <a:schemeClr val="tx1">
+                    <a:tint val="75000"/>
+                  </a:schemeClr>
+                </a:solidFill>
+                <a:latin typeface="+mn-lt"/>
+                <a:ea typeface="+mn-ea"/>
+                <a:cs typeface="+mn-cs"/>
+              </a:defRPr>
+            </a:lvl5pPr>
+            <a:lvl6pPr marL="2286000" indent="0" algn="ctr" defTabSz="457200" rtl="0" eaLnBrk="1" latinLnBrk="0" hangingPunct="1">
+              <a:spcBef>
+                <a:spcPts val="1000"/>
+              </a:spcBef>
+              <a:spcAft>
+                <a:spcPts val="0"/>
+              </a:spcAft>
+              <a:buClr>
+                <a:schemeClr val="accent1"/>
+              </a:buClr>
+              <a:buFont typeface="Wingdings 3" charset="2"/>
+              <a:buNone/>
+              <a:defRPr sz="1200" kern="1200">
+                <a:solidFill>
+                  <a:schemeClr val="tx1">
+                    <a:tint val="75000"/>
+                  </a:schemeClr>
+                </a:solidFill>
+                <a:latin typeface="+mn-lt"/>
+                <a:ea typeface="+mn-ea"/>
+                <a:cs typeface="+mn-cs"/>
+              </a:defRPr>
+            </a:lvl6pPr>
+            <a:lvl7pPr marL="2743200" indent="0" algn="ctr" defTabSz="457200" rtl="0" eaLnBrk="1" latinLnBrk="0" hangingPunct="1">
+              <a:spcBef>
+                <a:spcPts val="1000"/>
+              </a:spcBef>
+              <a:spcAft>
+                <a:spcPts val="0"/>
+              </a:spcAft>
+              <a:buClr>
+                <a:schemeClr val="accent1"/>
+              </a:buClr>
+              <a:buFont typeface="Wingdings 3" charset="2"/>
+              <a:buNone/>
+              <a:defRPr sz="1200" kern="1200">
+                <a:solidFill>
+                  <a:schemeClr val="tx1">
+                    <a:tint val="75000"/>
+                  </a:schemeClr>
+                </a:solidFill>
+                <a:latin typeface="+mn-lt"/>
+                <a:ea typeface="+mn-ea"/>
+                <a:cs typeface="+mn-cs"/>
+              </a:defRPr>
+            </a:lvl7pPr>
+            <a:lvl8pPr marL="3200400" indent="0" algn="ctr" defTabSz="457200" rtl="0" eaLnBrk="1" latinLnBrk="0" hangingPunct="1">
+              <a:spcBef>
+                <a:spcPts val="1000"/>
+              </a:spcBef>
+              <a:spcAft>
+                <a:spcPts val="0"/>
+              </a:spcAft>
+              <a:buClr>
+                <a:schemeClr val="accent1"/>
+              </a:buClr>
+              <a:buFont typeface="Wingdings 3" charset="2"/>
+              <a:buNone/>
+              <a:defRPr sz="1200" kern="1200">
+                <a:solidFill>
+                  <a:schemeClr val="tx1">
+                    <a:tint val="75000"/>
+                  </a:schemeClr>
+                </a:solidFill>
+                <a:latin typeface="+mn-lt"/>
+                <a:ea typeface="+mn-ea"/>
+                <a:cs typeface="+mn-cs"/>
+              </a:defRPr>
+            </a:lvl8pPr>
+            <a:lvl9pPr marL="3657600" indent="0" algn="ctr" defTabSz="457200" rtl="0" eaLnBrk="1" latinLnBrk="0" hangingPunct="1">
+              <a:spcBef>
+                <a:spcPts val="1000"/>
+              </a:spcBef>
+              <a:spcAft>
+                <a:spcPts val="0"/>
+              </a:spcAft>
+              <a:buClr>
+                <a:schemeClr val="accent1"/>
+              </a:buClr>
+              <a:buFont typeface="Wingdings 3" charset="2"/>
+              <a:buNone/>
+              <a:defRPr sz="1200" kern="1200">
+                <a:solidFill>
+                  <a:schemeClr val="tx1">
+                    <a:tint val="75000"/>
+                  </a:schemeClr>
+                </a:solidFill>
+                <a:latin typeface="+mn-lt"/>
+                <a:ea typeface="+mn-ea"/>
+                <a:cs typeface="+mn-cs"/>
+              </a:defRPr>
+            </a:lvl9pPr>
+          </a:lstStyle>
+          <a:p>
+            <a:pPr>
+              <a:lnSpc>
+                <a:spcPct val="90000"/>
+              </a:lnSpc>
+            </a:pPr>
+            <a:r>
+              <a:rPr lang="en-US" sz="1500" dirty="0">
+                <a:solidFill>
+                  <a:schemeClr val="tx1"/>
+                </a:solidFill>
+              </a:rPr>
+              <a:t>12 </a:t>
+            </a:r>
+            <a:r>
+              <a:rPr lang="en-US" sz="1500" dirty="0" err="1">
+                <a:solidFill>
+                  <a:schemeClr val="tx1"/>
+                </a:solidFill>
+              </a:rPr>
+              <a:t>Sln</a:t>
+            </a:r>
+            <a:r>
+              <a:rPr lang="en-US" sz="1500" dirty="0">
+                <a:solidFill>
+                  <a:schemeClr val="tx1"/>
+                </a:solidFill>
+              </a:rPr>
+              <a:t>:</a:t>
+            </a:r>
+          </a:p>
+          <a:p>
+            <a:pPr>
+              <a:lnSpc>
+                <a:spcPct val="90000"/>
+              </a:lnSpc>
+            </a:pPr>
+            <a:r>
+              <a:rPr lang="en-US" sz="1500" dirty="0">
+                <a:solidFill>
+                  <a:schemeClr val="tx1"/>
+                </a:solidFill>
+              </a:rPr>
+              <a:t>print("    *    ")</a:t>
+            </a:r>
+          </a:p>
+          <a:p>
+            <a:pPr>
+              <a:lnSpc>
+                <a:spcPct val="90000"/>
+              </a:lnSpc>
+            </a:pPr>
+            <a:r>
+              <a:rPr lang="en-US" sz="1500" dirty="0">
+                <a:solidFill>
+                  <a:schemeClr val="tx1"/>
+                </a:solidFill>
+              </a:rPr>
+              <a:t>print("   * *   ")</a:t>
+            </a:r>
+          </a:p>
+          <a:p>
+            <a:pPr>
+              <a:lnSpc>
+                <a:spcPct val="90000"/>
+              </a:lnSpc>
+            </a:pPr>
+            <a:r>
+              <a:rPr lang="en-US" sz="1500" dirty="0">
+                <a:solidFill>
+                  <a:schemeClr val="tx1"/>
+                </a:solidFill>
+              </a:rPr>
+              <a:t>print("  *   *  ")</a:t>
+            </a:r>
+          </a:p>
+          <a:p>
+            <a:pPr>
+              <a:lnSpc>
+                <a:spcPct val="90000"/>
+              </a:lnSpc>
+            </a:pPr>
+            <a:r>
+              <a:rPr lang="en-US" sz="1500" dirty="0">
+                <a:solidFill>
+                  <a:schemeClr val="tx1"/>
+                </a:solidFill>
+              </a:rPr>
+              <a:t>print(" *     * ")</a:t>
+            </a:r>
+          </a:p>
+          <a:p>
+            <a:pPr>
+              <a:lnSpc>
+                <a:spcPct val="90000"/>
+              </a:lnSpc>
+            </a:pPr>
+            <a:r>
+              <a:rPr lang="en-US" sz="1500" dirty="0">
+                <a:solidFill>
+                  <a:schemeClr val="tx1"/>
+                </a:solidFill>
+              </a:rPr>
+              <a:t>print("*       *")</a:t>
+            </a:r>
+          </a:p>
+          <a:p>
+            <a:pPr>
+              <a:lnSpc>
+                <a:spcPct val="90000"/>
+              </a:lnSpc>
+            </a:pPr>
+            <a:r>
+              <a:rPr lang="en-US" sz="1500" dirty="0">
+                <a:solidFill>
+                  <a:schemeClr val="tx1"/>
+                </a:solidFill>
+              </a:rPr>
+              <a:t>print(" *     * ")</a:t>
+            </a:r>
+          </a:p>
+          <a:p>
+            <a:pPr>
+              <a:lnSpc>
+                <a:spcPct val="90000"/>
+              </a:lnSpc>
+            </a:pPr>
+            <a:r>
+              <a:rPr lang="en-US" sz="1500" dirty="0">
+                <a:solidFill>
+                  <a:schemeClr val="tx1"/>
+                </a:solidFill>
+              </a:rPr>
+              <a:t>print("  *   *  ")</a:t>
+            </a:r>
+          </a:p>
+          <a:p>
+            <a:pPr>
+              <a:lnSpc>
+                <a:spcPct val="90000"/>
+              </a:lnSpc>
+            </a:pPr>
+            <a:r>
+              <a:rPr lang="en-US" sz="1500" dirty="0">
+                <a:solidFill>
+                  <a:schemeClr val="tx1"/>
+                </a:solidFill>
+              </a:rPr>
+              <a:t>print("   * *   ")</a:t>
+            </a:r>
+          </a:p>
+          <a:p>
+            <a:pPr>
+              <a:lnSpc>
+                <a:spcPct val="90000"/>
+              </a:lnSpc>
+            </a:pPr>
+            <a:r>
+              <a:rPr lang="en-US" sz="1500" dirty="0">
+                <a:solidFill>
+                  <a:schemeClr val="tx1"/>
+                </a:solidFill>
+              </a:rPr>
+              <a:t>print("    *    ")</a:t>
+            </a:r>
+          </a:p>
+          <a:p>
+            <a:pPr>
+              <a:lnSpc>
+                <a:spcPct val="90000"/>
+              </a:lnSpc>
+            </a:pPr>
+            <a:endParaRPr lang="en-US" sz="1500" dirty="0">
+              <a:solidFill>
+                <a:schemeClr val="tx1"/>
+              </a:solidFill>
+            </a:endParaRPr>
+          </a:p>
+        </p:txBody>
+      </p:sp>
+      <p:sp>
+        <p:nvSpPr>
+          <p:cNvPr id="13" name="Subtitle 2">
+            <a:extLst>
+              <a:ext uri="{FF2B5EF4-FFF2-40B4-BE49-F238E27FC236}">
+                <a16:creationId xmlns:a16="http://schemas.microsoft.com/office/drawing/2014/main" id="{08FF4B3A-9BDE-5BEB-EAA3-A439D0EC16DC}"/>
+              </a:ext>
+            </a:extLst>
+          </p:cNvPr>
+          <p:cNvSpPr txBox="1">
+            <a:spLocks/>
+          </p:cNvSpPr>
+          <p:nvPr/>
+        </p:nvSpPr>
+        <p:spPr>
+          <a:xfrm>
+            <a:off x="9093178" y="2377978"/>
+            <a:ext cx="2270757" cy="3568178"/>
+          </a:xfrm>
+          <a:prstGeom prst="rect">
+            <a:avLst/>
+          </a:prstGeom>
+        </p:spPr>
+        <p:txBody>
+          <a:bodyPr vert="horz" lIns="91440" tIns="45720" rIns="91440" bIns="45720" rtlCol="0" anchor="t">
+            <a:normAutofit/>
+          </a:bodyPr>
+          <a:lstStyle>
+            <a:lvl1pPr marL="0" indent="0" algn="l" defTabSz="457200" rtl="0" eaLnBrk="1" latinLnBrk="0" hangingPunct="1">
+              <a:spcBef>
+                <a:spcPts val="1000"/>
+              </a:spcBef>
+              <a:spcAft>
+                <a:spcPts val="0"/>
+              </a:spcAft>
+              <a:buClr>
+                <a:schemeClr val="accent1"/>
+              </a:buClr>
+              <a:buFont typeface="Wingdings 3" charset="2"/>
+              <a:buNone/>
+              <a:defRPr sz="1800" kern="1200">
+                <a:solidFill>
+                  <a:schemeClr val="tx1">
+                    <a:lumMod val="65000"/>
+                    <a:lumOff val="35000"/>
+                  </a:schemeClr>
+                </a:solidFill>
+                <a:latin typeface="+mn-lt"/>
+                <a:ea typeface="+mn-ea"/>
+                <a:cs typeface="+mn-cs"/>
+              </a:defRPr>
+            </a:lvl1pPr>
+            <a:lvl2pPr marL="457200" indent="0" algn="ctr" defTabSz="457200" rtl="0" eaLnBrk="1" latinLnBrk="0" hangingPunct="1">
+              <a:spcBef>
+                <a:spcPts val="1000"/>
+              </a:spcBef>
+              <a:spcAft>
+                <a:spcPts val="0"/>
+              </a:spcAft>
+              <a:buClr>
+                <a:schemeClr val="accent1"/>
+              </a:buClr>
+              <a:buFont typeface="Wingdings 3" charset="2"/>
+              <a:buNone/>
+              <a:defRPr sz="1600" kern="1200">
+                <a:solidFill>
+                  <a:schemeClr val="tx1">
+                    <a:tint val="75000"/>
+                  </a:schemeClr>
+                </a:solidFill>
+                <a:latin typeface="+mn-lt"/>
+                <a:ea typeface="+mn-ea"/>
+                <a:cs typeface="+mn-cs"/>
+              </a:defRPr>
+            </a:lvl2pPr>
+            <a:lvl3pPr marL="914400" indent="0" algn="ctr" defTabSz="457200" rtl="0" eaLnBrk="1" latinLnBrk="0" hangingPunct="1">
+              <a:spcBef>
+                <a:spcPts val="1000"/>
+              </a:spcBef>
+              <a:spcAft>
+                <a:spcPts val="0"/>
+              </a:spcAft>
+              <a:buClr>
+                <a:schemeClr val="accent1"/>
+              </a:buClr>
+              <a:buFont typeface="Wingdings 3" charset="2"/>
+              <a:buNone/>
+              <a:defRPr sz="1400" kern="1200">
+                <a:solidFill>
+                  <a:schemeClr val="tx1">
+                    <a:tint val="75000"/>
+                  </a:schemeClr>
+                </a:solidFill>
+                <a:latin typeface="+mn-lt"/>
+                <a:ea typeface="+mn-ea"/>
+                <a:cs typeface="+mn-cs"/>
+              </a:defRPr>
+            </a:lvl3pPr>
+            <a:lvl4pPr marL="1371600" indent="0" algn="ctr" defTabSz="457200" rtl="0" eaLnBrk="1" latinLnBrk="0" hangingPunct="1">
+              <a:spcBef>
+                <a:spcPts val="1000"/>
+              </a:spcBef>
+              <a:spcAft>
+                <a:spcPts val="0"/>
+              </a:spcAft>
+              <a:buClr>
+                <a:schemeClr val="accent1"/>
+              </a:buClr>
+              <a:buFont typeface="Wingdings 3" charset="2"/>
+              <a:buNone/>
+              <a:defRPr sz="1200" kern="1200">
+                <a:solidFill>
+                  <a:schemeClr val="tx1">
+                    <a:tint val="75000"/>
+                  </a:schemeClr>
+                </a:solidFill>
+                <a:latin typeface="+mn-lt"/>
+                <a:ea typeface="+mn-ea"/>
+                <a:cs typeface="+mn-cs"/>
+              </a:defRPr>
+            </a:lvl4pPr>
+            <a:lvl5pPr marL="1828800" indent="0" algn="ctr" defTabSz="457200" rtl="0" eaLnBrk="1" latinLnBrk="0" hangingPunct="1">
+              <a:spcBef>
+                <a:spcPts val="1000"/>
+              </a:spcBef>
+              <a:spcAft>
+                <a:spcPts val="0"/>
+              </a:spcAft>
+              <a:buClr>
+                <a:schemeClr val="accent1"/>
+              </a:buClr>
+              <a:buFont typeface="Wingdings 3" charset="2"/>
+              <a:buNone/>
+              <a:defRPr sz="1200" kern="1200">
+                <a:solidFill>
+                  <a:schemeClr val="tx1">
+                    <a:tint val="75000"/>
+                  </a:schemeClr>
+                </a:solidFill>
+                <a:latin typeface="+mn-lt"/>
+                <a:ea typeface="+mn-ea"/>
+                <a:cs typeface="+mn-cs"/>
+              </a:defRPr>
+            </a:lvl5pPr>
+            <a:lvl6pPr marL="2286000" indent="0" algn="ctr" defTabSz="457200" rtl="0" eaLnBrk="1" latinLnBrk="0" hangingPunct="1">
+              <a:spcBef>
+                <a:spcPts val="1000"/>
+              </a:spcBef>
+              <a:spcAft>
+                <a:spcPts val="0"/>
+              </a:spcAft>
+              <a:buClr>
+                <a:schemeClr val="accent1"/>
+              </a:buClr>
+              <a:buFont typeface="Wingdings 3" charset="2"/>
+              <a:buNone/>
+              <a:defRPr sz="1200" kern="1200">
+                <a:solidFill>
+                  <a:schemeClr val="tx1">
+                    <a:tint val="75000"/>
+                  </a:schemeClr>
+                </a:solidFill>
+                <a:latin typeface="+mn-lt"/>
+                <a:ea typeface="+mn-ea"/>
+                <a:cs typeface="+mn-cs"/>
+              </a:defRPr>
+            </a:lvl6pPr>
+            <a:lvl7pPr marL="2743200" indent="0" algn="ctr" defTabSz="457200" rtl="0" eaLnBrk="1" latinLnBrk="0" hangingPunct="1">
+              <a:spcBef>
+                <a:spcPts val="1000"/>
+              </a:spcBef>
+              <a:spcAft>
+                <a:spcPts val="0"/>
+              </a:spcAft>
+              <a:buClr>
+                <a:schemeClr val="accent1"/>
+              </a:buClr>
+              <a:buFont typeface="Wingdings 3" charset="2"/>
+              <a:buNone/>
+              <a:defRPr sz="1200" kern="1200">
+                <a:solidFill>
+                  <a:schemeClr val="tx1">
+                    <a:tint val="75000"/>
+                  </a:schemeClr>
+                </a:solidFill>
+                <a:latin typeface="+mn-lt"/>
+                <a:ea typeface="+mn-ea"/>
+                <a:cs typeface="+mn-cs"/>
+              </a:defRPr>
+            </a:lvl7pPr>
+            <a:lvl8pPr marL="3200400" indent="0" algn="ctr" defTabSz="457200" rtl="0" eaLnBrk="1" latinLnBrk="0" hangingPunct="1">
+              <a:spcBef>
+                <a:spcPts val="1000"/>
+              </a:spcBef>
+              <a:spcAft>
+                <a:spcPts val="0"/>
+              </a:spcAft>
+              <a:buClr>
+                <a:schemeClr val="accent1"/>
+              </a:buClr>
+              <a:buFont typeface="Wingdings 3" charset="2"/>
+              <a:buNone/>
+              <a:defRPr sz="1200" kern="1200">
+                <a:solidFill>
+                  <a:schemeClr val="tx1">
+                    <a:tint val="75000"/>
+                  </a:schemeClr>
+                </a:solidFill>
+                <a:latin typeface="+mn-lt"/>
+                <a:ea typeface="+mn-ea"/>
+                <a:cs typeface="+mn-cs"/>
+              </a:defRPr>
+            </a:lvl8pPr>
+            <a:lvl9pPr marL="3657600" indent="0" algn="ctr" defTabSz="457200" rtl="0" eaLnBrk="1" latinLnBrk="0" hangingPunct="1">
+              <a:spcBef>
+                <a:spcPts val="1000"/>
+              </a:spcBef>
+              <a:spcAft>
+                <a:spcPts val="0"/>
+              </a:spcAft>
+              <a:buClr>
+                <a:schemeClr val="accent1"/>
+              </a:buClr>
+              <a:buFont typeface="Wingdings 3" charset="2"/>
+              <a:buNone/>
+              <a:defRPr sz="1200" kern="1200">
+                <a:solidFill>
+                  <a:schemeClr val="tx1">
+                    <a:tint val="75000"/>
+                  </a:schemeClr>
+                </a:solidFill>
+                <a:latin typeface="+mn-lt"/>
+                <a:ea typeface="+mn-ea"/>
+                <a:cs typeface="+mn-cs"/>
+              </a:defRPr>
+            </a:lvl9pPr>
+          </a:lstStyle>
+          <a:p>
+            <a:pPr>
+              <a:lnSpc>
+                <a:spcPct val="90000"/>
+              </a:lnSpc>
+            </a:pPr>
+            <a:r>
+              <a:rPr lang="en-US" sz="1500" dirty="0">
+                <a:solidFill>
+                  <a:schemeClr val="tx1"/>
+                </a:solidFill>
+              </a:rPr>
+              <a:t>13. </a:t>
+            </a:r>
+            <a:r>
+              <a:rPr lang="en-US" sz="1500" dirty="0" err="1">
+                <a:solidFill>
+                  <a:schemeClr val="tx1"/>
+                </a:solidFill>
+              </a:rPr>
+              <a:t>Sln</a:t>
+            </a:r>
+            <a:r>
+              <a:rPr lang="en-US" sz="1500" dirty="0">
+                <a:solidFill>
+                  <a:schemeClr val="tx1"/>
+                </a:solidFill>
+              </a:rPr>
+              <a:t>:</a:t>
+            </a:r>
+          </a:p>
+          <a:p>
+            <a:pPr>
+              <a:lnSpc>
+                <a:spcPct val="90000"/>
+              </a:lnSpc>
+            </a:pPr>
+            <a:r>
+              <a:rPr lang="en-US" sz="1500" dirty="0">
+                <a:solidFill>
+                  <a:schemeClr val="tx1"/>
+                </a:solidFill>
+              </a:rPr>
+              <a:t>print("*     *     *     *")</a:t>
+            </a:r>
+          </a:p>
+          <a:p>
+            <a:pPr>
+              <a:lnSpc>
+                <a:spcPct val="90000"/>
+              </a:lnSpc>
+            </a:pPr>
+            <a:r>
+              <a:rPr lang="en-US" sz="1500" dirty="0">
+                <a:solidFill>
+                  <a:schemeClr val="tx1"/>
+                </a:solidFill>
+              </a:rPr>
+              <a:t>print(" *   * *   * *   * ")</a:t>
+            </a:r>
+          </a:p>
+          <a:p>
+            <a:pPr>
+              <a:lnSpc>
+                <a:spcPct val="90000"/>
+              </a:lnSpc>
+            </a:pPr>
+            <a:r>
+              <a:rPr lang="en-US" sz="1500" dirty="0">
+                <a:solidFill>
+                  <a:schemeClr val="tx1"/>
+                </a:solidFill>
+              </a:rPr>
+              <a:t>print("  * *   * *   * *  ")</a:t>
+            </a:r>
+          </a:p>
+          <a:p>
+            <a:pPr>
+              <a:lnSpc>
+                <a:spcPct val="90000"/>
+              </a:lnSpc>
+            </a:pPr>
+            <a:r>
+              <a:rPr lang="en-US" sz="1500" dirty="0">
+                <a:solidFill>
+                  <a:schemeClr val="tx1"/>
+                </a:solidFill>
+              </a:rPr>
+              <a:t>print("   *     *     *   ")</a:t>
+            </a:r>
+          </a:p>
+          <a:p>
+            <a:pPr>
+              <a:lnSpc>
+                <a:spcPct val="90000"/>
+              </a:lnSpc>
+            </a:pPr>
+            <a:endParaRPr lang="en-US" sz="1500" dirty="0">
+              <a:solidFill>
+                <a:schemeClr val="tx1"/>
+              </a:solidFill>
+            </a:endParaRPr>
+          </a:p>
+        </p:txBody>
+      </p:sp>
     </p:spTree>
     <p:extLst>
       <p:ext uri="{BB962C8B-B14F-4D97-AF65-F5344CB8AC3E}">
-        <p14:creationId xmlns:p14="http://schemas.microsoft.com/office/powerpoint/2010/main" val="1269699084"/>
+        <p14:creationId xmlns:p14="http://schemas.microsoft.com/office/powerpoint/2010/main" val="1974531962"/>
       </p:ext>
     </p:extLst>
   </p:cSld>
@@ -14459,7 +16335,7 @@
           <p:cNvPr id="2" name="Title 1">
             <a:extLst>
               <a:ext uri="{FF2B5EF4-FFF2-40B4-BE49-F238E27FC236}">
-                <a16:creationId xmlns:a16="http://schemas.microsoft.com/office/drawing/2014/main" id="{4B055FF9-E673-5EA6-DAE6-465134A58084}"/>
+                <a16:creationId xmlns:a16="http://schemas.microsoft.com/office/drawing/2014/main" id="{2C61FB2E-914D-F29F-2D15-E4281DA6E655}"/>
               </a:ext>
             </a:extLst>
           </p:cNvPr>
@@ -14472,8 +16348,8 @@
         </p:nvSpPr>
         <p:spPr>
           <a:xfrm>
-            <a:off x="2589213" y="1"/>
-            <a:ext cx="8915399" cy="1631852"/>
+            <a:off x="2589213" y="0"/>
+            <a:ext cx="8915399" cy="2262781"/>
           </a:xfrm>
         </p:spPr>
         <p:txBody>
@@ -14482,7 +16358,54 @@
           <a:p>
             <a:r>
               <a:rPr lang="en-US" dirty="0"/>
-              <a:t>Practical Exercises</a:t>
+              <a:t>Debugging Tips</a:t>
+            </a:r>
+          </a:p>
+        </p:txBody>
+      </p:sp>
+      <p:sp>
+        <p:nvSpPr>
+          <p:cNvPr id="3" name="Subtitle 2">
+            <a:extLst>
+              <a:ext uri="{FF2B5EF4-FFF2-40B4-BE49-F238E27FC236}">
+                <a16:creationId xmlns:a16="http://schemas.microsoft.com/office/drawing/2014/main" id="{6B2DD77A-9611-7392-DC2D-8CFD508E93C5}"/>
+              </a:ext>
+            </a:extLst>
+          </p:cNvPr>
+          <p:cNvSpPr>
+            <a:spLocks noGrp="1"/>
+          </p:cNvSpPr>
+          <p:nvPr>
+            <p:ph type="subTitle" idx="1"/>
+          </p:nvPr>
+        </p:nvSpPr>
+        <p:spPr>
+          <a:xfrm>
+            <a:off x="2589213" y="3010487"/>
+            <a:ext cx="8915399" cy="2893176"/>
+          </a:xfrm>
+        </p:spPr>
+        <p:txBody>
+          <a:bodyPr/>
+          <a:lstStyle/>
+          <a:p>
+            <a:r>
+              <a:rPr lang="en-US" dirty="0">
+                <a:solidFill>
+                  <a:schemeClr val="tx1"/>
+                </a:solidFill>
+              </a:rPr>
+              <a:t>Use print statements to debug.</a:t>
+            </a:r>
+          </a:p>
+          <a:p>
+            <a:r>
+              <a:rPr lang="en-US" dirty="0">
+                <a:solidFill>
+                  <a:schemeClr val="tx1"/>
+                </a:solidFill>
+              </a:rPr>
+              <a:t>Check variable values and types.</a:t>
             </a:r>
           </a:p>
         </p:txBody>
@@ -14492,7 +16415,7 @@
           <p:cNvPr id="4" name="Slide Number Placeholder 3">
             <a:extLst>
               <a:ext uri="{FF2B5EF4-FFF2-40B4-BE49-F238E27FC236}">
-                <a16:creationId xmlns:a16="http://schemas.microsoft.com/office/drawing/2014/main" id="{2E396DB7-A9FD-CC6E-4A48-D241DE24051F}"/>
+                <a16:creationId xmlns:a16="http://schemas.microsoft.com/office/drawing/2014/main" id="{FD76A327-0EE0-8D41-2D5A-92AC094E47B2}"/>
               </a:ext>
             </a:extLst>
           </p:cNvPr>
@@ -14518,890 +16441,10 @@
       </p:sp>
       <p:sp>
         <p:nvSpPr>
-          <p:cNvPr id="5" name="Subtitle 2">
+          <p:cNvPr id="5" name="Rectangle 4">
             <a:extLst>
               <a:ext uri="{FF2B5EF4-FFF2-40B4-BE49-F238E27FC236}">
-                <a16:creationId xmlns:a16="http://schemas.microsoft.com/office/drawing/2014/main" id="{7454EEA1-A671-744A-25C2-C19AA5D1384C}"/>
-              </a:ext>
-            </a:extLst>
-          </p:cNvPr>
-          <p:cNvSpPr txBox="1">
-            <a:spLocks/>
-          </p:cNvSpPr>
-          <p:nvPr/>
-        </p:nvSpPr>
-        <p:spPr>
-          <a:xfrm>
-            <a:off x="2389922" y="2377980"/>
-            <a:ext cx="2055468" cy="3821395"/>
-          </a:xfrm>
-          <a:prstGeom prst="rect">
-            <a:avLst/>
-          </a:prstGeom>
-        </p:spPr>
-        <p:txBody>
-          <a:bodyPr vert="horz" lIns="91440" tIns="45720" rIns="91440" bIns="45720" rtlCol="0" anchor="t">
-            <a:noAutofit/>
-          </a:bodyPr>
-          <a:lstStyle>
-            <a:lvl1pPr marL="0" indent="0" algn="l" defTabSz="457200" rtl="0" eaLnBrk="1" latinLnBrk="0" hangingPunct="1">
-              <a:spcBef>
-                <a:spcPts val="1000"/>
-              </a:spcBef>
-              <a:spcAft>
-                <a:spcPts val="0"/>
-              </a:spcAft>
-              <a:buClr>
-                <a:schemeClr val="accent1"/>
-              </a:buClr>
-              <a:buFont typeface="Wingdings 3" charset="2"/>
-              <a:buNone/>
-              <a:defRPr sz="1800" kern="1200">
-                <a:solidFill>
-                  <a:schemeClr val="tx1">
-                    <a:lumMod val="65000"/>
-                    <a:lumOff val="35000"/>
-                  </a:schemeClr>
-                </a:solidFill>
-                <a:latin typeface="+mn-lt"/>
-                <a:ea typeface="+mn-ea"/>
-                <a:cs typeface="+mn-cs"/>
-              </a:defRPr>
-            </a:lvl1pPr>
-            <a:lvl2pPr marL="457200" indent="0" algn="ctr" defTabSz="457200" rtl="0" eaLnBrk="1" latinLnBrk="0" hangingPunct="1">
-              <a:spcBef>
-                <a:spcPts val="1000"/>
-              </a:spcBef>
-              <a:spcAft>
-                <a:spcPts val="0"/>
-              </a:spcAft>
-              <a:buClr>
-                <a:schemeClr val="accent1"/>
-              </a:buClr>
-              <a:buFont typeface="Wingdings 3" charset="2"/>
-              <a:buNone/>
-              <a:defRPr sz="1600" kern="1200">
-                <a:solidFill>
-                  <a:schemeClr val="tx1">
-                    <a:tint val="75000"/>
-                  </a:schemeClr>
-                </a:solidFill>
-                <a:latin typeface="+mn-lt"/>
-                <a:ea typeface="+mn-ea"/>
-                <a:cs typeface="+mn-cs"/>
-              </a:defRPr>
-            </a:lvl2pPr>
-            <a:lvl3pPr marL="914400" indent="0" algn="ctr" defTabSz="457200" rtl="0" eaLnBrk="1" latinLnBrk="0" hangingPunct="1">
-              <a:spcBef>
-                <a:spcPts val="1000"/>
-              </a:spcBef>
-              <a:spcAft>
-                <a:spcPts val="0"/>
-              </a:spcAft>
-              <a:buClr>
-                <a:schemeClr val="accent1"/>
-              </a:buClr>
-              <a:buFont typeface="Wingdings 3" charset="2"/>
-              <a:buNone/>
-              <a:defRPr sz="1400" kern="1200">
-                <a:solidFill>
-                  <a:schemeClr val="tx1">
-                    <a:tint val="75000"/>
-                  </a:schemeClr>
-                </a:solidFill>
-                <a:latin typeface="+mn-lt"/>
-                <a:ea typeface="+mn-ea"/>
-                <a:cs typeface="+mn-cs"/>
-              </a:defRPr>
-            </a:lvl3pPr>
-            <a:lvl4pPr marL="1371600" indent="0" algn="ctr" defTabSz="457200" rtl="0" eaLnBrk="1" latinLnBrk="0" hangingPunct="1">
-              <a:spcBef>
-                <a:spcPts val="1000"/>
-              </a:spcBef>
-              <a:spcAft>
-                <a:spcPts val="0"/>
-              </a:spcAft>
-              <a:buClr>
-                <a:schemeClr val="accent1"/>
-              </a:buClr>
-              <a:buFont typeface="Wingdings 3" charset="2"/>
-              <a:buNone/>
-              <a:defRPr sz="1200" kern="1200">
-                <a:solidFill>
-                  <a:schemeClr val="tx1">
-                    <a:tint val="75000"/>
-                  </a:schemeClr>
-                </a:solidFill>
-                <a:latin typeface="+mn-lt"/>
-                <a:ea typeface="+mn-ea"/>
-                <a:cs typeface="+mn-cs"/>
-              </a:defRPr>
-            </a:lvl4pPr>
-            <a:lvl5pPr marL="1828800" indent="0" algn="ctr" defTabSz="457200" rtl="0" eaLnBrk="1" latinLnBrk="0" hangingPunct="1">
-              <a:spcBef>
-                <a:spcPts val="1000"/>
-              </a:spcBef>
-              <a:spcAft>
-                <a:spcPts val="0"/>
-              </a:spcAft>
-              <a:buClr>
-                <a:schemeClr val="accent1"/>
-              </a:buClr>
-              <a:buFont typeface="Wingdings 3" charset="2"/>
-              <a:buNone/>
-              <a:defRPr sz="1200" kern="1200">
-                <a:solidFill>
-                  <a:schemeClr val="tx1">
-                    <a:tint val="75000"/>
-                  </a:schemeClr>
-                </a:solidFill>
-                <a:latin typeface="+mn-lt"/>
-                <a:ea typeface="+mn-ea"/>
-                <a:cs typeface="+mn-cs"/>
-              </a:defRPr>
-            </a:lvl5pPr>
-            <a:lvl6pPr marL="2286000" indent="0" algn="ctr" defTabSz="457200" rtl="0" eaLnBrk="1" latinLnBrk="0" hangingPunct="1">
-              <a:spcBef>
-                <a:spcPts val="1000"/>
-              </a:spcBef>
-              <a:spcAft>
-                <a:spcPts val="0"/>
-              </a:spcAft>
-              <a:buClr>
-                <a:schemeClr val="accent1"/>
-              </a:buClr>
-              <a:buFont typeface="Wingdings 3" charset="2"/>
-              <a:buNone/>
-              <a:defRPr sz="1200" kern="1200">
-                <a:solidFill>
-                  <a:schemeClr val="tx1">
-                    <a:tint val="75000"/>
-                  </a:schemeClr>
-                </a:solidFill>
-                <a:latin typeface="+mn-lt"/>
-                <a:ea typeface="+mn-ea"/>
-                <a:cs typeface="+mn-cs"/>
-              </a:defRPr>
-            </a:lvl6pPr>
-            <a:lvl7pPr marL="2743200" indent="0" algn="ctr" defTabSz="457200" rtl="0" eaLnBrk="1" latinLnBrk="0" hangingPunct="1">
-              <a:spcBef>
-                <a:spcPts val="1000"/>
-              </a:spcBef>
-              <a:spcAft>
-                <a:spcPts val="0"/>
-              </a:spcAft>
-              <a:buClr>
-                <a:schemeClr val="accent1"/>
-              </a:buClr>
-              <a:buFont typeface="Wingdings 3" charset="2"/>
-              <a:buNone/>
-              <a:defRPr sz="1200" kern="1200">
-                <a:solidFill>
-                  <a:schemeClr val="tx1">
-                    <a:tint val="75000"/>
-                  </a:schemeClr>
-                </a:solidFill>
-                <a:latin typeface="+mn-lt"/>
-                <a:ea typeface="+mn-ea"/>
-                <a:cs typeface="+mn-cs"/>
-              </a:defRPr>
-            </a:lvl7pPr>
-            <a:lvl8pPr marL="3200400" indent="0" algn="ctr" defTabSz="457200" rtl="0" eaLnBrk="1" latinLnBrk="0" hangingPunct="1">
-              <a:spcBef>
-                <a:spcPts val="1000"/>
-              </a:spcBef>
-              <a:spcAft>
-                <a:spcPts val="0"/>
-              </a:spcAft>
-              <a:buClr>
-                <a:schemeClr val="accent1"/>
-              </a:buClr>
-              <a:buFont typeface="Wingdings 3" charset="2"/>
-              <a:buNone/>
-              <a:defRPr sz="1200" kern="1200">
-                <a:solidFill>
-                  <a:schemeClr val="tx1">
-                    <a:tint val="75000"/>
-                  </a:schemeClr>
-                </a:solidFill>
-                <a:latin typeface="+mn-lt"/>
-                <a:ea typeface="+mn-ea"/>
-                <a:cs typeface="+mn-cs"/>
-              </a:defRPr>
-            </a:lvl8pPr>
-            <a:lvl9pPr marL="3657600" indent="0" algn="ctr" defTabSz="457200" rtl="0" eaLnBrk="1" latinLnBrk="0" hangingPunct="1">
-              <a:spcBef>
-                <a:spcPts val="1000"/>
-              </a:spcBef>
-              <a:spcAft>
-                <a:spcPts val="0"/>
-              </a:spcAft>
-              <a:buClr>
-                <a:schemeClr val="accent1"/>
-              </a:buClr>
-              <a:buFont typeface="Wingdings 3" charset="2"/>
-              <a:buNone/>
-              <a:defRPr sz="1200" kern="1200">
-                <a:solidFill>
-                  <a:schemeClr val="tx1">
-                    <a:tint val="75000"/>
-                  </a:schemeClr>
-                </a:solidFill>
-                <a:latin typeface="+mn-lt"/>
-                <a:ea typeface="+mn-ea"/>
-                <a:cs typeface="+mn-cs"/>
-              </a:defRPr>
-            </a:lvl9pPr>
-          </a:lstStyle>
-          <a:p>
-            <a:pPr>
-              <a:lnSpc>
-                <a:spcPct val="90000"/>
-              </a:lnSpc>
-            </a:pPr>
-            <a:r>
-              <a:rPr lang="en-US" sz="1400" dirty="0">
-                <a:solidFill>
-                  <a:schemeClr val="tx1"/>
-                </a:solidFill>
-              </a:rPr>
-              <a:t>7 </a:t>
-            </a:r>
-            <a:r>
-              <a:rPr lang="en-US" sz="1400" dirty="0" err="1">
-                <a:solidFill>
-                  <a:schemeClr val="tx1"/>
-                </a:solidFill>
-              </a:rPr>
-              <a:t>Sln</a:t>
-            </a:r>
-            <a:r>
-              <a:rPr lang="en-US" sz="1400" dirty="0">
-                <a:solidFill>
-                  <a:schemeClr val="tx1"/>
-                </a:solidFill>
-              </a:rPr>
-              <a:t>: </a:t>
-            </a:r>
-          </a:p>
-          <a:p>
-            <a:pPr>
-              <a:lnSpc>
-                <a:spcPct val="90000"/>
-              </a:lnSpc>
-            </a:pPr>
-            <a:r>
-              <a:rPr lang="en-US" sz="1400" dirty="0">
-                <a:solidFill>
-                  <a:schemeClr val="tx1"/>
-                </a:solidFill>
-              </a:rPr>
-              <a:t>print("*")</a:t>
-            </a:r>
-          </a:p>
-          <a:p>
-            <a:pPr>
-              <a:lnSpc>
-                <a:spcPct val="90000"/>
-              </a:lnSpc>
-            </a:pPr>
-            <a:r>
-              <a:rPr lang="en-US" sz="1400" dirty="0">
-                <a:solidFill>
-                  <a:schemeClr val="tx1"/>
-                </a:solidFill>
-              </a:rPr>
-              <a:t>print("**")</a:t>
-            </a:r>
-          </a:p>
-          <a:p>
-            <a:pPr>
-              <a:lnSpc>
-                <a:spcPct val="90000"/>
-              </a:lnSpc>
-            </a:pPr>
-            <a:r>
-              <a:rPr lang="en-US" sz="1400" dirty="0">
-                <a:solidFill>
-                  <a:schemeClr val="tx1"/>
-                </a:solidFill>
-              </a:rPr>
-              <a:t>print("***")</a:t>
-            </a:r>
-          </a:p>
-          <a:p>
-            <a:pPr>
-              <a:lnSpc>
-                <a:spcPct val="90000"/>
-              </a:lnSpc>
-            </a:pPr>
-            <a:r>
-              <a:rPr lang="en-US" sz="1400" dirty="0">
-                <a:solidFill>
-                  <a:schemeClr val="tx1"/>
-                </a:solidFill>
-              </a:rPr>
-              <a:t>print("****")</a:t>
-            </a:r>
-          </a:p>
-          <a:p>
-            <a:pPr>
-              <a:lnSpc>
-                <a:spcPct val="90000"/>
-              </a:lnSpc>
-            </a:pPr>
-            <a:r>
-              <a:rPr lang="en-US" sz="1400" dirty="0">
-                <a:solidFill>
-                  <a:schemeClr val="tx1"/>
-                </a:solidFill>
-              </a:rPr>
-              <a:t>print("*****")</a:t>
-            </a:r>
-          </a:p>
-          <a:p>
-            <a:pPr>
-              <a:lnSpc>
-                <a:spcPct val="90000"/>
-              </a:lnSpc>
-            </a:pPr>
-            <a:r>
-              <a:rPr lang="en-US" sz="1400" dirty="0">
-                <a:solidFill>
-                  <a:schemeClr val="tx1"/>
-                </a:solidFill>
-              </a:rPr>
-              <a:t>8 </a:t>
-            </a:r>
-            <a:r>
-              <a:rPr lang="en-US" sz="1400" dirty="0" err="1">
-                <a:solidFill>
-                  <a:schemeClr val="tx1"/>
-                </a:solidFill>
-              </a:rPr>
-              <a:t>Sln</a:t>
-            </a:r>
-            <a:r>
-              <a:rPr lang="en-US" sz="1400" dirty="0">
-                <a:solidFill>
-                  <a:schemeClr val="tx1"/>
-                </a:solidFill>
-              </a:rPr>
-              <a:t>:</a:t>
-            </a:r>
-          </a:p>
-          <a:p>
-            <a:pPr>
-              <a:lnSpc>
-                <a:spcPct val="90000"/>
-              </a:lnSpc>
-            </a:pPr>
-            <a:r>
-              <a:rPr lang="en-US" sz="1400" dirty="0">
-                <a:solidFill>
-                  <a:schemeClr val="tx1"/>
-                </a:solidFill>
-              </a:rPr>
-              <a:t>print("    *    ")</a:t>
-            </a:r>
-          </a:p>
-          <a:p>
-            <a:pPr>
-              <a:lnSpc>
-                <a:spcPct val="90000"/>
-              </a:lnSpc>
-            </a:pPr>
-            <a:r>
-              <a:rPr lang="en-US" sz="1400" dirty="0">
-                <a:solidFill>
-                  <a:schemeClr val="tx1"/>
-                </a:solidFill>
-              </a:rPr>
-              <a:t>print("   ***   ")</a:t>
-            </a:r>
-          </a:p>
-          <a:p>
-            <a:pPr>
-              <a:lnSpc>
-                <a:spcPct val="90000"/>
-              </a:lnSpc>
-            </a:pPr>
-            <a:r>
-              <a:rPr lang="en-US" sz="1400" dirty="0">
-                <a:solidFill>
-                  <a:schemeClr val="tx1"/>
-                </a:solidFill>
-              </a:rPr>
-              <a:t>print("  *****  ")</a:t>
-            </a:r>
-          </a:p>
-          <a:p>
-            <a:pPr>
-              <a:lnSpc>
-                <a:spcPct val="90000"/>
-              </a:lnSpc>
-            </a:pPr>
-            <a:r>
-              <a:rPr lang="en-US" sz="1400" dirty="0">
-                <a:solidFill>
-                  <a:schemeClr val="tx1"/>
-                </a:solidFill>
-              </a:rPr>
-              <a:t>print(" ******* ")</a:t>
-            </a:r>
-          </a:p>
-          <a:p>
-            <a:pPr>
-              <a:lnSpc>
-                <a:spcPct val="90000"/>
-              </a:lnSpc>
-            </a:pPr>
-            <a:r>
-              <a:rPr lang="en-US" sz="1400" dirty="0">
-                <a:solidFill>
-                  <a:schemeClr val="tx1"/>
-                </a:solidFill>
-              </a:rPr>
-              <a:t>print("*********")</a:t>
-            </a:r>
-          </a:p>
-          <a:p>
-            <a:pPr>
-              <a:lnSpc>
-                <a:spcPct val="90000"/>
-              </a:lnSpc>
-            </a:pPr>
-            <a:endParaRPr lang="en-US" sz="1400" dirty="0">
-              <a:solidFill>
-                <a:schemeClr val="tx1"/>
-              </a:solidFill>
-            </a:endParaRPr>
-          </a:p>
-        </p:txBody>
-      </p:sp>
-      <p:sp>
-        <p:nvSpPr>
-          <p:cNvPr id="8" name="Subtitle 2">
-            <a:extLst>
-              <a:ext uri="{FF2B5EF4-FFF2-40B4-BE49-F238E27FC236}">
-                <a16:creationId xmlns:a16="http://schemas.microsoft.com/office/drawing/2014/main" id="{F5ECE262-1084-80A4-B49D-3C527225F090}"/>
-              </a:ext>
-            </a:extLst>
-          </p:cNvPr>
-          <p:cNvSpPr txBox="1">
-            <a:spLocks/>
-          </p:cNvSpPr>
-          <p:nvPr/>
-        </p:nvSpPr>
-        <p:spPr>
-          <a:xfrm>
-            <a:off x="4185897" y="2377978"/>
-            <a:ext cx="1931204" cy="3568178"/>
-          </a:xfrm>
-          <a:prstGeom prst="rect">
-            <a:avLst/>
-          </a:prstGeom>
-        </p:spPr>
-        <p:txBody>
-          <a:bodyPr vert="horz" lIns="91440" tIns="45720" rIns="91440" bIns="45720" rtlCol="0" anchor="t">
-            <a:normAutofit/>
-          </a:bodyPr>
-          <a:lstStyle>
-            <a:lvl1pPr marL="0" indent="0" algn="l" defTabSz="457200" rtl="0" eaLnBrk="1" latinLnBrk="0" hangingPunct="1">
-              <a:spcBef>
-                <a:spcPts val="1000"/>
-              </a:spcBef>
-              <a:spcAft>
-                <a:spcPts val="0"/>
-              </a:spcAft>
-              <a:buClr>
-                <a:schemeClr val="accent1"/>
-              </a:buClr>
-              <a:buFont typeface="Wingdings 3" charset="2"/>
-              <a:buNone/>
-              <a:defRPr sz="1800" kern="1200">
-                <a:solidFill>
-                  <a:schemeClr val="tx1">
-                    <a:lumMod val="65000"/>
-                    <a:lumOff val="35000"/>
-                  </a:schemeClr>
-                </a:solidFill>
-                <a:latin typeface="+mn-lt"/>
-                <a:ea typeface="+mn-ea"/>
-                <a:cs typeface="+mn-cs"/>
-              </a:defRPr>
-            </a:lvl1pPr>
-            <a:lvl2pPr marL="457200" indent="0" algn="ctr" defTabSz="457200" rtl="0" eaLnBrk="1" latinLnBrk="0" hangingPunct="1">
-              <a:spcBef>
-                <a:spcPts val="1000"/>
-              </a:spcBef>
-              <a:spcAft>
-                <a:spcPts val="0"/>
-              </a:spcAft>
-              <a:buClr>
-                <a:schemeClr val="accent1"/>
-              </a:buClr>
-              <a:buFont typeface="Wingdings 3" charset="2"/>
-              <a:buNone/>
-              <a:defRPr sz="1600" kern="1200">
-                <a:solidFill>
-                  <a:schemeClr val="tx1">
-                    <a:tint val="75000"/>
-                  </a:schemeClr>
-                </a:solidFill>
-                <a:latin typeface="+mn-lt"/>
-                <a:ea typeface="+mn-ea"/>
-                <a:cs typeface="+mn-cs"/>
-              </a:defRPr>
-            </a:lvl2pPr>
-            <a:lvl3pPr marL="914400" indent="0" algn="ctr" defTabSz="457200" rtl="0" eaLnBrk="1" latinLnBrk="0" hangingPunct="1">
-              <a:spcBef>
-                <a:spcPts val="1000"/>
-              </a:spcBef>
-              <a:spcAft>
-                <a:spcPts val="0"/>
-              </a:spcAft>
-              <a:buClr>
-                <a:schemeClr val="accent1"/>
-              </a:buClr>
-              <a:buFont typeface="Wingdings 3" charset="2"/>
-              <a:buNone/>
-              <a:defRPr sz="1400" kern="1200">
-                <a:solidFill>
-                  <a:schemeClr val="tx1">
-                    <a:tint val="75000"/>
-                  </a:schemeClr>
-                </a:solidFill>
-                <a:latin typeface="+mn-lt"/>
-                <a:ea typeface="+mn-ea"/>
-                <a:cs typeface="+mn-cs"/>
-              </a:defRPr>
-            </a:lvl3pPr>
-            <a:lvl4pPr marL="1371600" indent="0" algn="ctr" defTabSz="457200" rtl="0" eaLnBrk="1" latinLnBrk="0" hangingPunct="1">
-              <a:spcBef>
-                <a:spcPts val="1000"/>
-              </a:spcBef>
-              <a:spcAft>
-                <a:spcPts val="0"/>
-              </a:spcAft>
-              <a:buClr>
-                <a:schemeClr val="accent1"/>
-              </a:buClr>
-              <a:buFont typeface="Wingdings 3" charset="2"/>
-              <a:buNone/>
-              <a:defRPr sz="1200" kern="1200">
-                <a:solidFill>
-                  <a:schemeClr val="tx1">
-                    <a:tint val="75000"/>
-                  </a:schemeClr>
-                </a:solidFill>
-                <a:latin typeface="+mn-lt"/>
-                <a:ea typeface="+mn-ea"/>
-                <a:cs typeface="+mn-cs"/>
-              </a:defRPr>
-            </a:lvl4pPr>
-            <a:lvl5pPr marL="1828800" indent="0" algn="ctr" defTabSz="457200" rtl="0" eaLnBrk="1" latinLnBrk="0" hangingPunct="1">
-              <a:spcBef>
-                <a:spcPts val="1000"/>
-              </a:spcBef>
-              <a:spcAft>
-                <a:spcPts val="0"/>
-              </a:spcAft>
-              <a:buClr>
-                <a:schemeClr val="accent1"/>
-              </a:buClr>
-              <a:buFont typeface="Wingdings 3" charset="2"/>
-              <a:buNone/>
-              <a:defRPr sz="1200" kern="1200">
-                <a:solidFill>
-                  <a:schemeClr val="tx1">
-                    <a:tint val="75000"/>
-                  </a:schemeClr>
-                </a:solidFill>
-                <a:latin typeface="+mn-lt"/>
-                <a:ea typeface="+mn-ea"/>
-                <a:cs typeface="+mn-cs"/>
-              </a:defRPr>
-            </a:lvl5pPr>
-            <a:lvl6pPr marL="2286000" indent="0" algn="ctr" defTabSz="457200" rtl="0" eaLnBrk="1" latinLnBrk="0" hangingPunct="1">
-              <a:spcBef>
-                <a:spcPts val="1000"/>
-              </a:spcBef>
-              <a:spcAft>
-                <a:spcPts val="0"/>
-              </a:spcAft>
-              <a:buClr>
-                <a:schemeClr val="accent1"/>
-              </a:buClr>
-              <a:buFont typeface="Wingdings 3" charset="2"/>
-              <a:buNone/>
-              <a:defRPr sz="1200" kern="1200">
-                <a:solidFill>
-                  <a:schemeClr val="tx1">
-                    <a:tint val="75000"/>
-                  </a:schemeClr>
-                </a:solidFill>
-                <a:latin typeface="+mn-lt"/>
-                <a:ea typeface="+mn-ea"/>
-                <a:cs typeface="+mn-cs"/>
-              </a:defRPr>
-            </a:lvl6pPr>
-            <a:lvl7pPr marL="2743200" indent="0" algn="ctr" defTabSz="457200" rtl="0" eaLnBrk="1" latinLnBrk="0" hangingPunct="1">
-              <a:spcBef>
-                <a:spcPts val="1000"/>
-              </a:spcBef>
-              <a:spcAft>
-                <a:spcPts val="0"/>
-              </a:spcAft>
-              <a:buClr>
-                <a:schemeClr val="accent1"/>
-              </a:buClr>
-              <a:buFont typeface="Wingdings 3" charset="2"/>
-              <a:buNone/>
-              <a:defRPr sz="1200" kern="1200">
-                <a:solidFill>
-                  <a:schemeClr val="tx1">
-                    <a:tint val="75000"/>
-                  </a:schemeClr>
-                </a:solidFill>
-                <a:latin typeface="+mn-lt"/>
-                <a:ea typeface="+mn-ea"/>
-                <a:cs typeface="+mn-cs"/>
-              </a:defRPr>
-            </a:lvl7pPr>
-            <a:lvl8pPr marL="3200400" indent="0" algn="ctr" defTabSz="457200" rtl="0" eaLnBrk="1" latinLnBrk="0" hangingPunct="1">
-              <a:spcBef>
-                <a:spcPts val="1000"/>
-              </a:spcBef>
-              <a:spcAft>
-                <a:spcPts val="0"/>
-              </a:spcAft>
-              <a:buClr>
-                <a:schemeClr val="accent1"/>
-              </a:buClr>
-              <a:buFont typeface="Wingdings 3" charset="2"/>
-              <a:buNone/>
-              <a:defRPr sz="1200" kern="1200">
-                <a:solidFill>
-                  <a:schemeClr val="tx1">
-                    <a:tint val="75000"/>
-                  </a:schemeClr>
-                </a:solidFill>
-                <a:latin typeface="+mn-lt"/>
-                <a:ea typeface="+mn-ea"/>
-                <a:cs typeface="+mn-cs"/>
-              </a:defRPr>
-            </a:lvl8pPr>
-            <a:lvl9pPr marL="3657600" indent="0" algn="ctr" defTabSz="457200" rtl="0" eaLnBrk="1" latinLnBrk="0" hangingPunct="1">
-              <a:spcBef>
-                <a:spcPts val="1000"/>
-              </a:spcBef>
-              <a:spcAft>
-                <a:spcPts val="0"/>
-              </a:spcAft>
-              <a:buClr>
-                <a:schemeClr val="accent1"/>
-              </a:buClr>
-              <a:buFont typeface="Wingdings 3" charset="2"/>
-              <a:buNone/>
-              <a:defRPr sz="1200" kern="1200">
-                <a:solidFill>
-                  <a:schemeClr val="tx1">
-                    <a:tint val="75000"/>
-                  </a:schemeClr>
-                </a:solidFill>
-                <a:latin typeface="+mn-lt"/>
-                <a:ea typeface="+mn-ea"/>
-                <a:cs typeface="+mn-cs"/>
-              </a:defRPr>
-            </a:lvl9pPr>
-          </a:lstStyle>
-          <a:p>
-            <a:pPr>
-              <a:lnSpc>
-                <a:spcPct val="90000"/>
-              </a:lnSpc>
-            </a:pPr>
-            <a:r>
-              <a:rPr lang="en-US" sz="1500" dirty="0">
-                <a:solidFill>
-                  <a:schemeClr val="tx1"/>
-                </a:solidFill>
-              </a:rPr>
-              <a:t>9 </a:t>
-            </a:r>
-            <a:r>
-              <a:rPr lang="en-US" sz="1500" dirty="0" err="1">
-                <a:solidFill>
-                  <a:schemeClr val="tx1"/>
-                </a:solidFill>
-              </a:rPr>
-              <a:t>Sln</a:t>
-            </a:r>
-            <a:r>
-              <a:rPr lang="en-US" sz="1500" dirty="0">
-                <a:solidFill>
-                  <a:schemeClr val="tx1"/>
-                </a:solidFill>
-              </a:rPr>
-              <a:t>:</a:t>
-            </a:r>
-          </a:p>
-          <a:p>
-            <a:pPr>
-              <a:lnSpc>
-                <a:spcPct val="90000"/>
-              </a:lnSpc>
-            </a:pPr>
-            <a:r>
-              <a:rPr lang="en-US" sz="1500" dirty="0">
-                <a:solidFill>
-                  <a:schemeClr val="tx1"/>
-                </a:solidFill>
-              </a:rPr>
-              <a:t>print("    *    ")</a:t>
-            </a:r>
-          </a:p>
-          <a:p>
-            <a:pPr>
-              <a:lnSpc>
-                <a:spcPct val="90000"/>
-              </a:lnSpc>
-            </a:pPr>
-            <a:r>
-              <a:rPr lang="en-US" sz="1500" dirty="0">
-                <a:solidFill>
-                  <a:schemeClr val="tx1"/>
-                </a:solidFill>
-              </a:rPr>
-              <a:t>print("   ***   ")</a:t>
-            </a:r>
-          </a:p>
-          <a:p>
-            <a:pPr>
-              <a:lnSpc>
-                <a:spcPct val="90000"/>
-              </a:lnSpc>
-            </a:pPr>
-            <a:r>
-              <a:rPr lang="en-US" sz="1500" dirty="0">
-                <a:solidFill>
-                  <a:schemeClr val="tx1"/>
-                </a:solidFill>
-              </a:rPr>
-              <a:t>print("  *****  ")</a:t>
-            </a:r>
-          </a:p>
-          <a:p>
-            <a:pPr>
-              <a:lnSpc>
-                <a:spcPct val="90000"/>
-              </a:lnSpc>
-            </a:pPr>
-            <a:r>
-              <a:rPr lang="en-US" sz="1500" dirty="0">
-                <a:solidFill>
-                  <a:schemeClr val="tx1"/>
-                </a:solidFill>
-              </a:rPr>
-              <a:t>print(" ******* ")</a:t>
-            </a:r>
-          </a:p>
-          <a:p>
-            <a:pPr>
-              <a:lnSpc>
-                <a:spcPct val="90000"/>
-              </a:lnSpc>
-            </a:pPr>
-            <a:r>
-              <a:rPr lang="en-US" sz="1500" dirty="0">
-                <a:solidFill>
-                  <a:schemeClr val="tx1"/>
-                </a:solidFill>
-              </a:rPr>
-              <a:t>print("*********")</a:t>
-            </a:r>
-          </a:p>
-          <a:p>
-            <a:pPr>
-              <a:lnSpc>
-                <a:spcPct val="90000"/>
-              </a:lnSpc>
-            </a:pPr>
-            <a:r>
-              <a:rPr lang="en-US" sz="1500" dirty="0">
-                <a:solidFill>
-                  <a:schemeClr val="tx1"/>
-                </a:solidFill>
-              </a:rPr>
-              <a:t>print(" ******* ")</a:t>
-            </a:r>
-          </a:p>
-          <a:p>
-            <a:pPr>
-              <a:lnSpc>
-                <a:spcPct val="90000"/>
-              </a:lnSpc>
-            </a:pPr>
-            <a:r>
-              <a:rPr lang="en-US" sz="1500" dirty="0">
-                <a:solidFill>
-                  <a:schemeClr val="tx1"/>
-                </a:solidFill>
-              </a:rPr>
-              <a:t>print("  *****  ")</a:t>
-            </a:r>
-          </a:p>
-          <a:p>
-            <a:pPr>
-              <a:lnSpc>
-                <a:spcPct val="90000"/>
-              </a:lnSpc>
-            </a:pPr>
-            <a:r>
-              <a:rPr lang="en-US" sz="1500" dirty="0">
-                <a:solidFill>
-                  <a:schemeClr val="tx1"/>
-                </a:solidFill>
-              </a:rPr>
-              <a:t>print("   ***   ")</a:t>
-            </a:r>
-          </a:p>
-          <a:p>
-            <a:pPr>
-              <a:lnSpc>
-                <a:spcPct val="90000"/>
-              </a:lnSpc>
-            </a:pPr>
-            <a:r>
-              <a:rPr lang="en-US" sz="1500" dirty="0">
-                <a:solidFill>
-                  <a:schemeClr val="tx1"/>
-                </a:solidFill>
-              </a:rPr>
-              <a:t>print("    *    ")</a:t>
-            </a:r>
-          </a:p>
-          <a:p>
-            <a:pPr>
-              <a:lnSpc>
-                <a:spcPct val="90000"/>
-              </a:lnSpc>
-            </a:pPr>
-            <a:endParaRPr lang="en-US" sz="1500" dirty="0">
-              <a:solidFill>
-                <a:schemeClr val="tx1"/>
-              </a:solidFill>
-            </a:endParaRPr>
-          </a:p>
-        </p:txBody>
-      </p:sp>
-      <p:sp>
-        <p:nvSpPr>
-          <p:cNvPr id="3" name="Rectangle 2">
-            <a:extLst>
-              <a:ext uri="{FF2B5EF4-FFF2-40B4-BE49-F238E27FC236}">
-                <a16:creationId xmlns:a16="http://schemas.microsoft.com/office/drawing/2014/main" id="{57C05FB1-2DD2-42FC-0B68-3327BCF08771}"/>
+                <a16:creationId xmlns:a16="http://schemas.microsoft.com/office/drawing/2014/main" id="{A82C8DC1-4C80-B489-CC61-1EA0561812F1}"/>
               </a:ext>
             </a:extLst>
           </p:cNvPr>
@@ -15461,1232 +16504,10 @@
           </a:p>
         </p:txBody>
       </p:sp>
-      <p:sp>
-        <p:nvSpPr>
-          <p:cNvPr id="11" name="Subtitle 2">
-            <a:extLst>
-              <a:ext uri="{FF2B5EF4-FFF2-40B4-BE49-F238E27FC236}">
-                <a16:creationId xmlns:a16="http://schemas.microsoft.com/office/drawing/2014/main" id="{E6739936-6FC7-CC36-62F8-4F3F581689DE}"/>
-              </a:ext>
-            </a:extLst>
-          </p:cNvPr>
-          <p:cNvSpPr txBox="1">
-            <a:spLocks/>
-          </p:cNvSpPr>
-          <p:nvPr/>
-        </p:nvSpPr>
-        <p:spPr>
-          <a:xfrm>
-            <a:off x="5960771" y="2377979"/>
-            <a:ext cx="2055468" cy="3821395"/>
-          </a:xfrm>
-          <a:prstGeom prst="rect">
-            <a:avLst/>
-          </a:prstGeom>
-        </p:spPr>
-        <p:txBody>
-          <a:bodyPr vert="horz" lIns="91440" tIns="45720" rIns="91440" bIns="45720" rtlCol="0" anchor="t">
-            <a:noAutofit/>
-          </a:bodyPr>
-          <a:lstStyle>
-            <a:lvl1pPr marL="0" indent="0" algn="l" defTabSz="457200" rtl="0" eaLnBrk="1" latinLnBrk="0" hangingPunct="1">
-              <a:spcBef>
-                <a:spcPts val="1000"/>
-              </a:spcBef>
-              <a:spcAft>
-                <a:spcPts val="0"/>
-              </a:spcAft>
-              <a:buClr>
-                <a:schemeClr val="accent1"/>
-              </a:buClr>
-              <a:buFont typeface="Wingdings 3" charset="2"/>
-              <a:buNone/>
-              <a:defRPr sz="1800" kern="1200">
-                <a:solidFill>
-                  <a:schemeClr val="tx1">
-                    <a:lumMod val="65000"/>
-                    <a:lumOff val="35000"/>
-                  </a:schemeClr>
-                </a:solidFill>
-                <a:latin typeface="+mn-lt"/>
-                <a:ea typeface="+mn-ea"/>
-                <a:cs typeface="+mn-cs"/>
-              </a:defRPr>
-            </a:lvl1pPr>
-            <a:lvl2pPr marL="457200" indent="0" algn="ctr" defTabSz="457200" rtl="0" eaLnBrk="1" latinLnBrk="0" hangingPunct="1">
-              <a:spcBef>
-                <a:spcPts val="1000"/>
-              </a:spcBef>
-              <a:spcAft>
-                <a:spcPts val="0"/>
-              </a:spcAft>
-              <a:buClr>
-                <a:schemeClr val="accent1"/>
-              </a:buClr>
-              <a:buFont typeface="Wingdings 3" charset="2"/>
-              <a:buNone/>
-              <a:defRPr sz="1600" kern="1200">
-                <a:solidFill>
-                  <a:schemeClr val="tx1">
-                    <a:tint val="75000"/>
-                  </a:schemeClr>
-                </a:solidFill>
-                <a:latin typeface="+mn-lt"/>
-                <a:ea typeface="+mn-ea"/>
-                <a:cs typeface="+mn-cs"/>
-              </a:defRPr>
-            </a:lvl2pPr>
-            <a:lvl3pPr marL="914400" indent="0" algn="ctr" defTabSz="457200" rtl="0" eaLnBrk="1" latinLnBrk="0" hangingPunct="1">
-              <a:spcBef>
-                <a:spcPts val="1000"/>
-              </a:spcBef>
-              <a:spcAft>
-                <a:spcPts val="0"/>
-              </a:spcAft>
-              <a:buClr>
-                <a:schemeClr val="accent1"/>
-              </a:buClr>
-              <a:buFont typeface="Wingdings 3" charset="2"/>
-              <a:buNone/>
-              <a:defRPr sz="1400" kern="1200">
-                <a:solidFill>
-                  <a:schemeClr val="tx1">
-                    <a:tint val="75000"/>
-                  </a:schemeClr>
-                </a:solidFill>
-                <a:latin typeface="+mn-lt"/>
-                <a:ea typeface="+mn-ea"/>
-                <a:cs typeface="+mn-cs"/>
-              </a:defRPr>
-            </a:lvl3pPr>
-            <a:lvl4pPr marL="1371600" indent="0" algn="ctr" defTabSz="457200" rtl="0" eaLnBrk="1" latinLnBrk="0" hangingPunct="1">
-              <a:spcBef>
-                <a:spcPts val="1000"/>
-              </a:spcBef>
-              <a:spcAft>
-                <a:spcPts val="0"/>
-              </a:spcAft>
-              <a:buClr>
-                <a:schemeClr val="accent1"/>
-              </a:buClr>
-              <a:buFont typeface="Wingdings 3" charset="2"/>
-              <a:buNone/>
-              <a:defRPr sz="1200" kern="1200">
-                <a:solidFill>
-                  <a:schemeClr val="tx1">
-                    <a:tint val="75000"/>
-                  </a:schemeClr>
-                </a:solidFill>
-                <a:latin typeface="+mn-lt"/>
-                <a:ea typeface="+mn-ea"/>
-                <a:cs typeface="+mn-cs"/>
-              </a:defRPr>
-            </a:lvl4pPr>
-            <a:lvl5pPr marL="1828800" indent="0" algn="ctr" defTabSz="457200" rtl="0" eaLnBrk="1" latinLnBrk="0" hangingPunct="1">
-              <a:spcBef>
-                <a:spcPts val="1000"/>
-              </a:spcBef>
-              <a:spcAft>
-                <a:spcPts val="0"/>
-              </a:spcAft>
-              <a:buClr>
-                <a:schemeClr val="accent1"/>
-              </a:buClr>
-              <a:buFont typeface="Wingdings 3" charset="2"/>
-              <a:buNone/>
-              <a:defRPr sz="1200" kern="1200">
-                <a:solidFill>
-                  <a:schemeClr val="tx1">
-                    <a:tint val="75000"/>
-                  </a:schemeClr>
-                </a:solidFill>
-                <a:latin typeface="+mn-lt"/>
-                <a:ea typeface="+mn-ea"/>
-                <a:cs typeface="+mn-cs"/>
-              </a:defRPr>
-            </a:lvl5pPr>
-            <a:lvl6pPr marL="2286000" indent="0" algn="ctr" defTabSz="457200" rtl="0" eaLnBrk="1" latinLnBrk="0" hangingPunct="1">
-              <a:spcBef>
-                <a:spcPts val="1000"/>
-              </a:spcBef>
-              <a:spcAft>
-                <a:spcPts val="0"/>
-              </a:spcAft>
-              <a:buClr>
-                <a:schemeClr val="accent1"/>
-              </a:buClr>
-              <a:buFont typeface="Wingdings 3" charset="2"/>
-              <a:buNone/>
-              <a:defRPr sz="1200" kern="1200">
-                <a:solidFill>
-                  <a:schemeClr val="tx1">
-                    <a:tint val="75000"/>
-                  </a:schemeClr>
-                </a:solidFill>
-                <a:latin typeface="+mn-lt"/>
-                <a:ea typeface="+mn-ea"/>
-                <a:cs typeface="+mn-cs"/>
-              </a:defRPr>
-            </a:lvl6pPr>
-            <a:lvl7pPr marL="2743200" indent="0" algn="ctr" defTabSz="457200" rtl="0" eaLnBrk="1" latinLnBrk="0" hangingPunct="1">
-              <a:spcBef>
-                <a:spcPts val="1000"/>
-              </a:spcBef>
-              <a:spcAft>
-                <a:spcPts val="0"/>
-              </a:spcAft>
-              <a:buClr>
-                <a:schemeClr val="accent1"/>
-              </a:buClr>
-              <a:buFont typeface="Wingdings 3" charset="2"/>
-              <a:buNone/>
-              <a:defRPr sz="1200" kern="1200">
-                <a:solidFill>
-                  <a:schemeClr val="tx1">
-                    <a:tint val="75000"/>
-                  </a:schemeClr>
-                </a:solidFill>
-                <a:latin typeface="+mn-lt"/>
-                <a:ea typeface="+mn-ea"/>
-                <a:cs typeface="+mn-cs"/>
-              </a:defRPr>
-            </a:lvl7pPr>
-            <a:lvl8pPr marL="3200400" indent="0" algn="ctr" defTabSz="457200" rtl="0" eaLnBrk="1" latinLnBrk="0" hangingPunct="1">
-              <a:spcBef>
-                <a:spcPts val="1000"/>
-              </a:spcBef>
-              <a:spcAft>
-                <a:spcPts val="0"/>
-              </a:spcAft>
-              <a:buClr>
-                <a:schemeClr val="accent1"/>
-              </a:buClr>
-              <a:buFont typeface="Wingdings 3" charset="2"/>
-              <a:buNone/>
-              <a:defRPr sz="1200" kern="1200">
-                <a:solidFill>
-                  <a:schemeClr val="tx1">
-                    <a:tint val="75000"/>
-                  </a:schemeClr>
-                </a:solidFill>
-                <a:latin typeface="+mn-lt"/>
-                <a:ea typeface="+mn-ea"/>
-                <a:cs typeface="+mn-cs"/>
-              </a:defRPr>
-            </a:lvl8pPr>
-            <a:lvl9pPr marL="3657600" indent="0" algn="ctr" defTabSz="457200" rtl="0" eaLnBrk="1" latinLnBrk="0" hangingPunct="1">
-              <a:spcBef>
-                <a:spcPts val="1000"/>
-              </a:spcBef>
-              <a:spcAft>
-                <a:spcPts val="0"/>
-              </a:spcAft>
-              <a:buClr>
-                <a:schemeClr val="accent1"/>
-              </a:buClr>
-              <a:buFont typeface="Wingdings 3" charset="2"/>
-              <a:buNone/>
-              <a:defRPr sz="1200" kern="1200">
-                <a:solidFill>
-                  <a:schemeClr val="tx1">
-                    <a:tint val="75000"/>
-                  </a:schemeClr>
-                </a:solidFill>
-                <a:latin typeface="+mn-lt"/>
-                <a:ea typeface="+mn-ea"/>
-                <a:cs typeface="+mn-cs"/>
-              </a:defRPr>
-            </a:lvl9pPr>
-          </a:lstStyle>
-          <a:p>
-            <a:pPr>
-              <a:lnSpc>
-                <a:spcPct val="90000"/>
-              </a:lnSpc>
-            </a:pPr>
-            <a:r>
-              <a:rPr lang="en-US" sz="1400" dirty="0">
-                <a:solidFill>
-                  <a:schemeClr val="tx1"/>
-                </a:solidFill>
-              </a:rPr>
-              <a:t>10 </a:t>
-            </a:r>
-            <a:r>
-              <a:rPr lang="en-US" sz="1400" dirty="0" err="1">
-                <a:solidFill>
-                  <a:schemeClr val="tx1"/>
-                </a:solidFill>
-              </a:rPr>
-              <a:t>Sln</a:t>
-            </a:r>
-            <a:r>
-              <a:rPr lang="en-US" sz="1400" dirty="0">
-                <a:solidFill>
-                  <a:schemeClr val="tx1"/>
-                </a:solidFill>
-              </a:rPr>
-              <a:t>: </a:t>
-            </a:r>
-          </a:p>
-          <a:p>
-            <a:pPr>
-              <a:lnSpc>
-                <a:spcPct val="90000"/>
-              </a:lnSpc>
-            </a:pPr>
-            <a:r>
-              <a:rPr lang="en-US" sz="1400" dirty="0">
-                <a:solidFill>
-                  <a:schemeClr val="tx1"/>
-                </a:solidFill>
-              </a:rPr>
-              <a:t>print("*****")</a:t>
-            </a:r>
-          </a:p>
-          <a:p>
-            <a:pPr>
-              <a:lnSpc>
-                <a:spcPct val="90000"/>
-              </a:lnSpc>
-            </a:pPr>
-            <a:r>
-              <a:rPr lang="en-US" sz="1400" dirty="0">
-                <a:solidFill>
-                  <a:schemeClr val="tx1"/>
-                </a:solidFill>
-              </a:rPr>
-              <a:t>print("*    *")</a:t>
-            </a:r>
-          </a:p>
-          <a:p>
-            <a:pPr>
-              <a:lnSpc>
-                <a:spcPct val="90000"/>
-              </a:lnSpc>
-            </a:pPr>
-            <a:r>
-              <a:rPr lang="en-US" sz="1400" dirty="0">
-                <a:solidFill>
-                  <a:schemeClr val="tx1"/>
-                </a:solidFill>
-              </a:rPr>
-              <a:t>print("*    *")</a:t>
-            </a:r>
-          </a:p>
-          <a:p>
-            <a:pPr>
-              <a:lnSpc>
-                <a:spcPct val="90000"/>
-              </a:lnSpc>
-            </a:pPr>
-            <a:r>
-              <a:rPr lang="en-US" sz="1400" dirty="0">
-                <a:solidFill>
-                  <a:schemeClr val="tx1"/>
-                </a:solidFill>
-              </a:rPr>
-              <a:t>print("*    *")</a:t>
-            </a:r>
-          </a:p>
-          <a:p>
-            <a:pPr>
-              <a:lnSpc>
-                <a:spcPct val="90000"/>
-              </a:lnSpc>
-            </a:pPr>
-            <a:r>
-              <a:rPr lang="en-US" sz="1400" dirty="0">
-                <a:solidFill>
-                  <a:schemeClr val="tx1"/>
-                </a:solidFill>
-              </a:rPr>
-              <a:t>print("*****")</a:t>
-            </a:r>
-          </a:p>
-          <a:p>
-            <a:pPr>
-              <a:lnSpc>
-                <a:spcPct val="90000"/>
-              </a:lnSpc>
-            </a:pPr>
-            <a:r>
-              <a:rPr lang="en-US" sz="1400" dirty="0">
-                <a:solidFill>
-                  <a:schemeClr val="tx1"/>
-                </a:solidFill>
-              </a:rPr>
-              <a:t>11. </a:t>
-            </a:r>
-            <a:r>
-              <a:rPr lang="en-US" sz="1400" dirty="0" err="1">
-                <a:solidFill>
-                  <a:schemeClr val="tx1"/>
-                </a:solidFill>
-              </a:rPr>
-              <a:t>Sln</a:t>
-            </a:r>
-            <a:r>
-              <a:rPr lang="en-US" sz="1400" dirty="0">
-                <a:solidFill>
-                  <a:schemeClr val="tx1"/>
-                </a:solidFill>
-              </a:rPr>
-              <a:t>:</a:t>
-            </a:r>
-          </a:p>
-          <a:p>
-            <a:pPr>
-              <a:lnSpc>
-                <a:spcPct val="90000"/>
-              </a:lnSpc>
-            </a:pPr>
-            <a:r>
-              <a:rPr lang="en-US" sz="1400" dirty="0">
-                <a:solidFill>
-                  <a:schemeClr val="tx1"/>
-                </a:solidFill>
-              </a:rPr>
-              <a:t>print("*   *")</a:t>
-            </a:r>
-          </a:p>
-          <a:p>
-            <a:pPr>
-              <a:lnSpc>
-                <a:spcPct val="90000"/>
-              </a:lnSpc>
-            </a:pPr>
-            <a:r>
-              <a:rPr lang="en-US" sz="1400" dirty="0">
-                <a:solidFill>
-                  <a:schemeClr val="tx1"/>
-                </a:solidFill>
-              </a:rPr>
-              <a:t>print(" * * ")</a:t>
-            </a:r>
-          </a:p>
-          <a:p>
-            <a:pPr>
-              <a:lnSpc>
-                <a:spcPct val="90000"/>
-              </a:lnSpc>
-            </a:pPr>
-            <a:r>
-              <a:rPr lang="en-US" sz="1400" dirty="0">
-                <a:solidFill>
-                  <a:schemeClr val="tx1"/>
-                </a:solidFill>
-              </a:rPr>
-              <a:t>print("  *  ")</a:t>
-            </a:r>
-          </a:p>
-          <a:p>
-            <a:pPr>
-              <a:lnSpc>
-                <a:spcPct val="90000"/>
-              </a:lnSpc>
-            </a:pPr>
-            <a:r>
-              <a:rPr lang="en-US" sz="1400" dirty="0">
-                <a:solidFill>
-                  <a:schemeClr val="tx1"/>
-                </a:solidFill>
-              </a:rPr>
-              <a:t>print(" * * ")</a:t>
-            </a:r>
-          </a:p>
-          <a:p>
-            <a:pPr>
-              <a:lnSpc>
-                <a:spcPct val="90000"/>
-              </a:lnSpc>
-            </a:pPr>
-            <a:r>
-              <a:rPr lang="en-US" sz="1400" dirty="0">
-                <a:solidFill>
-                  <a:schemeClr val="tx1"/>
-                </a:solidFill>
-              </a:rPr>
-              <a:t>print("*   *")</a:t>
-            </a:r>
-          </a:p>
-          <a:p>
-            <a:pPr>
-              <a:lnSpc>
-                <a:spcPct val="90000"/>
-              </a:lnSpc>
-            </a:pPr>
-            <a:endParaRPr lang="en-US" sz="1400" dirty="0">
-              <a:solidFill>
-                <a:schemeClr val="tx1"/>
-              </a:solidFill>
-            </a:endParaRPr>
-          </a:p>
-        </p:txBody>
-      </p:sp>
-      <p:sp>
-        <p:nvSpPr>
-          <p:cNvPr id="12" name="Subtitle 2">
-            <a:extLst>
-              <a:ext uri="{FF2B5EF4-FFF2-40B4-BE49-F238E27FC236}">
-                <a16:creationId xmlns:a16="http://schemas.microsoft.com/office/drawing/2014/main" id="{DC2B8607-119B-F4D9-C758-6DE5DCB56D06}"/>
-              </a:ext>
-            </a:extLst>
-          </p:cNvPr>
-          <p:cNvSpPr txBox="1">
-            <a:spLocks/>
-          </p:cNvSpPr>
-          <p:nvPr/>
-        </p:nvSpPr>
-        <p:spPr>
-          <a:xfrm>
-            <a:off x="7334717" y="2377978"/>
-            <a:ext cx="1931204" cy="3568178"/>
-          </a:xfrm>
-          <a:prstGeom prst="rect">
-            <a:avLst/>
-          </a:prstGeom>
-        </p:spPr>
-        <p:txBody>
-          <a:bodyPr vert="horz" lIns="91440" tIns="45720" rIns="91440" bIns="45720" rtlCol="0" anchor="t">
-            <a:normAutofit/>
-          </a:bodyPr>
-          <a:lstStyle>
-            <a:lvl1pPr marL="0" indent="0" algn="l" defTabSz="457200" rtl="0" eaLnBrk="1" latinLnBrk="0" hangingPunct="1">
-              <a:spcBef>
-                <a:spcPts val="1000"/>
-              </a:spcBef>
-              <a:spcAft>
-                <a:spcPts val="0"/>
-              </a:spcAft>
-              <a:buClr>
-                <a:schemeClr val="accent1"/>
-              </a:buClr>
-              <a:buFont typeface="Wingdings 3" charset="2"/>
-              <a:buNone/>
-              <a:defRPr sz="1800" kern="1200">
-                <a:solidFill>
-                  <a:schemeClr val="tx1">
-                    <a:lumMod val="65000"/>
-                    <a:lumOff val="35000"/>
-                  </a:schemeClr>
-                </a:solidFill>
-                <a:latin typeface="+mn-lt"/>
-                <a:ea typeface="+mn-ea"/>
-                <a:cs typeface="+mn-cs"/>
-              </a:defRPr>
-            </a:lvl1pPr>
-            <a:lvl2pPr marL="457200" indent="0" algn="ctr" defTabSz="457200" rtl="0" eaLnBrk="1" latinLnBrk="0" hangingPunct="1">
-              <a:spcBef>
-                <a:spcPts val="1000"/>
-              </a:spcBef>
-              <a:spcAft>
-                <a:spcPts val="0"/>
-              </a:spcAft>
-              <a:buClr>
-                <a:schemeClr val="accent1"/>
-              </a:buClr>
-              <a:buFont typeface="Wingdings 3" charset="2"/>
-              <a:buNone/>
-              <a:defRPr sz="1600" kern="1200">
-                <a:solidFill>
-                  <a:schemeClr val="tx1">
-                    <a:tint val="75000"/>
-                  </a:schemeClr>
-                </a:solidFill>
-                <a:latin typeface="+mn-lt"/>
-                <a:ea typeface="+mn-ea"/>
-                <a:cs typeface="+mn-cs"/>
-              </a:defRPr>
-            </a:lvl2pPr>
-            <a:lvl3pPr marL="914400" indent="0" algn="ctr" defTabSz="457200" rtl="0" eaLnBrk="1" latinLnBrk="0" hangingPunct="1">
-              <a:spcBef>
-                <a:spcPts val="1000"/>
-              </a:spcBef>
-              <a:spcAft>
-                <a:spcPts val="0"/>
-              </a:spcAft>
-              <a:buClr>
-                <a:schemeClr val="accent1"/>
-              </a:buClr>
-              <a:buFont typeface="Wingdings 3" charset="2"/>
-              <a:buNone/>
-              <a:defRPr sz="1400" kern="1200">
-                <a:solidFill>
-                  <a:schemeClr val="tx1">
-                    <a:tint val="75000"/>
-                  </a:schemeClr>
-                </a:solidFill>
-                <a:latin typeface="+mn-lt"/>
-                <a:ea typeface="+mn-ea"/>
-                <a:cs typeface="+mn-cs"/>
-              </a:defRPr>
-            </a:lvl3pPr>
-            <a:lvl4pPr marL="1371600" indent="0" algn="ctr" defTabSz="457200" rtl="0" eaLnBrk="1" latinLnBrk="0" hangingPunct="1">
-              <a:spcBef>
-                <a:spcPts val="1000"/>
-              </a:spcBef>
-              <a:spcAft>
-                <a:spcPts val="0"/>
-              </a:spcAft>
-              <a:buClr>
-                <a:schemeClr val="accent1"/>
-              </a:buClr>
-              <a:buFont typeface="Wingdings 3" charset="2"/>
-              <a:buNone/>
-              <a:defRPr sz="1200" kern="1200">
-                <a:solidFill>
-                  <a:schemeClr val="tx1">
-                    <a:tint val="75000"/>
-                  </a:schemeClr>
-                </a:solidFill>
-                <a:latin typeface="+mn-lt"/>
-                <a:ea typeface="+mn-ea"/>
-                <a:cs typeface="+mn-cs"/>
-              </a:defRPr>
-            </a:lvl4pPr>
-            <a:lvl5pPr marL="1828800" indent="0" algn="ctr" defTabSz="457200" rtl="0" eaLnBrk="1" latinLnBrk="0" hangingPunct="1">
-              <a:spcBef>
-                <a:spcPts val="1000"/>
-              </a:spcBef>
-              <a:spcAft>
-                <a:spcPts val="0"/>
-              </a:spcAft>
-              <a:buClr>
-                <a:schemeClr val="accent1"/>
-              </a:buClr>
-              <a:buFont typeface="Wingdings 3" charset="2"/>
-              <a:buNone/>
-              <a:defRPr sz="1200" kern="1200">
-                <a:solidFill>
-                  <a:schemeClr val="tx1">
-                    <a:tint val="75000"/>
-                  </a:schemeClr>
-                </a:solidFill>
-                <a:latin typeface="+mn-lt"/>
-                <a:ea typeface="+mn-ea"/>
-                <a:cs typeface="+mn-cs"/>
-              </a:defRPr>
-            </a:lvl5pPr>
-            <a:lvl6pPr marL="2286000" indent="0" algn="ctr" defTabSz="457200" rtl="0" eaLnBrk="1" latinLnBrk="0" hangingPunct="1">
-              <a:spcBef>
-                <a:spcPts val="1000"/>
-              </a:spcBef>
-              <a:spcAft>
-                <a:spcPts val="0"/>
-              </a:spcAft>
-              <a:buClr>
-                <a:schemeClr val="accent1"/>
-              </a:buClr>
-              <a:buFont typeface="Wingdings 3" charset="2"/>
-              <a:buNone/>
-              <a:defRPr sz="1200" kern="1200">
-                <a:solidFill>
-                  <a:schemeClr val="tx1">
-                    <a:tint val="75000"/>
-                  </a:schemeClr>
-                </a:solidFill>
-                <a:latin typeface="+mn-lt"/>
-                <a:ea typeface="+mn-ea"/>
-                <a:cs typeface="+mn-cs"/>
-              </a:defRPr>
-            </a:lvl6pPr>
-            <a:lvl7pPr marL="2743200" indent="0" algn="ctr" defTabSz="457200" rtl="0" eaLnBrk="1" latinLnBrk="0" hangingPunct="1">
-              <a:spcBef>
-                <a:spcPts val="1000"/>
-              </a:spcBef>
-              <a:spcAft>
-                <a:spcPts val="0"/>
-              </a:spcAft>
-              <a:buClr>
-                <a:schemeClr val="accent1"/>
-              </a:buClr>
-              <a:buFont typeface="Wingdings 3" charset="2"/>
-              <a:buNone/>
-              <a:defRPr sz="1200" kern="1200">
-                <a:solidFill>
-                  <a:schemeClr val="tx1">
-                    <a:tint val="75000"/>
-                  </a:schemeClr>
-                </a:solidFill>
-                <a:latin typeface="+mn-lt"/>
-                <a:ea typeface="+mn-ea"/>
-                <a:cs typeface="+mn-cs"/>
-              </a:defRPr>
-            </a:lvl7pPr>
-            <a:lvl8pPr marL="3200400" indent="0" algn="ctr" defTabSz="457200" rtl="0" eaLnBrk="1" latinLnBrk="0" hangingPunct="1">
-              <a:spcBef>
-                <a:spcPts val="1000"/>
-              </a:spcBef>
-              <a:spcAft>
-                <a:spcPts val="0"/>
-              </a:spcAft>
-              <a:buClr>
-                <a:schemeClr val="accent1"/>
-              </a:buClr>
-              <a:buFont typeface="Wingdings 3" charset="2"/>
-              <a:buNone/>
-              <a:defRPr sz="1200" kern="1200">
-                <a:solidFill>
-                  <a:schemeClr val="tx1">
-                    <a:tint val="75000"/>
-                  </a:schemeClr>
-                </a:solidFill>
-                <a:latin typeface="+mn-lt"/>
-                <a:ea typeface="+mn-ea"/>
-                <a:cs typeface="+mn-cs"/>
-              </a:defRPr>
-            </a:lvl8pPr>
-            <a:lvl9pPr marL="3657600" indent="0" algn="ctr" defTabSz="457200" rtl="0" eaLnBrk="1" latinLnBrk="0" hangingPunct="1">
-              <a:spcBef>
-                <a:spcPts val="1000"/>
-              </a:spcBef>
-              <a:spcAft>
-                <a:spcPts val="0"/>
-              </a:spcAft>
-              <a:buClr>
-                <a:schemeClr val="accent1"/>
-              </a:buClr>
-              <a:buFont typeface="Wingdings 3" charset="2"/>
-              <a:buNone/>
-              <a:defRPr sz="1200" kern="1200">
-                <a:solidFill>
-                  <a:schemeClr val="tx1">
-                    <a:tint val="75000"/>
-                  </a:schemeClr>
-                </a:solidFill>
-                <a:latin typeface="+mn-lt"/>
-                <a:ea typeface="+mn-ea"/>
-                <a:cs typeface="+mn-cs"/>
-              </a:defRPr>
-            </a:lvl9pPr>
-          </a:lstStyle>
-          <a:p>
-            <a:pPr>
-              <a:lnSpc>
-                <a:spcPct val="90000"/>
-              </a:lnSpc>
-            </a:pPr>
-            <a:r>
-              <a:rPr lang="en-US" sz="1500" dirty="0">
-                <a:solidFill>
-                  <a:schemeClr val="tx1"/>
-                </a:solidFill>
-              </a:rPr>
-              <a:t>12 </a:t>
-            </a:r>
-            <a:r>
-              <a:rPr lang="en-US" sz="1500" dirty="0" err="1">
-                <a:solidFill>
-                  <a:schemeClr val="tx1"/>
-                </a:solidFill>
-              </a:rPr>
-              <a:t>Sln</a:t>
-            </a:r>
-            <a:r>
-              <a:rPr lang="en-US" sz="1500" dirty="0">
-                <a:solidFill>
-                  <a:schemeClr val="tx1"/>
-                </a:solidFill>
-              </a:rPr>
-              <a:t>:</a:t>
-            </a:r>
-          </a:p>
-          <a:p>
-            <a:pPr>
-              <a:lnSpc>
-                <a:spcPct val="90000"/>
-              </a:lnSpc>
-            </a:pPr>
-            <a:r>
-              <a:rPr lang="en-US" sz="1500" dirty="0">
-                <a:solidFill>
-                  <a:schemeClr val="tx1"/>
-                </a:solidFill>
-              </a:rPr>
-              <a:t>print("    *    ")</a:t>
-            </a:r>
-          </a:p>
-          <a:p>
-            <a:pPr>
-              <a:lnSpc>
-                <a:spcPct val="90000"/>
-              </a:lnSpc>
-            </a:pPr>
-            <a:r>
-              <a:rPr lang="en-US" sz="1500" dirty="0">
-                <a:solidFill>
-                  <a:schemeClr val="tx1"/>
-                </a:solidFill>
-              </a:rPr>
-              <a:t>print("   * *   ")</a:t>
-            </a:r>
-          </a:p>
-          <a:p>
-            <a:pPr>
-              <a:lnSpc>
-                <a:spcPct val="90000"/>
-              </a:lnSpc>
-            </a:pPr>
-            <a:r>
-              <a:rPr lang="en-US" sz="1500" dirty="0">
-                <a:solidFill>
-                  <a:schemeClr val="tx1"/>
-                </a:solidFill>
-              </a:rPr>
-              <a:t>print("  *   *  ")</a:t>
-            </a:r>
-          </a:p>
-          <a:p>
-            <a:pPr>
-              <a:lnSpc>
-                <a:spcPct val="90000"/>
-              </a:lnSpc>
-            </a:pPr>
-            <a:r>
-              <a:rPr lang="en-US" sz="1500" dirty="0">
-                <a:solidFill>
-                  <a:schemeClr val="tx1"/>
-                </a:solidFill>
-              </a:rPr>
-              <a:t>print(" *     * ")</a:t>
-            </a:r>
-          </a:p>
-          <a:p>
-            <a:pPr>
-              <a:lnSpc>
-                <a:spcPct val="90000"/>
-              </a:lnSpc>
-            </a:pPr>
-            <a:r>
-              <a:rPr lang="en-US" sz="1500" dirty="0">
-                <a:solidFill>
-                  <a:schemeClr val="tx1"/>
-                </a:solidFill>
-              </a:rPr>
-              <a:t>print("*       *")</a:t>
-            </a:r>
-          </a:p>
-          <a:p>
-            <a:pPr>
-              <a:lnSpc>
-                <a:spcPct val="90000"/>
-              </a:lnSpc>
-            </a:pPr>
-            <a:r>
-              <a:rPr lang="en-US" sz="1500" dirty="0">
-                <a:solidFill>
-                  <a:schemeClr val="tx1"/>
-                </a:solidFill>
-              </a:rPr>
-              <a:t>print(" *     * ")</a:t>
-            </a:r>
-          </a:p>
-          <a:p>
-            <a:pPr>
-              <a:lnSpc>
-                <a:spcPct val="90000"/>
-              </a:lnSpc>
-            </a:pPr>
-            <a:r>
-              <a:rPr lang="en-US" sz="1500" dirty="0">
-                <a:solidFill>
-                  <a:schemeClr val="tx1"/>
-                </a:solidFill>
-              </a:rPr>
-              <a:t>print("  *   *  ")</a:t>
-            </a:r>
-          </a:p>
-          <a:p>
-            <a:pPr>
-              <a:lnSpc>
-                <a:spcPct val="90000"/>
-              </a:lnSpc>
-            </a:pPr>
-            <a:r>
-              <a:rPr lang="en-US" sz="1500" dirty="0">
-                <a:solidFill>
-                  <a:schemeClr val="tx1"/>
-                </a:solidFill>
-              </a:rPr>
-              <a:t>print("   * *   ")</a:t>
-            </a:r>
-          </a:p>
-          <a:p>
-            <a:pPr>
-              <a:lnSpc>
-                <a:spcPct val="90000"/>
-              </a:lnSpc>
-            </a:pPr>
-            <a:r>
-              <a:rPr lang="en-US" sz="1500" dirty="0">
-                <a:solidFill>
-                  <a:schemeClr val="tx1"/>
-                </a:solidFill>
-              </a:rPr>
-              <a:t>print("    *    ")</a:t>
-            </a:r>
-          </a:p>
-          <a:p>
-            <a:pPr>
-              <a:lnSpc>
-                <a:spcPct val="90000"/>
-              </a:lnSpc>
-            </a:pPr>
-            <a:endParaRPr lang="en-US" sz="1500" dirty="0">
-              <a:solidFill>
-                <a:schemeClr val="tx1"/>
-              </a:solidFill>
-            </a:endParaRPr>
-          </a:p>
-        </p:txBody>
-      </p:sp>
-      <p:sp>
-        <p:nvSpPr>
-          <p:cNvPr id="13" name="Subtitle 2">
-            <a:extLst>
-              <a:ext uri="{FF2B5EF4-FFF2-40B4-BE49-F238E27FC236}">
-                <a16:creationId xmlns:a16="http://schemas.microsoft.com/office/drawing/2014/main" id="{08FF4B3A-9BDE-5BEB-EAA3-A439D0EC16DC}"/>
-              </a:ext>
-            </a:extLst>
-          </p:cNvPr>
-          <p:cNvSpPr txBox="1">
-            <a:spLocks/>
-          </p:cNvSpPr>
-          <p:nvPr/>
-        </p:nvSpPr>
-        <p:spPr>
-          <a:xfrm>
-            <a:off x="9093178" y="2377978"/>
-            <a:ext cx="2270757" cy="3568178"/>
-          </a:xfrm>
-          <a:prstGeom prst="rect">
-            <a:avLst/>
-          </a:prstGeom>
-        </p:spPr>
-        <p:txBody>
-          <a:bodyPr vert="horz" lIns="91440" tIns="45720" rIns="91440" bIns="45720" rtlCol="0" anchor="t">
-            <a:normAutofit/>
-          </a:bodyPr>
-          <a:lstStyle>
-            <a:lvl1pPr marL="0" indent="0" algn="l" defTabSz="457200" rtl="0" eaLnBrk="1" latinLnBrk="0" hangingPunct="1">
-              <a:spcBef>
-                <a:spcPts val="1000"/>
-              </a:spcBef>
-              <a:spcAft>
-                <a:spcPts val="0"/>
-              </a:spcAft>
-              <a:buClr>
-                <a:schemeClr val="accent1"/>
-              </a:buClr>
-              <a:buFont typeface="Wingdings 3" charset="2"/>
-              <a:buNone/>
-              <a:defRPr sz="1800" kern="1200">
-                <a:solidFill>
-                  <a:schemeClr val="tx1">
-                    <a:lumMod val="65000"/>
-                    <a:lumOff val="35000"/>
-                  </a:schemeClr>
-                </a:solidFill>
-                <a:latin typeface="+mn-lt"/>
-                <a:ea typeface="+mn-ea"/>
-                <a:cs typeface="+mn-cs"/>
-              </a:defRPr>
-            </a:lvl1pPr>
-            <a:lvl2pPr marL="457200" indent="0" algn="ctr" defTabSz="457200" rtl="0" eaLnBrk="1" latinLnBrk="0" hangingPunct="1">
-              <a:spcBef>
-                <a:spcPts val="1000"/>
-              </a:spcBef>
-              <a:spcAft>
-                <a:spcPts val="0"/>
-              </a:spcAft>
-              <a:buClr>
-                <a:schemeClr val="accent1"/>
-              </a:buClr>
-              <a:buFont typeface="Wingdings 3" charset="2"/>
-              <a:buNone/>
-              <a:defRPr sz="1600" kern="1200">
-                <a:solidFill>
-                  <a:schemeClr val="tx1">
-                    <a:tint val="75000"/>
-                  </a:schemeClr>
-                </a:solidFill>
-                <a:latin typeface="+mn-lt"/>
-                <a:ea typeface="+mn-ea"/>
-                <a:cs typeface="+mn-cs"/>
-              </a:defRPr>
-            </a:lvl2pPr>
-            <a:lvl3pPr marL="914400" indent="0" algn="ctr" defTabSz="457200" rtl="0" eaLnBrk="1" latinLnBrk="0" hangingPunct="1">
-              <a:spcBef>
-                <a:spcPts val="1000"/>
-              </a:spcBef>
-              <a:spcAft>
-                <a:spcPts val="0"/>
-              </a:spcAft>
-              <a:buClr>
-                <a:schemeClr val="accent1"/>
-              </a:buClr>
-              <a:buFont typeface="Wingdings 3" charset="2"/>
-              <a:buNone/>
-              <a:defRPr sz="1400" kern="1200">
-                <a:solidFill>
-                  <a:schemeClr val="tx1">
-                    <a:tint val="75000"/>
-                  </a:schemeClr>
-                </a:solidFill>
-                <a:latin typeface="+mn-lt"/>
-                <a:ea typeface="+mn-ea"/>
-                <a:cs typeface="+mn-cs"/>
-              </a:defRPr>
-            </a:lvl3pPr>
-            <a:lvl4pPr marL="1371600" indent="0" algn="ctr" defTabSz="457200" rtl="0" eaLnBrk="1" latinLnBrk="0" hangingPunct="1">
-              <a:spcBef>
-                <a:spcPts val="1000"/>
-              </a:spcBef>
-              <a:spcAft>
-                <a:spcPts val="0"/>
-              </a:spcAft>
-              <a:buClr>
-                <a:schemeClr val="accent1"/>
-              </a:buClr>
-              <a:buFont typeface="Wingdings 3" charset="2"/>
-              <a:buNone/>
-              <a:defRPr sz="1200" kern="1200">
-                <a:solidFill>
-                  <a:schemeClr val="tx1">
-                    <a:tint val="75000"/>
-                  </a:schemeClr>
-                </a:solidFill>
-                <a:latin typeface="+mn-lt"/>
-                <a:ea typeface="+mn-ea"/>
-                <a:cs typeface="+mn-cs"/>
-              </a:defRPr>
-            </a:lvl4pPr>
-            <a:lvl5pPr marL="1828800" indent="0" algn="ctr" defTabSz="457200" rtl="0" eaLnBrk="1" latinLnBrk="0" hangingPunct="1">
-              <a:spcBef>
-                <a:spcPts val="1000"/>
-              </a:spcBef>
-              <a:spcAft>
-                <a:spcPts val="0"/>
-              </a:spcAft>
-              <a:buClr>
-                <a:schemeClr val="accent1"/>
-              </a:buClr>
-              <a:buFont typeface="Wingdings 3" charset="2"/>
-              <a:buNone/>
-              <a:defRPr sz="1200" kern="1200">
-                <a:solidFill>
-                  <a:schemeClr val="tx1">
-                    <a:tint val="75000"/>
-                  </a:schemeClr>
-                </a:solidFill>
-                <a:latin typeface="+mn-lt"/>
-                <a:ea typeface="+mn-ea"/>
-                <a:cs typeface="+mn-cs"/>
-              </a:defRPr>
-            </a:lvl5pPr>
-            <a:lvl6pPr marL="2286000" indent="0" algn="ctr" defTabSz="457200" rtl="0" eaLnBrk="1" latinLnBrk="0" hangingPunct="1">
-              <a:spcBef>
-                <a:spcPts val="1000"/>
-              </a:spcBef>
-              <a:spcAft>
-                <a:spcPts val="0"/>
-              </a:spcAft>
-              <a:buClr>
-                <a:schemeClr val="accent1"/>
-              </a:buClr>
-              <a:buFont typeface="Wingdings 3" charset="2"/>
-              <a:buNone/>
-              <a:defRPr sz="1200" kern="1200">
-                <a:solidFill>
-                  <a:schemeClr val="tx1">
-                    <a:tint val="75000"/>
-                  </a:schemeClr>
-                </a:solidFill>
-                <a:latin typeface="+mn-lt"/>
-                <a:ea typeface="+mn-ea"/>
-                <a:cs typeface="+mn-cs"/>
-              </a:defRPr>
-            </a:lvl6pPr>
-            <a:lvl7pPr marL="2743200" indent="0" algn="ctr" defTabSz="457200" rtl="0" eaLnBrk="1" latinLnBrk="0" hangingPunct="1">
-              <a:spcBef>
-                <a:spcPts val="1000"/>
-              </a:spcBef>
-              <a:spcAft>
-                <a:spcPts val="0"/>
-              </a:spcAft>
-              <a:buClr>
-                <a:schemeClr val="accent1"/>
-              </a:buClr>
-              <a:buFont typeface="Wingdings 3" charset="2"/>
-              <a:buNone/>
-              <a:defRPr sz="1200" kern="1200">
-                <a:solidFill>
-                  <a:schemeClr val="tx1">
-                    <a:tint val="75000"/>
-                  </a:schemeClr>
-                </a:solidFill>
-                <a:latin typeface="+mn-lt"/>
-                <a:ea typeface="+mn-ea"/>
-                <a:cs typeface="+mn-cs"/>
-              </a:defRPr>
-            </a:lvl7pPr>
-            <a:lvl8pPr marL="3200400" indent="0" algn="ctr" defTabSz="457200" rtl="0" eaLnBrk="1" latinLnBrk="0" hangingPunct="1">
-              <a:spcBef>
-                <a:spcPts val="1000"/>
-              </a:spcBef>
-              <a:spcAft>
-                <a:spcPts val="0"/>
-              </a:spcAft>
-              <a:buClr>
-                <a:schemeClr val="accent1"/>
-              </a:buClr>
-              <a:buFont typeface="Wingdings 3" charset="2"/>
-              <a:buNone/>
-              <a:defRPr sz="1200" kern="1200">
-                <a:solidFill>
-                  <a:schemeClr val="tx1">
-                    <a:tint val="75000"/>
-                  </a:schemeClr>
-                </a:solidFill>
-                <a:latin typeface="+mn-lt"/>
-                <a:ea typeface="+mn-ea"/>
-                <a:cs typeface="+mn-cs"/>
-              </a:defRPr>
-            </a:lvl8pPr>
-            <a:lvl9pPr marL="3657600" indent="0" algn="ctr" defTabSz="457200" rtl="0" eaLnBrk="1" latinLnBrk="0" hangingPunct="1">
-              <a:spcBef>
-                <a:spcPts val="1000"/>
-              </a:spcBef>
-              <a:spcAft>
-                <a:spcPts val="0"/>
-              </a:spcAft>
-              <a:buClr>
-                <a:schemeClr val="accent1"/>
-              </a:buClr>
-              <a:buFont typeface="Wingdings 3" charset="2"/>
-              <a:buNone/>
-              <a:defRPr sz="1200" kern="1200">
-                <a:solidFill>
-                  <a:schemeClr val="tx1">
-                    <a:tint val="75000"/>
-                  </a:schemeClr>
-                </a:solidFill>
-                <a:latin typeface="+mn-lt"/>
-                <a:ea typeface="+mn-ea"/>
-                <a:cs typeface="+mn-cs"/>
-              </a:defRPr>
-            </a:lvl9pPr>
-          </a:lstStyle>
-          <a:p>
-            <a:pPr>
-              <a:lnSpc>
-                <a:spcPct val="90000"/>
-              </a:lnSpc>
-            </a:pPr>
-            <a:r>
-              <a:rPr lang="en-US" sz="1500" dirty="0">
-                <a:solidFill>
-                  <a:schemeClr val="tx1"/>
-                </a:solidFill>
-              </a:rPr>
-              <a:t>13. </a:t>
-            </a:r>
-            <a:r>
-              <a:rPr lang="en-US" sz="1500" dirty="0" err="1">
-                <a:solidFill>
-                  <a:schemeClr val="tx1"/>
-                </a:solidFill>
-              </a:rPr>
-              <a:t>Sln</a:t>
-            </a:r>
-            <a:r>
-              <a:rPr lang="en-US" sz="1500" dirty="0">
-                <a:solidFill>
-                  <a:schemeClr val="tx1"/>
-                </a:solidFill>
-              </a:rPr>
-              <a:t>:</a:t>
-            </a:r>
-          </a:p>
-          <a:p>
-            <a:pPr>
-              <a:lnSpc>
-                <a:spcPct val="90000"/>
-              </a:lnSpc>
-            </a:pPr>
-            <a:r>
-              <a:rPr lang="en-US" sz="1500" dirty="0">
-                <a:solidFill>
-                  <a:schemeClr val="tx1"/>
-                </a:solidFill>
-              </a:rPr>
-              <a:t>print("*     *     *     *")</a:t>
-            </a:r>
-          </a:p>
-          <a:p>
-            <a:pPr>
-              <a:lnSpc>
-                <a:spcPct val="90000"/>
-              </a:lnSpc>
-            </a:pPr>
-            <a:r>
-              <a:rPr lang="en-US" sz="1500" dirty="0">
-                <a:solidFill>
-                  <a:schemeClr val="tx1"/>
-                </a:solidFill>
-              </a:rPr>
-              <a:t>print(" *   * *   * *   * ")</a:t>
-            </a:r>
-          </a:p>
-          <a:p>
-            <a:pPr>
-              <a:lnSpc>
-                <a:spcPct val="90000"/>
-              </a:lnSpc>
-            </a:pPr>
-            <a:r>
-              <a:rPr lang="en-US" sz="1500" dirty="0">
-                <a:solidFill>
-                  <a:schemeClr val="tx1"/>
-                </a:solidFill>
-              </a:rPr>
-              <a:t>print("  * *   * *   * *  ")</a:t>
-            </a:r>
-          </a:p>
-          <a:p>
-            <a:pPr>
-              <a:lnSpc>
-                <a:spcPct val="90000"/>
-              </a:lnSpc>
-            </a:pPr>
-            <a:r>
-              <a:rPr lang="en-US" sz="1500" dirty="0">
-                <a:solidFill>
-                  <a:schemeClr val="tx1"/>
-                </a:solidFill>
-              </a:rPr>
-              <a:t>print("   *     *     *   ")</a:t>
-            </a:r>
-          </a:p>
-          <a:p>
-            <a:pPr>
-              <a:lnSpc>
-                <a:spcPct val="90000"/>
-              </a:lnSpc>
-            </a:pPr>
-            <a:endParaRPr lang="en-US" sz="1500" dirty="0">
-              <a:solidFill>
-                <a:schemeClr val="tx1"/>
-              </a:solidFill>
-            </a:endParaRPr>
-          </a:p>
-        </p:txBody>
-      </p:sp>
     </p:spTree>
     <p:extLst>
       <p:ext uri="{BB962C8B-B14F-4D97-AF65-F5344CB8AC3E}">
-        <p14:creationId xmlns:p14="http://schemas.microsoft.com/office/powerpoint/2010/main" val="1974531962"/>
+        <p14:creationId xmlns:p14="http://schemas.microsoft.com/office/powerpoint/2010/main" val="2865369277"/>
       </p:ext>
     </p:extLst>
   </p:cSld>
@@ -16718,7 +16539,7 @@
           <p:cNvPr id="2" name="Title 1">
             <a:extLst>
               <a:ext uri="{FF2B5EF4-FFF2-40B4-BE49-F238E27FC236}">
-                <a16:creationId xmlns:a16="http://schemas.microsoft.com/office/drawing/2014/main" id="{2C61FB2E-914D-F29F-2D15-E4281DA6E655}"/>
+                <a16:creationId xmlns:a16="http://schemas.microsoft.com/office/drawing/2014/main" id="{A4491372-A469-A67B-7019-CFDF8AEDE0B2}"/>
               </a:ext>
             </a:extLst>
           </p:cNvPr>
@@ -16731,74 +16552,30 @@
         </p:nvSpPr>
         <p:spPr>
           <a:xfrm>
-            <a:off x="2589213" y="0"/>
-            <a:ext cx="8915399" cy="2262781"/>
+            <a:off x="2265656" y="2418246"/>
+            <a:ext cx="8482061" cy="1675454"/>
           </a:xfrm>
         </p:spPr>
         <p:txBody>
-          <a:bodyPr/>
+          <a:bodyPr>
+            <a:normAutofit/>
+          </a:bodyPr>
           <a:lstStyle/>
           <a:p>
-            <a:r>
-              <a:rPr lang="en-US" dirty="0"/>
-              <a:t>Debugging Tips</a:t>
-            </a:r>
-          </a:p>
-        </p:txBody>
-      </p:sp>
-      <p:sp>
-        <p:nvSpPr>
-          <p:cNvPr id="3" name="Subtitle 2">
+            <a:pPr algn="ctr"/>
+            <a:r>
+              <a:rPr lang="en-US" sz="6000" b="1" dirty="0"/>
+              <a:t>Any Question?</a:t>
+            </a:r>
+          </a:p>
+        </p:txBody>
+      </p:sp>
+      <p:sp>
+        <p:nvSpPr>
+          <p:cNvPr id="6" name="Slide Number Placeholder 5">
             <a:extLst>
               <a:ext uri="{FF2B5EF4-FFF2-40B4-BE49-F238E27FC236}">
-                <a16:creationId xmlns:a16="http://schemas.microsoft.com/office/drawing/2014/main" id="{6B2DD77A-9611-7392-DC2D-8CFD508E93C5}"/>
-              </a:ext>
-            </a:extLst>
-          </p:cNvPr>
-          <p:cNvSpPr>
-            <a:spLocks noGrp="1"/>
-          </p:cNvSpPr>
-          <p:nvPr>
-            <p:ph type="subTitle" idx="1"/>
-          </p:nvPr>
-        </p:nvSpPr>
-        <p:spPr>
-          <a:xfrm>
-            <a:off x="2589213" y="3010487"/>
-            <a:ext cx="8915399" cy="2893176"/>
-          </a:xfrm>
-        </p:spPr>
-        <p:txBody>
-          <a:bodyPr/>
-          <a:lstStyle/>
-          <a:p>
-            <a:r>
-              <a:rPr lang="en-US" dirty="0">
-                <a:solidFill>
-                  <a:schemeClr val="tx1"/>
-                </a:solidFill>
-              </a:rPr>
-              <a:t>Use print statements to debug.</a:t>
-            </a:r>
-          </a:p>
-          <a:p>
-            <a:r>
-              <a:rPr lang="en-US" dirty="0">
-                <a:solidFill>
-                  <a:schemeClr val="tx1"/>
-                </a:solidFill>
-              </a:rPr>
-              <a:t>Check variable values and types.</a:t>
-            </a:r>
-          </a:p>
-        </p:txBody>
-      </p:sp>
-      <p:sp>
-        <p:nvSpPr>
-          <p:cNvPr id="4" name="Slide Number Placeholder 3">
-            <a:extLst>
-              <a:ext uri="{FF2B5EF4-FFF2-40B4-BE49-F238E27FC236}">
-                <a16:creationId xmlns:a16="http://schemas.microsoft.com/office/drawing/2014/main" id="{FD76A327-0EE0-8D41-2D5A-92AC094E47B2}"/>
+                <a16:creationId xmlns:a16="http://schemas.microsoft.com/office/drawing/2014/main" id="{434C88C4-2BBD-DFDE-C408-010FACA636DC}"/>
               </a:ext>
             </a:extLst>
           </p:cNvPr>
@@ -16822,75 +16599,10 @@
           </a:p>
         </p:txBody>
       </p:sp>
-      <p:sp>
-        <p:nvSpPr>
-          <p:cNvPr id="5" name="Rectangle 4">
-            <a:extLst>
-              <a:ext uri="{FF2B5EF4-FFF2-40B4-BE49-F238E27FC236}">
-                <a16:creationId xmlns:a16="http://schemas.microsoft.com/office/drawing/2014/main" id="{A82C8DC1-4C80-B489-CC61-1EA0561812F1}"/>
-              </a:ext>
-            </a:extLst>
-          </p:cNvPr>
-          <p:cNvSpPr/>
-          <p:nvPr/>
-        </p:nvSpPr>
-        <p:spPr>
-          <a:xfrm>
-            <a:off x="1592009" y="6314575"/>
-            <a:ext cx="1994407" cy="306093"/>
-          </a:xfrm>
-          <a:prstGeom prst="rect">
-            <a:avLst/>
-          </a:prstGeom>
-          <a:solidFill>
-            <a:schemeClr val="bg2"/>
-          </a:solidFill>
-          <a:ln>
-            <a:solidFill>
-              <a:schemeClr val="bg1">
-                <a:lumMod val="95000"/>
-              </a:schemeClr>
-            </a:solidFill>
-          </a:ln>
-        </p:spPr>
-        <p:style>
-          <a:lnRef idx="2">
-            <a:schemeClr val="accent1">
-              <a:shade val="15000"/>
-            </a:schemeClr>
-          </a:lnRef>
-          <a:fillRef idx="1">
-            <a:schemeClr val="accent1"/>
-          </a:fillRef>
-          <a:effectRef idx="0">
-            <a:schemeClr val="accent1"/>
-          </a:effectRef>
-          <a:fontRef idx="minor">
-            <a:schemeClr val="lt1"/>
-          </a:fontRef>
-        </p:style>
-        <p:txBody>
-          <a:bodyPr rtlCol="0" anchor="ctr"/>
-          <a:lstStyle/>
-          <a:p>
-            <a:pPr algn="ctr"/>
-            <a:r>
-              <a:rPr lang="en-US" sz="1200" dirty="0">
-                <a:solidFill>
-                  <a:schemeClr val="bg1">
-                    <a:lumMod val="65000"/>
-                  </a:schemeClr>
-                </a:solidFill>
-              </a:rPr>
-              <a:t>Hafsa Sultana, CSE, KU</a:t>
-            </a:r>
-          </a:p>
-        </p:txBody>
-      </p:sp>
     </p:spTree>
     <p:extLst>
       <p:ext uri="{BB962C8B-B14F-4D97-AF65-F5344CB8AC3E}">
-        <p14:creationId xmlns:p14="http://schemas.microsoft.com/office/powerpoint/2010/main" val="2865369277"/>
+        <p14:creationId xmlns:p14="http://schemas.microsoft.com/office/powerpoint/2010/main" val="2038187295"/>
       </p:ext>
     </p:extLst>
   </p:cSld>
@@ -16922,101 +16634,6 @@
           <p:cNvPr id="2" name="Title 1">
             <a:extLst>
               <a:ext uri="{FF2B5EF4-FFF2-40B4-BE49-F238E27FC236}">
-                <a16:creationId xmlns:a16="http://schemas.microsoft.com/office/drawing/2014/main" id="{A4491372-A469-A67B-7019-CFDF8AEDE0B2}"/>
-              </a:ext>
-            </a:extLst>
-          </p:cNvPr>
-          <p:cNvSpPr>
-            <a:spLocks noGrp="1"/>
-          </p:cNvSpPr>
-          <p:nvPr>
-            <p:ph type="ctrTitle"/>
-          </p:nvPr>
-        </p:nvSpPr>
-        <p:spPr>
-          <a:xfrm>
-            <a:off x="2265656" y="2418246"/>
-            <a:ext cx="8482061" cy="1675454"/>
-          </a:xfrm>
-        </p:spPr>
-        <p:txBody>
-          <a:bodyPr>
-            <a:normAutofit/>
-          </a:bodyPr>
-          <a:lstStyle/>
-          <a:p>
-            <a:pPr algn="ctr"/>
-            <a:r>
-              <a:rPr lang="en-US" sz="6000" b="1" dirty="0"/>
-              <a:t>Any Question?</a:t>
-            </a:r>
-          </a:p>
-        </p:txBody>
-      </p:sp>
-      <p:sp>
-        <p:nvSpPr>
-          <p:cNvPr id="6" name="Slide Number Placeholder 5">
-            <a:extLst>
-              <a:ext uri="{FF2B5EF4-FFF2-40B4-BE49-F238E27FC236}">
-                <a16:creationId xmlns:a16="http://schemas.microsoft.com/office/drawing/2014/main" id="{434C88C4-2BBD-DFDE-C408-010FACA636DC}"/>
-              </a:ext>
-            </a:extLst>
-          </p:cNvPr>
-          <p:cNvSpPr>
-            <a:spLocks noGrp="1"/>
-          </p:cNvSpPr>
-          <p:nvPr>
-            <p:ph type="sldNum" sz="quarter" idx="12"/>
-          </p:nvPr>
-        </p:nvSpPr>
-        <p:spPr/>
-        <p:txBody>
-          <a:bodyPr/>
-          <a:lstStyle/>
-          <a:p>
-            <a:fld id="{1BA2F5C7-AA4C-441B-82CF-BB169A0AFBE6}" type="slidenum">
-              <a:rPr lang="en-US" smtClean="0"/>
-              <a:t>25</a:t>
-            </a:fld>
-            <a:endParaRPr lang="en-US"/>
-          </a:p>
-        </p:txBody>
-      </p:sp>
-    </p:spTree>
-    <p:extLst>
-      <p:ext uri="{BB962C8B-B14F-4D97-AF65-F5344CB8AC3E}">
-        <p14:creationId xmlns:p14="http://schemas.microsoft.com/office/powerpoint/2010/main" val="2038187295"/>
-      </p:ext>
-    </p:extLst>
-  </p:cSld>
-  <p:clrMapOvr>
-    <a:masterClrMapping/>
-  </p:clrMapOvr>
-</p:sld>
-</file>
-
-<file path=ppt/slides/slide26.xml><?xml version="1.0" encoding="utf-8"?>
-<p:sld xmlns:a="http://schemas.openxmlformats.org/drawingml/2006/main" xmlns:r="http://schemas.openxmlformats.org/officeDocument/2006/relationships" xmlns:p="http://schemas.openxmlformats.org/presentationml/2006/main">
-  <p:cSld>
-    <p:spTree>
-      <p:nvGrpSpPr>
-        <p:cNvPr id="1" name=""/>
-        <p:cNvGrpSpPr/>
-        <p:nvPr/>
-      </p:nvGrpSpPr>
-      <p:grpSpPr>
-        <a:xfrm>
-          <a:off x="0" y="0"/>
-          <a:ext cx="0" cy="0"/>
-          <a:chOff x="0" y="0"/>
-          <a:chExt cx="0" cy="0"/>
-        </a:xfrm>
-      </p:grpSpPr>
-      <p:sp>
-        <p:nvSpPr>
-          <p:cNvPr id="2" name="Title 1">
-            <a:extLst>
-              <a:ext uri="{FF2B5EF4-FFF2-40B4-BE49-F238E27FC236}">
                 <a16:creationId xmlns:a16="http://schemas.microsoft.com/office/drawing/2014/main" id="{360A7F2F-0EBA-244C-5D09-B81AF6A9F9B5}"/>
               </a:ext>
             </a:extLst>
@@ -17149,7 +16766,7 @@
             <a:fld id="{4FAB73BC-B049-4115-A692-8D63A059BFB8}" type="slidenum">
               <a:rPr lang="en-US" smtClean="0"/>
               <a:pPr/>
-              <a:t>26</a:t>
+              <a:t>25</a:t>
             </a:fld>
             <a:endParaRPr lang="en-US" dirty="0"/>
           </a:p>
